--- a/docs/globalization.pptx
+++ b/docs/globalization.pptx
@@ -8,6 +8,9 @@
     <p:sldId id="256" r:id="rId2"/>
     <p:sldId id="257" r:id="rId3"/>
     <p:sldId id="258" r:id="rId4"/>
+    <p:sldId id="259" r:id="rId5"/>
+    <p:sldId id="260" r:id="rId6"/>
+    <p:sldId id="261" r:id="rId7"/>
   </p:sldIdLst>
   <p:sldSz cx="12192000" cy="6858000"/>
   <p:notesSz cx="6858000" cy="9144000"/>
@@ -106,6 +109,11 @@
       </a:defRPr>
     </a:lvl9pPr>
   </p:defaultTextStyle>
+  <p:extLst>
+    <p:ext uri="{EFAFB233-063F-42B5-8137-9DF3F51BA10A}">
+      <p15:sldGuideLst xmlns:p15="http://schemas.microsoft.com/office/powerpoint/2012/main"/>
+    </p:ext>
+  </p:extLst>
 </p:presentation>
 </file>
 
@@ -256,7 +264,7 @@
           <a:p>
             <a:fld id="{0DF7C241-54C7-4B53-BA8B-9ABC8CD697D5}" type="datetimeFigureOut">
               <a:rPr lang="he-IL" smtClean="0"/>
-              <a:t>כ"ח/סיון/תשפ"ב</a:t>
+              <a:t>כ"ט/סיון/תשפ"ב</a:t>
             </a:fld>
             <a:endParaRPr lang="he-IL"/>
           </a:p>
@@ -454,7 +462,7 @@
           <a:p>
             <a:fld id="{0DF7C241-54C7-4B53-BA8B-9ABC8CD697D5}" type="datetimeFigureOut">
               <a:rPr lang="he-IL" smtClean="0"/>
-              <a:t>כ"ח/סיון/תשפ"ב</a:t>
+              <a:t>כ"ט/סיון/תשפ"ב</a:t>
             </a:fld>
             <a:endParaRPr lang="he-IL"/>
           </a:p>
@@ -662,7 +670,7 @@
           <a:p>
             <a:fld id="{0DF7C241-54C7-4B53-BA8B-9ABC8CD697D5}" type="datetimeFigureOut">
               <a:rPr lang="he-IL" smtClean="0"/>
-              <a:t>כ"ח/סיון/תשפ"ב</a:t>
+              <a:t>כ"ט/סיון/תשפ"ב</a:t>
             </a:fld>
             <a:endParaRPr lang="he-IL"/>
           </a:p>
@@ -860,7 +868,7 @@
           <a:p>
             <a:fld id="{0DF7C241-54C7-4B53-BA8B-9ABC8CD697D5}" type="datetimeFigureOut">
               <a:rPr lang="he-IL" smtClean="0"/>
-              <a:t>כ"ח/סיון/תשפ"ב</a:t>
+              <a:t>כ"ט/סיון/תשפ"ב</a:t>
             </a:fld>
             <a:endParaRPr lang="he-IL"/>
           </a:p>
@@ -1135,7 +1143,7 @@
           <a:p>
             <a:fld id="{0DF7C241-54C7-4B53-BA8B-9ABC8CD697D5}" type="datetimeFigureOut">
               <a:rPr lang="he-IL" smtClean="0"/>
-              <a:t>כ"ח/סיון/תשפ"ב</a:t>
+              <a:t>כ"ט/סיון/תשפ"ב</a:t>
             </a:fld>
             <a:endParaRPr lang="he-IL"/>
           </a:p>
@@ -1400,7 +1408,7 @@
           <a:p>
             <a:fld id="{0DF7C241-54C7-4B53-BA8B-9ABC8CD697D5}" type="datetimeFigureOut">
               <a:rPr lang="he-IL" smtClean="0"/>
-              <a:t>כ"ח/סיון/תשפ"ב</a:t>
+              <a:t>כ"ט/סיון/תשפ"ב</a:t>
             </a:fld>
             <a:endParaRPr lang="he-IL"/>
           </a:p>
@@ -1812,7 +1820,7 @@
           <a:p>
             <a:fld id="{0DF7C241-54C7-4B53-BA8B-9ABC8CD697D5}" type="datetimeFigureOut">
               <a:rPr lang="he-IL" smtClean="0"/>
-              <a:t>כ"ח/סיון/תשפ"ב</a:t>
+              <a:t>כ"ט/סיון/תשפ"ב</a:t>
             </a:fld>
             <a:endParaRPr lang="he-IL"/>
           </a:p>
@@ -1953,7 +1961,7 @@
           <a:p>
             <a:fld id="{0DF7C241-54C7-4B53-BA8B-9ABC8CD697D5}" type="datetimeFigureOut">
               <a:rPr lang="he-IL" smtClean="0"/>
-              <a:t>כ"ח/סיון/תשפ"ב</a:t>
+              <a:t>כ"ט/סיון/תשפ"ב</a:t>
             </a:fld>
             <a:endParaRPr lang="he-IL"/>
           </a:p>
@@ -2066,7 +2074,7 @@
           <a:p>
             <a:fld id="{0DF7C241-54C7-4B53-BA8B-9ABC8CD697D5}" type="datetimeFigureOut">
               <a:rPr lang="he-IL" smtClean="0"/>
-              <a:t>כ"ח/סיון/תשפ"ב</a:t>
+              <a:t>כ"ט/סיון/תשפ"ב</a:t>
             </a:fld>
             <a:endParaRPr lang="he-IL"/>
           </a:p>
@@ -2377,7 +2385,7 @@
           <a:p>
             <a:fld id="{0DF7C241-54C7-4B53-BA8B-9ABC8CD697D5}" type="datetimeFigureOut">
               <a:rPr lang="he-IL" smtClean="0"/>
-              <a:t>כ"ח/סיון/תשפ"ב</a:t>
+              <a:t>כ"ט/סיון/תשפ"ב</a:t>
             </a:fld>
             <a:endParaRPr lang="he-IL"/>
           </a:p>
@@ -2665,7 +2673,7 @@
           <a:p>
             <a:fld id="{0DF7C241-54C7-4B53-BA8B-9ABC8CD697D5}" type="datetimeFigureOut">
               <a:rPr lang="he-IL" smtClean="0"/>
-              <a:t>כ"ח/סיון/תשפ"ב</a:t>
+              <a:t>כ"ט/סיון/תשפ"ב</a:t>
             </a:fld>
             <a:endParaRPr lang="he-IL"/>
           </a:p>
@@ -2906,7 +2914,7 @@
           <a:p>
             <a:fld id="{0DF7C241-54C7-4B53-BA8B-9ABC8CD697D5}" type="datetimeFigureOut">
               <a:rPr lang="he-IL" smtClean="0"/>
-              <a:t>כ"ח/סיון/תשפ"ב</a:t>
+              <a:t>כ"ט/סיון/תשפ"ב</a:t>
             </a:fld>
             <a:endParaRPr lang="he-IL"/>
           </a:p>
@@ -3366,7 +3374,7 @@
                   </a:outerShdw>
                 </a:effectLst>
               </a:rPr>
-              <a:t>סדנה גרסה 4 (ברוך שפטרנו)</a:t>
+              <a:t>סדנה גרסה 4</a:t>
             </a:r>
           </a:p>
           <a:p>
@@ -3415,7 +3423,7 @@
         <p:spPr>
           <a:xfrm>
             <a:off x="1770611" y="5768724"/>
-            <a:ext cx="9168938" cy="923330"/>
+            <a:ext cx="9168938" cy="1015663"/>
           </a:xfrm>
           <a:prstGeom prst="rect">
             <a:avLst/>
@@ -3430,36 +3438,36 @@
           <a:p>
             <a:pPr algn="ctr"/>
             <a:r>
-              <a:rPr lang="he-IL" dirty="0"/>
+              <a:rPr lang="he-IL" sz="2000" dirty="0"/>
               <a:t>ראש גרסה – איתי צרויה</a:t>
             </a:r>
           </a:p>
           <a:p>
             <a:pPr algn="ctr"/>
             <a:r>
-              <a:rPr lang="he-IL" dirty="0"/>
+              <a:rPr lang="he-IL" sz="2000" dirty="0"/>
               <a:t>ראש גרסה חורג – ניר דניאל</a:t>
             </a:r>
           </a:p>
           <a:p>
             <a:pPr algn="ctr"/>
             <a:r>
-              <a:rPr lang="he-IL" dirty="0"/>
+              <a:rPr lang="he-IL" sz="2000" dirty="0"/>
               <a:t>חברי קבוצה יקרים – רון מיכל, איתי </a:t>
             </a:r>
             <a:r>
-              <a:rPr lang="he-IL" dirty="0" err="1"/>
+              <a:rPr lang="he-IL" sz="2000" dirty="0" err="1"/>
               <a:t>גיליוטין</a:t>
             </a:r>
             <a:r>
-              <a:rPr lang="he-IL" dirty="0"/>
+              <a:rPr lang="he-IL" sz="2000" dirty="0"/>
               <a:t>, תומר הלפרין, עומר </a:t>
             </a:r>
             <a:r>
-              <a:rPr lang="he-IL" dirty="0" err="1"/>
+              <a:rPr lang="he-IL" sz="2000" dirty="0" err="1"/>
               <a:t>פרסלר</a:t>
             </a:r>
-            <a:endParaRPr lang="he-IL" dirty="0"/>
+            <a:endParaRPr lang="he-IL" sz="2000" dirty="0"/>
           </a:p>
         </p:txBody>
       </p:sp>
@@ -3833,7 +3841,7 @@
             </a:pPr>
             <a:r>
               <a:rPr lang="en-US" sz="2400" dirty="0"/>
-              <a:t>The process of developing our source code according to international languages.</a:t>
+              <a:t>The process of developing our source code according to international formats.</a:t>
             </a:r>
           </a:p>
           <a:p>
@@ -3843,7 +3851,7 @@
             </a:pPr>
             <a:r>
               <a:rPr lang="en-US" sz="2000" dirty="0"/>
-              <a:t>For example – flexible currency sign, date format, etc.</a:t>
+              <a:t>For example – flexible currency sign, date format, credit card formats, time zones etc.</a:t>
             </a:r>
           </a:p>
           <a:p>
@@ -3863,15 +3871,539 @@
             </a:pPr>
             <a:r>
               <a:rPr lang="en-US" sz="2000" dirty="0"/>
-              <a:t>When developing our software system, we should keep in mind our product will not be used only in English.</a:t>
-            </a:r>
-          </a:p>
-        </p:txBody>
-      </p:sp>
+              <a:t>When developing our software system, we should keep in mind our product will not be used only in English, payment will not only be in dollars, etc.</a:t>
+            </a:r>
+          </a:p>
+        </p:txBody>
+      </p:sp>
+      <p:pic>
+        <p:nvPicPr>
+          <p:cNvPr id="1026" name="Picture 2" descr="How Cultural Differences Shape Your Gratitude">
+            <a:extLst>
+              <a:ext uri="{FF2B5EF4-FFF2-40B4-BE49-F238E27FC236}">
+                <a16:creationId xmlns:a16="http://schemas.microsoft.com/office/drawing/2014/main" id="{29B50555-91E0-E9EB-AC45-742709EC1BE3}"/>
+              </a:ext>
+            </a:extLst>
+          </p:cNvPr>
+          <p:cNvPicPr>
+            <a:picLocks noChangeAspect="1" noChangeArrowheads="1"/>
+          </p:cNvPicPr>
+          <p:nvPr/>
+        </p:nvPicPr>
+        <p:blipFill>
+          <a:blip r:embed="rId2">
+            <a:extLst>
+              <a:ext uri="{28A0092B-C50C-407E-A947-70E740481C1C}">
+                <a14:useLocalDpi xmlns:a14="http://schemas.microsoft.com/office/drawing/2010/main" val="0"/>
+              </a:ext>
+            </a:extLst>
+          </a:blip>
+          <a:srcRect/>
+          <a:stretch>
+            <a:fillRect/>
+          </a:stretch>
+        </p:blipFill>
+        <p:spPr bwMode="auto">
+          <a:xfrm>
+            <a:off x="3738302" y="3429000"/>
+            <a:ext cx="4715395" cy="3112161"/>
+          </a:xfrm>
+          <a:prstGeom prst="rect">
+            <a:avLst/>
+          </a:prstGeom>
+          <a:noFill/>
+          <a:extLst>
+            <a:ext uri="{909E8E84-426E-40DD-AFC4-6F175D3DCCD1}">
+              <a14:hiddenFill xmlns:a14="http://schemas.microsoft.com/office/drawing/2010/main">
+                <a:solidFill>
+                  <a:srgbClr val="FFFFFF"/>
+                </a:solidFill>
+              </a14:hiddenFill>
+            </a:ext>
+          </a:extLst>
+        </p:spPr>
+      </p:pic>
     </p:spTree>
     <p:extLst>
       <p:ext uri="{BB962C8B-B14F-4D97-AF65-F5344CB8AC3E}">
         <p14:creationId xmlns:p14="http://schemas.microsoft.com/office/powerpoint/2010/main" val="532755426"/>
+      </p:ext>
+    </p:extLst>
+  </p:cSld>
+  <p:clrMapOvr>
+    <a:masterClrMapping/>
+  </p:clrMapOvr>
+</p:sld>
+</file>
+
+<file path=ppt/slides/slide4.xml><?xml version="1.0" encoding="utf-8"?>
+<p:sld xmlns:a="http://schemas.openxmlformats.org/drawingml/2006/main" xmlns:r="http://schemas.openxmlformats.org/officeDocument/2006/relationships" xmlns:p="http://schemas.openxmlformats.org/presentationml/2006/main">
+  <p:cSld>
+    <p:spTree>
+      <p:nvGrpSpPr>
+        <p:cNvPr id="1" name=""/>
+        <p:cNvGrpSpPr/>
+        <p:nvPr/>
+      </p:nvGrpSpPr>
+      <p:grpSpPr>
+        <a:xfrm>
+          <a:off x="0" y="0"/>
+          <a:ext cx="0" cy="0"/>
+          <a:chOff x="0" y="0"/>
+          <a:chExt cx="0" cy="0"/>
+        </a:xfrm>
+      </p:grpSpPr>
+      <p:sp>
+        <p:nvSpPr>
+          <p:cNvPr id="4" name="מלבן 3">
+            <a:extLst>
+              <a:ext uri="{FF2B5EF4-FFF2-40B4-BE49-F238E27FC236}">
+                <a16:creationId xmlns:a16="http://schemas.microsoft.com/office/drawing/2014/main" id="{4327A5D2-28D8-3837-21B4-D044EE81D027}"/>
+              </a:ext>
+            </a:extLst>
+          </p:cNvPr>
+          <p:cNvSpPr/>
+          <p:nvPr/>
+        </p:nvSpPr>
+        <p:spPr>
+          <a:xfrm>
+            <a:off x="3343296" y="240760"/>
+            <a:ext cx="5505418" cy="923330"/>
+          </a:xfrm>
+          <a:prstGeom prst="rect">
+            <a:avLst/>
+          </a:prstGeom>
+          <a:noFill/>
+        </p:spPr>
+        <p:txBody>
+          <a:bodyPr wrap="none" lIns="91440" tIns="45720" rIns="91440" bIns="45720">
+            <a:spAutoFit/>
+          </a:bodyPr>
+          <a:lstStyle/>
+          <a:p>
+            <a:pPr algn="ctr" rtl="0"/>
+            <a:r>
+              <a:rPr lang="en-US" sz="5400" b="0" cap="none" spc="0" dirty="0">
+                <a:ln w="0"/>
+                <a:solidFill>
+                  <a:schemeClr val="tx1"/>
+                </a:solidFill>
+                <a:effectLst>
+                  <a:outerShdw blurRad="38100" dist="19050" dir="2700000" algn="tl" rotWithShape="0">
+                    <a:schemeClr val="dk1">
+                      <a:alpha val="40000"/>
+                    </a:schemeClr>
+                  </a:outerShdw>
+                </a:effectLst>
+              </a:rPr>
+              <a:t>Localization (L10N)</a:t>
+            </a:r>
+            <a:endParaRPr lang="he-IL" sz="5400" b="0" cap="none" spc="0" dirty="0">
+              <a:ln w="0"/>
+              <a:solidFill>
+                <a:schemeClr val="tx1"/>
+              </a:solidFill>
+              <a:effectLst>
+                <a:outerShdw blurRad="38100" dist="19050" dir="2700000" algn="tl" rotWithShape="0">
+                  <a:schemeClr val="dk1">
+                    <a:alpha val="40000"/>
+                  </a:schemeClr>
+                </a:outerShdw>
+              </a:effectLst>
+            </a:endParaRPr>
+          </a:p>
+        </p:txBody>
+      </p:sp>
+      <p:sp>
+        <p:nvSpPr>
+          <p:cNvPr id="5" name="תיבת טקסט 4">
+            <a:extLst>
+              <a:ext uri="{FF2B5EF4-FFF2-40B4-BE49-F238E27FC236}">
+                <a16:creationId xmlns:a16="http://schemas.microsoft.com/office/drawing/2014/main" id="{72834DA4-40A0-C0FF-488B-E06B516D3090}"/>
+              </a:ext>
+            </a:extLst>
+          </p:cNvPr>
+          <p:cNvSpPr txBox="1"/>
+          <p:nvPr/>
+        </p:nvSpPr>
+        <p:spPr>
+          <a:xfrm>
+            <a:off x="620162" y="1543779"/>
+            <a:ext cx="10482350" cy="1384995"/>
+          </a:xfrm>
+          <a:prstGeom prst="rect">
+            <a:avLst/>
+          </a:prstGeom>
+          <a:noFill/>
+        </p:spPr>
+        <p:txBody>
+          <a:bodyPr wrap="square" rtlCol="1">
+            <a:spAutoFit/>
+          </a:bodyPr>
+          <a:lstStyle/>
+          <a:p>
+            <a:pPr marL="285750" indent="-285750" algn="l" rtl="0">
+              <a:buFont typeface="Arial" panose="020B0604020202020204" pitchFamily="34" charset="0"/>
+              <a:buChar char="•"/>
+            </a:pPr>
+            <a:r>
+              <a:rPr lang="en-US" sz="2400" dirty="0"/>
+              <a:t>Adapting content to its destination country</a:t>
+            </a:r>
+          </a:p>
+          <a:p>
+            <a:pPr marL="742950" lvl="1" indent="-285750" algn="l" rtl="0">
+              <a:buFont typeface="Arial" panose="020B0604020202020204" pitchFamily="34" charset="0"/>
+              <a:buChar char="•"/>
+            </a:pPr>
+            <a:r>
+              <a:rPr lang="en-US" sz="2000" dirty="0"/>
+              <a:t>For example, replacing polar bear icons with camels for Arab countries</a:t>
+            </a:r>
+          </a:p>
+          <a:p>
+            <a:pPr marL="742950" lvl="1" indent="-285750" algn="l" rtl="0">
+              <a:buFont typeface="Arial" panose="020B0604020202020204" pitchFamily="34" charset="0"/>
+              <a:buChar char="•"/>
+            </a:pPr>
+            <a:r>
+              <a:rPr lang="en-US" sz="2000" dirty="0"/>
+              <a:t>Usually done for video games, movies, software and apps</a:t>
+            </a:r>
+          </a:p>
+          <a:p>
+            <a:pPr marL="742950" lvl="1" indent="-285750" algn="l" rtl="0">
+              <a:buFont typeface="Arial" panose="020B0604020202020204" pitchFamily="34" charset="0"/>
+              <a:buChar char="•"/>
+            </a:pPr>
+            <a:r>
+              <a:rPr lang="en-US" sz="2000" dirty="0"/>
+              <a:t>Make the customers feel like the product was originally designed for their culture!</a:t>
+            </a:r>
+          </a:p>
+        </p:txBody>
+      </p:sp>
+      <p:pic>
+        <p:nvPicPr>
+          <p:cNvPr id="8" name="תמונה 7">
+            <a:extLst>
+              <a:ext uri="{FF2B5EF4-FFF2-40B4-BE49-F238E27FC236}">
+                <a16:creationId xmlns:a16="http://schemas.microsoft.com/office/drawing/2014/main" id="{E0FBDE9F-0694-D855-8BC9-0FD54E7B71AD}"/>
+              </a:ext>
+            </a:extLst>
+          </p:cNvPr>
+          <p:cNvPicPr>
+            <a:picLocks noChangeAspect="1"/>
+          </p:cNvPicPr>
+          <p:nvPr/>
+        </p:nvPicPr>
+        <p:blipFill>
+          <a:blip r:embed="rId2"/>
+          <a:stretch>
+            <a:fillRect/>
+          </a:stretch>
+        </p:blipFill>
+        <p:spPr>
+          <a:xfrm>
+            <a:off x="3046333" y="3308464"/>
+            <a:ext cx="2815004" cy="3308775"/>
+          </a:xfrm>
+          <a:prstGeom prst="rect">
+            <a:avLst/>
+          </a:prstGeom>
+        </p:spPr>
+      </p:pic>
+      <p:pic>
+        <p:nvPicPr>
+          <p:cNvPr id="10" name="תמונה 9">
+            <a:extLst>
+              <a:ext uri="{FF2B5EF4-FFF2-40B4-BE49-F238E27FC236}">
+                <a16:creationId xmlns:a16="http://schemas.microsoft.com/office/drawing/2014/main" id="{4511ACC6-B854-7393-3945-75A2093BD9AF}"/>
+              </a:ext>
+            </a:extLst>
+          </p:cNvPr>
+          <p:cNvPicPr>
+            <a:picLocks noChangeAspect="1"/>
+          </p:cNvPicPr>
+          <p:nvPr/>
+        </p:nvPicPr>
+        <p:blipFill>
+          <a:blip r:embed="rId3"/>
+          <a:stretch>
+            <a:fillRect/>
+          </a:stretch>
+        </p:blipFill>
+        <p:spPr>
+          <a:xfrm>
+            <a:off x="6695901" y="3308464"/>
+            <a:ext cx="2822651" cy="3308775"/>
+          </a:xfrm>
+          <a:prstGeom prst="rect">
+            <a:avLst/>
+          </a:prstGeom>
+        </p:spPr>
+      </p:pic>
+    </p:spTree>
+    <p:extLst>
+      <p:ext uri="{BB962C8B-B14F-4D97-AF65-F5344CB8AC3E}">
+        <p14:creationId xmlns:p14="http://schemas.microsoft.com/office/powerpoint/2010/main" val="3686704188"/>
+      </p:ext>
+    </p:extLst>
+  </p:cSld>
+  <p:clrMapOvr>
+    <a:masterClrMapping/>
+  </p:clrMapOvr>
+</p:sld>
+</file>
+
+<file path=ppt/slides/slide5.xml><?xml version="1.0" encoding="utf-8"?>
+<p:sld xmlns:a="http://schemas.openxmlformats.org/drawingml/2006/main" xmlns:r="http://schemas.openxmlformats.org/officeDocument/2006/relationships" xmlns:p="http://schemas.openxmlformats.org/presentationml/2006/main">
+  <p:cSld>
+    <p:spTree>
+      <p:nvGrpSpPr>
+        <p:cNvPr id="1" name=""/>
+        <p:cNvGrpSpPr/>
+        <p:nvPr/>
+      </p:nvGrpSpPr>
+      <p:grpSpPr>
+        <a:xfrm>
+          <a:off x="0" y="0"/>
+          <a:ext cx="0" cy="0"/>
+          <a:chOff x="0" y="0"/>
+          <a:chExt cx="0" cy="0"/>
+        </a:xfrm>
+      </p:grpSpPr>
+      <p:sp>
+        <p:nvSpPr>
+          <p:cNvPr id="9" name="מלבן 8">
+            <a:extLst>
+              <a:ext uri="{FF2B5EF4-FFF2-40B4-BE49-F238E27FC236}">
+                <a16:creationId xmlns:a16="http://schemas.microsoft.com/office/drawing/2014/main" id="{BFA6C5CE-E794-B027-28CB-C10120DE6585}"/>
+              </a:ext>
+            </a:extLst>
+          </p:cNvPr>
+          <p:cNvSpPr/>
+          <p:nvPr/>
+        </p:nvSpPr>
+        <p:spPr>
+          <a:xfrm>
+            <a:off x="1490939" y="240760"/>
+            <a:ext cx="9210150" cy="923330"/>
+          </a:xfrm>
+          <a:prstGeom prst="rect">
+            <a:avLst/>
+          </a:prstGeom>
+          <a:noFill/>
+        </p:spPr>
+        <p:txBody>
+          <a:bodyPr wrap="none" lIns="91440" tIns="45720" rIns="91440" bIns="45720">
+            <a:spAutoFit/>
+          </a:bodyPr>
+          <a:lstStyle/>
+          <a:p>
+            <a:pPr algn="ctr" rtl="0"/>
+            <a:r>
+              <a:rPr lang="en-US" sz="5400" dirty="0">
+                <a:ln w="0"/>
+                <a:effectLst>
+                  <a:outerShdw blurRad="38100" dist="19050" dir="2700000" algn="tl" rotWithShape="0">
+                    <a:schemeClr val="dk1">
+                      <a:alpha val="40000"/>
+                    </a:schemeClr>
+                  </a:outerShdw>
+                </a:effectLst>
+              </a:rPr>
+              <a:t>Changes Required to our System</a:t>
+            </a:r>
+            <a:endParaRPr lang="he-IL" sz="5400" b="0" cap="none" spc="0" dirty="0">
+              <a:ln w="0"/>
+              <a:solidFill>
+                <a:schemeClr val="tx1"/>
+              </a:solidFill>
+              <a:effectLst>
+                <a:outerShdw blurRad="38100" dist="19050" dir="2700000" algn="tl" rotWithShape="0">
+                  <a:schemeClr val="dk1">
+                    <a:alpha val="40000"/>
+                  </a:schemeClr>
+                </a:outerShdw>
+              </a:effectLst>
+            </a:endParaRPr>
+          </a:p>
+        </p:txBody>
+      </p:sp>
+      <p:sp>
+        <p:nvSpPr>
+          <p:cNvPr id="10" name="תיבת טקסט 9">
+            <a:extLst>
+              <a:ext uri="{FF2B5EF4-FFF2-40B4-BE49-F238E27FC236}">
+                <a16:creationId xmlns:a16="http://schemas.microsoft.com/office/drawing/2014/main" id="{3DF40971-C718-614D-D39D-99350AB09EB7}"/>
+              </a:ext>
+            </a:extLst>
+          </p:cNvPr>
+          <p:cNvSpPr txBox="1"/>
+          <p:nvPr/>
+        </p:nvSpPr>
+        <p:spPr>
+          <a:xfrm>
+            <a:off x="914399" y="1438102"/>
+            <a:ext cx="10482350" cy="2554545"/>
+          </a:xfrm>
+          <a:prstGeom prst="rect">
+            <a:avLst/>
+          </a:prstGeom>
+          <a:noFill/>
+        </p:spPr>
+        <p:txBody>
+          <a:bodyPr wrap="square" rtlCol="1">
+            <a:spAutoFit/>
+          </a:bodyPr>
+          <a:lstStyle/>
+          <a:p>
+            <a:pPr marL="285750" indent="-285750" algn="l" rtl="0">
+              <a:buFont typeface="Arial" panose="020B0604020202020204" pitchFamily="34" charset="0"/>
+              <a:buChar char="•"/>
+            </a:pPr>
+            <a:r>
+              <a:rPr lang="en-US" sz="2000" dirty="0"/>
+              <a:t>Internalization</a:t>
+            </a:r>
+          </a:p>
+          <a:p>
+            <a:pPr marL="742950" lvl="1" indent="-285750" algn="l" rtl="0">
+              <a:buFont typeface="Arial" panose="020B0604020202020204" pitchFamily="34" charset="0"/>
+              <a:buChar char="•"/>
+            </a:pPr>
+            <a:r>
+              <a:rPr lang="en-US" sz="2000" dirty="0"/>
+              <a:t>Including culture specific phrases in other languages (slang phrases etc.)</a:t>
+            </a:r>
+          </a:p>
+          <a:p>
+            <a:pPr marL="742950" lvl="1" indent="-285750" algn="l" rtl="0">
+              <a:buFont typeface="Arial" panose="020B0604020202020204" pitchFamily="34" charset="0"/>
+              <a:buChar char="•"/>
+            </a:pPr>
+            <a:r>
+              <a:rPr lang="en-US" sz="2000" dirty="0"/>
+              <a:t>Supporting additional currencies besides dollars</a:t>
+            </a:r>
+          </a:p>
+          <a:p>
+            <a:pPr marL="742950" lvl="1" indent="-285750" algn="l" rtl="0">
+              <a:buFont typeface="Arial" panose="020B0604020202020204" pitchFamily="34" charset="0"/>
+              <a:buChar char="•"/>
+            </a:pPr>
+            <a:r>
+              <a:rPr lang="en-US" sz="2000" dirty="0"/>
+              <a:t>Adapting messages to time zones (ex.- “Good morning/night” according to location)</a:t>
+            </a:r>
+          </a:p>
+          <a:p>
+            <a:pPr marL="742950" lvl="1" indent="-285750" algn="l" rtl="0">
+              <a:buFont typeface="Arial" panose="020B0604020202020204" pitchFamily="34" charset="0"/>
+              <a:buChar char="•"/>
+            </a:pPr>
+            <a:r>
+              <a:rPr lang="en-US" sz="2000" dirty="0"/>
+              <a:t>Using location services to infer the client’s country and/or culture</a:t>
+            </a:r>
+          </a:p>
+          <a:p>
+            <a:pPr marL="285750" indent="-285750" algn="l" rtl="0">
+              <a:buFont typeface="Arial" panose="020B0604020202020204" pitchFamily="34" charset="0"/>
+              <a:buChar char="•"/>
+            </a:pPr>
+            <a:r>
+              <a:rPr lang="en-US" sz="2000" dirty="0"/>
+              <a:t>Localization</a:t>
+            </a:r>
+          </a:p>
+          <a:p>
+            <a:pPr marL="742950" lvl="1" indent="-285750" algn="l" rtl="0">
+              <a:buFont typeface="Arial" panose="020B0604020202020204" pitchFamily="34" charset="0"/>
+              <a:buChar char="•"/>
+            </a:pPr>
+            <a:r>
+              <a:rPr lang="en-US" sz="2000" dirty="0"/>
+              <a:t>Supporting different product types for various cultures</a:t>
+            </a:r>
+          </a:p>
+          <a:p>
+            <a:pPr marL="742950" lvl="1" indent="-285750" algn="l" rtl="0">
+              <a:buFont typeface="Arial" panose="020B0604020202020204" pitchFamily="34" charset="0"/>
+              <a:buChar char="•"/>
+            </a:pPr>
+            <a:r>
+              <a:rPr lang="en-US" sz="2000" dirty="0"/>
+              <a:t>Personalizing logos and images for different population types</a:t>
+            </a:r>
+          </a:p>
+        </p:txBody>
+      </p:sp>
+      <p:pic>
+        <p:nvPicPr>
+          <p:cNvPr id="13" name="תמונה 12">
+            <a:extLst>
+              <a:ext uri="{FF2B5EF4-FFF2-40B4-BE49-F238E27FC236}">
+                <a16:creationId xmlns:a16="http://schemas.microsoft.com/office/drawing/2014/main" id="{D9C5E924-2604-CBEA-3149-F7EDCB911E83}"/>
+              </a:ext>
+            </a:extLst>
+          </p:cNvPr>
+          <p:cNvPicPr>
+            <a:picLocks noChangeAspect="1"/>
+          </p:cNvPicPr>
+          <p:nvPr/>
+        </p:nvPicPr>
+        <p:blipFill>
+          <a:blip r:embed="rId2"/>
+          <a:stretch>
+            <a:fillRect/>
+          </a:stretch>
+        </p:blipFill>
+        <p:spPr>
+          <a:xfrm>
+            <a:off x="3725571" y="4146099"/>
+            <a:ext cx="4740857" cy="2522013"/>
+          </a:xfrm>
+          <a:prstGeom prst="rect">
+            <a:avLst/>
+          </a:prstGeom>
+        </p:spPr>
+      </p:pic>
+    </p:spTree>
+    <p:extLst>
+      <p:ext uri="{BB962C8B-B14F-4D97-AF65-F5344CB8AC3E}">
+        <p14:creationId xmlns:p14="http://schemas.microsoft.com/office/powerpoint/2010/main" val="1104195384"/>
+      </p:ext>
+    </p:extLst>
+  </p:cSld>
+  <p:clrMapOvr>
+    <a:masterClrMapping/>
+  </p:clrMapOvr>
+</p:sld>
+</file>
+
+<file path=ppt/slides/slide6.xml><?xml version="1.0" encoding="utf-8"?>
+<p:sld xmlns:a="http://schemas.openxmlformats.org/drawingml/2006/main" xmlns:r="http://schemas.openxmlformats.org/officeDocument/2006/relationships" xmlns:p="http://schemas.openxmlformats.org/presentationml/2006/main">
+  <p:cSld>
+    <p:spTree>
+      <p:nvGrpSpPr>
+        <p:cNvPr id="1" name=""/>
+        <p:cNvGrpSpPr/>
+        <p:nvPr/>
+      </p:nvGrpSpPr>
+      <p:grpSpPr>
+        <a:xfrm>
+          <a:off x="0" y="0"/>
+          <a:ext cx="0" cy="0"/>
+          <a:chOff x="0" y="0"/>
+          <a:chExt cx="0" cy="0"/>
+        </a:xfrm>
+      </p:grpSpPr>
+    </p:spTree>
+    <p:extLst>
+      <p:ext uri="{BB962C8B-B14F-4D97-AF65-F5344CB8AC3E}">
+        <p14:creationId xmlns:p14="http://schemas.microsoft.com/office/powerpoint/2010/main" val="1554673032"/>
       </p:ext>
     </p:extLst>
   </p:cSld>

--- a/docs/globalization.pptx
+++ b/docs/globalization.pptx
@@ -2,7 +2,7 @@
 <file path=ppt/presentation.xml><?xml version="1.0" encoding="utf-8"?>
 <p:presentation xmlns:a="http://schemas.openxmlformats.org/drawingml/2006/main" xmlns:r="http://schemas.openxmlformats.org/officeDocument/2006/relationships" xmlns:p="http://schemas.openxmlformats.org/presentationml/2006/main" rtl="1" saveSubsetFonts="1">
   <p:sldMasterIdLst>
-    <p:sldMasterId id="2147483672" r:id="rId1"/>
+    <p:sldMasterId id="2147483714" r:id="rId1"/>
   </p:sldMasterIdLst>
   <p:sldIdLst>
     <p:sldId id="256" r:id="rId2"/>
@@ -11,14 +11,15 @@
     <p:sldId id="259" r:id="rId5"/>
     <p:sldId id="260" r:id="rId6"/>
     <p:sldId id="261" r:id="rId7"/>
+    <p:sldId id="262" r:id="rId8"/>
   </p:sldIdLst>
   <p:sldSz cx="12192000" cy="6858000"/>
   <p:notesSz cx="6858000" cy="9144000"/>
   <p:defaultTextStyle>
     <a:defPPr>
-      <a:defRPr lang="he-IL"/>
+      <a:defRPr lang="en-US"/>
     </a:defPPr>
-    <a:lvl1pPr marL="0" algn="r" defTabSz="914400" rtl="1" eaLnBrk="1" latinLnBrk="0" hangingPunct="1">
+    <a:lvl1pPr marL="0" algn="l" defTabSz="457200" rtl="0" eaLnBrk="1" latinLnBrk="0" hangingPunct="1">
       <a:defRPr sz="1800" kern="1200">
         <a:solidFill>
           <a:schemeClr val="tx1"/>
@@ -28,7 +29,7 @@
         <a:cs typeface="+mn-cs"/>
       </a:defRPr>
     </a:lvl1pPr>
-    <a:lvl2pPr marL="457200" algn="r" defTabSz="914400" rtl="1" eaLnBrk="1" latinLnBrk="0" hangingPunct="1">
+    <a:lvl2pPr marL="457200" algn="l" defTabSz="457200" rtl="0" eaLnBrk="1" latinLnBrk="0" hangingPunct="1">
       <a:defRPr sz="1800" kern="1200">
         <a:solidFill>
           <a:schemeClr val="tx1"/>
@@ -38,7 +39,7 @@
         <a:cs typeface="+mn-cs"/>
       </a:defRPr>
     </a:lvl2pPr>
-    <a:lvl3pPr marL="914400" algn="r" defTabSz="914400" rtl="1" eaLnBrk="1" latinLnBrk="0" hangingPunct="1">
+    <a:lvl3pPr marL="914400" algn="l" defTabSz="457200" rtl="0" eaLnBrk="1" latinLnBrk="0" hangingPunct="1">
       <a:defRPr sz="1800" kern="1200">
         <a:solidFill>
           <a:schemeClr val="tx1"/>
@@ -48,7 +49,7 @@
         <a:cs typeface="+mn-cs"/>
       </a:defRPr>
     </a:lvl3pPr>
-    <a:lvl4pPr marL="1371600" algn="r" defTabSz="914400" rtl="1" eaLnBrk="1" latinLnBrk="0" hangingPunct="1">
+    <a:lvl4pPr marL="1371600" algn="l" defTabSz="457200" rtl="0" eaLnBrk="1" latinLnBrk="0" hangingPunct="1">
       <a:defRPr sz="1800" kern="1200">
         <a:solidFill>
           <a:schemeClr val="tx1"/>
@@ -58,7 +59,7 @@
         <a:cs typeface="+mn-cs"/>
       </a:defRPr>
     </a:lvl4pPr>
-    <a:lvl5pPr marL="1828800" algn="r" defTabSz="914400" rtl="1" eaLnBrk="1" latinLnBrk="0" hangingPunct="1">
+    <a:lvl5pPr marL="1828800" algn="l" defTabSz="457200" rtl="0" eaLnBrk="1" latinLnBrk="0" hangingPunct="1">
       <a:defRPr sz="1800" kern="1200">
         <a:solidFill>
           <a:schemeClr val="tx1"/>
@@ -68,7 +69,7 @@
         <a:cs typeface="+mn-cs"/>
       </a:defRPr>
     </a:lvl5pPr>
-    <a:lvl6pPr marL="2286000" algn="r" defTabSz="914400" rtl="1" eaLnBrk="1" latinLnBrk="0" hangingPunct="1">
+    <a:lvl6pPr marL="2286000" algn="l" defTabSz="457200" rtl="0" eaLnBrk="1" latinLnBrk="0" hangingPunct="1">
       <a:defRPr sz="1800" kern="1200">
         <a:solidFill>
           <a:schemeClr val="tx1"/>
@@ -78,7 +79,7 @@
         <a:cs typeface="+mn-cs"/>
       </a:defRPr>
     </a:lvl6pPr>
-    <a:lvl7pPr marL="2743200" algn="r" defTabSz="914400" rtl="1" eaLnBrk="1" latinLnBrk="0" hangingPunct="1">
+    <a:lvl7pPr marL="2743200" algn="l" defTabSz="457200" rtl="0" eaLnBrk="1" latinLnBrk="0" hangingPunct="1">
       <a:defRPr sz="1800" kern="1200">
         <a:solidFill>
           <a:schemeClr val="tx1"/>
@@ -88,7 +89,7 @@
         <a:cs typeface="+mn-cs"/>
       </a:defRPr>
     </a:lvl7pPr>
-    <a:lvl8pPr marL="3200400" algn="r" defTabSz="914400" rtl="1" eaLnBrk="1" latinLnBrk="0" hangingPunct="1">
+    <a:lvl8pPr marL="3200400" algn="l" defTabSz="457200" rtl="0" eaLnBrk="1" latinLnBrk="0" hangingPunct="1">
       <a:defRPr sz="1800" kern="1200">
         <a:solidFill>
           <a:schemeClr val="tx1"/>
@@ -98,7 +99,7 @@
         <a:cs typeface="+mn-cs"/>
       </a:defRPr>
     </a:lvl8pPr>
-    <a:lvl9pPr marL="3657600" algn="r" defTabSz="914400" rtl="1" eaLnBrk="1" latinLnBrk="0" hangingPunct="1">
+    <a:lvl9pPr marL="3657600" algn="l" defTabSz="457200" rtl="0" eaLnBrk="1" latinLnBrk="0" hangingPunct="1">
       <a:defRPr sz="1800" kern="1200">
         <a:solidFill>
           <a:schemeClr val="tx1"/>
@@ -120,6 +121,11 @@
 <file path=ppt/slideLayouts/slideLayout1.xml><?xml version="1.0" encoding="utf-8"?>
 <p:sldLayout xmlns:a="http://schemas.openxmlformats.org/drawingml/2006/main" xmlns:r="http://schemas.openxmlformats.org/officeDocument/2006/relationships" xmlns:p="http://schemas.openxmlformats.org/presentationml/2006/main" type="title" preserve="1">
   <p:cSld name="שקופית כותרת">
+    <p:bg>
+      <p:bgRef idx="1003">
+        <a:schemeClr val="bg2"/>
+      </p:bgRef>
+    </p:bg>
     <p:spTree>
       <p:nvGrpSpPr>
         <p:cNvPr id="1" name=""/>
@@ -134,15 +140,39 @@
           <a:chExt cx="0" cy="0"/>
         </a:xfrm>
       </p:grpSpPr>
-      <p:sp>
-        <p:nvSpPr>
-          <p:cNvPr id="2" name="כותרת 1">
+      <p:pic>
+        <p:nvPicPr>
+          <p:cNvPr id="7" name="Picture 6" descr="Celestia-R1---OverlayTitleHD.png"/>
+          <p:cNvPicPr>
+            <a:picLocks noChangeAspect="1"/>
+          </p:cNvPicPr>
+          <p:nvPr/>
+        </p:nvPicPr>
+        <p:blipFill>
+          <a:blip r:embed="rId2">
             <a:extLst>
-              <a:ext uri="{FF2B5EF4-FFF2-40B4-BE49-F238E27FC236}">
-                <a16:creationId xmlns:a16="http://schemas.microsoft.com/office/drawing/2014/main" id="{C7C5824C-D914-BFD5-715E-E218A18ACC25}"/>
+              <a:ext uri="{28A0092B-C50C-407E-A947-70E740481C1C}">
+                <a14:useLocalDpi xmlns:a14="http://schemas.microsoft.com/office/drawing/2010/main" val="0"/>
               </a:ext>
             </a:extLst>
-          </p:cNvPr>
+          </a:blip>
+          <a:stretch>
+            <a:fillRect/>
+          </a:stretch>
+        </p:blipFill>
+        <p:spPr>
+          <a:xfrm>
+            <a:off x="0" y="0"/>
+            <a:ext cx="12188825" cy="6856214"/>
+          </a:xfrm>
+          <a:prstGeom prst="rect">
+            <a:avLst/>
+          </a:prstGeom>
+        </p:spPr>
+      </p:pic>
+      <p:sp>
+        <p:nvSpPr>
+          <p:cNvPr id="2" name="Title 1"/>
           <p:cNvSpPr>
             <a:spLocks noGrp="1"/>
           </p:cNvSpPr>
@@ -152,15 +182,19 @@
         </p:nvSpPr>
         <p:spPr>
           <a:xfrm>
-            <a:off x="1524000" y="1122363"/>
-            <a:ext cx="9144000" cy="2387600"/>
-          </a:xfrm>
-        </p:spPr>
-        <p:txBody>
-          <a:bodyPr anchor="b"/>
+            <a:off x="3962399" y="1964267"/>
+            <a:ext cx="7197726" cy="2421464"/>
+          </a:xfrm>
+        </p:spPr>
+        <p:txBody>
+          <a:bodyPr anchor="b">
+            <a:normAutofit/>
+          </a:bodyPr>
           <a:lstStyle>
-            <a:lvl1pPr algn="ctr">
-              <a:defRPr sz="6000"/>
+            <a:lvl1pPr algn="r">
+              <a:defRPr sz="4800">
+                <a:effectLst/>
+              </a:defRPr>
             </a:lvl1pPr>
           </a:lstStyle>
           <a:p>
@@ -168,18 +202,13 @@
               <a:rPr lang="he-IL"/>
               <a:t>לחץ כדי לערוך סגנון כותרת של תבנית בסיס</a:t>
             </a:r>
-          </a:p>
-        </p:txBody>
-      </p:sp>
-      <p:sp>
-        <p:nvSpPr>
-          <p:cNvPr id="3" name="כותרת משנה 2">
-            <a:extLst>
-              <a:ext uri="{FF2B5EF4-FFF2-40B4-BE49-F238E27FC236}">
-                <a16:creationId xmlns:a16="http://schemas.microsoft.com/office/drawing/2014/main" id="{9F76EA5E-C9DF-F568-986D-5578AB552768}"/>
-              </a:ext>
-            </a:extLst>
-          </p:cNvPr>
+            <a:endParaRPr lang="en-US" dirty="0"/>
+          </a:p>
+        </p:txBody>
+      </p:sp>
+      <p:sp>
+        <p:nvSpPr>
+          <p:cNvPr id="3" name="Subtitle 2"/>
           <p:cNvSpPr>
             <a:spLocks noGrp="1"/>
           </p:cNvSpPr>
@@ -189,48 +218,102 @@
         </p:nvSpPr>
         <p:spPr>
           <a:xfrm>
-            <a:off x="1524000" y="3602038"/>
-            <a:ext cx="9144000" cy="1655762"/>
-          </a:xfrm>
-        </p:spPr>
-        <p:txBody>
-          <a:bodyPr/>
+            <a:off x="3962399" y="4385732"/>
+            <a:ext cx="7197726" cy="1405467"/>
+          </a:xfrm>
+        </p:spPr>
+        <p:txBody>
+          <a:bodyPr anchor="t">
+            <a:normAutofit/>
+          </a:bodyPr>
           <a:lstStyle>
-            <a:lvl1pPr marL="0" indent="0" algn="ctr">
-              <a:buNone/>
-              <a:defRPr sz="2400"/>
+            <a:lvl1pPr marL="0" indent="0" algn="r">
+              <a:buNone/>
+              <a:defRPr sz="1800" cap="all">
+                <a:solidFill>
+                  <a:schemeClr val="tx1"/>
+                </a:solidFill>
+              </a:defRPr>
             </a:lvl1pPr>
             <a:lvl2pPr marL="457200" indent="0" algn="ctr">
               <a:buNone/>
-              <a:defRPr sz="2000"/>
+              <a:defRPr>
+                <a:solidFill>
+                  <a:schemeClr val="tx1">
+                    <a:tint val="75000"/>
+                  </a:schemeClr>
+                </a:solidFill>
+              </a:defRPr>
             </a:lvl2pPr>
             <a:lvl3pPr marL="914400" indent="0" algn="ctr">
               <a:buNone/>
-              <a:defRPr sz="1800"/>
+              <a:defRPr>
+                <a:solidFill>
+                  <a:schemeClr val="tx1">
+                    <a:tint val="75000"/>
+                  </a:schemeClr>
+                </a:solidFill>
+              </a:defRPr>
             </a:lvl3pPr>
             <a:lvl4pPr marL="1371600" indent="0" algn="ctr">
               <a:buNone/>
-              <a:defRPr sz="1600"/>
+              <a:defRPr>
+                <a:solidFill>
+                  <a:schemeClr val="tx1">
+                    <a:tint val="75000"/>
+                  </a:schemeClr>
+                </a:solidFill>
+              </a:defRPr>
             </a:lvl4pPr>
             <a:lvl5pPr marL="1828800" indent="0" algn="ctr">
               <a:buNone/>
-              <a:defRPr sz="1600"/>
+              <a:defRPr>
+                <a:solidFill>
+                  <a:schemeClr val="tx1">
+                    <a:tint val="75000"/>
+                  </a:schemeClr>
+                </a:solidFill>
+              </a:defRPr>
             </a:lvl5pPr>
             <a:lvl6pPr marL="2286000" indent="0" algn="ctr">
               <a:buNone/>
-              <a:defRPr sz="1600"/>
+              <a:defRPr>
+                <a:solidFill>
+                  <a:schemeClr val="tx1">
+                    <a:tint val="75000"/>
+                  </a:schemeClr>
+                </a:solidFill>
+              </a:defRPr>
             </a:lvl6pPr>
             <a:lvl7pPr marL="2743200" indent="0" algn="ctr">
               <a:buNone/>
-              <a:defRPr sz="1600"/>
+              <a:defRPr>
+                <a:solidFill>
+                  <a:schemeClr val="tx1">
+                    <a:tint val="75000"/>
+                  </a:schemeClr>
+                </a:solidFill>
+              </a:defRPr>
             </a:lvl7pPr>
             <a:lvl8pPr marL="3200400" indent="0" algn="ctr">
               <a:buNone/>
-              <a:defRPr sz="1600"/>
+              <a:defRPr>
+                <a:solidFill>
+                  <a:schemeClr val="tx1">
+                    <a:tint val="75000"/>
+                  </a:schemeClr>
+                </a:solidFill>
+              </a:defRPr>
             </a:lvl8pPr>
             <a:lvl9pPr marL="3657600" indent="0" algn="ctr">
               <a:buNone/>
-              <a:defRPr sz="1600"/>
+              <a:defRPr>
+                <a:solidFill>
+                  <a:schemeClr val="tx1">
+                    <a:tint val="75000"/>
+                  </a:schemeClr>
+                </a:solidFill>
+              </a:defRPr>
             </a:lvl9pPr>
           </a:lstStyle>
           <a:p>
@@ -238,18 +321,13 @@
               <a:rPr lang="he-IL"/>
               <a:t>לחץ כדי לערוך סגנון כותרת משנה של תבנית בסיס</a:t>
             </a:r>
-          </a:p>
-        </p:txBody>
-      </p:sp>
-      <p:sp>
-        <p:nvSpPr>
-          <p:cNvPr id="4" name="מציין מיקום של תאריך 3">
-            <a:extLst>
-              <a:ext uri="{FF2B5EF4-FFF2-40B4-BE49-F238E27FC236}">
-                <a16:creationId xmlns:a16="http://schemas.microsoft.com/office/drawing/2014/main" id="{34E195A9-11C2-93AA-0B5D-B709F3ADD65F}"/>
-              </a:ext>
-            </a:extLst>
-          </p:cNvPr>
+            <a:endParaRPr lang="en-US" dirty="0"/>
+          </a:p>
+        </p:txBody>
+      </p:sp>
+      <p:sp>
+        <p:nvSpPr>
+          <p:cNvPr id="4" name="Date Placeholder 3"/>
           <p:cNvSpPr>
             <a:spLocks noGrp="1"/>
           </p:cNvSpPr>
@@ -257,7 +335,12 @@
             <p:ph type="dt" sz="half" idx="10"/>
           </p:nvPr>
         </p:nvSpPr>
-        <p:spPr/>
+        <p:spPr>
+          <a:xfrm>
+            <a:off x="8932558" y="5870575"/>
+            <a:ext cx="1600200" cy="377825"/>
+          </a:xfrm>
+        </p:spPr>
         <p:txBody>
           <a:bodyPr/>
           <a:lstStyle/>
@@ -272,13 +355,7 @@
       </p:sp>
       <p:sp>
         <p:nvSpPr>
-          <p:cNvPr id="5" name="מציין מיקום של כותרת תחתונה 4">
-            <a:extLst>
-              <a:ext uri="{FF2B5EF4-FFF2-40B4-BE49-F238E27FC236}">
-                <a16:creationId xmlns:a16="http://schemas.microsoft.com/office/drawing/2014/main" id="{4E6ECD4F-E608-AF88-4345-BE2881548786}"/>
-              </a:ext>
-            </a:extLst>
-          </p:cNvPr>
+          <p:cNvPr id="5" name="Footer Placeholder 4"/>
           <p:cNvSpPr>
             <a:spLocks noGrp="1"/>
           </p:cNvSpPr>
@@ -286,7 +363,12 @@
             <p:ph type="ftr" sz="quarter" idx="11"/>
           </p:nvPr>
         </p:nvSpPr>
-        <p:spPr/>
+        <p:spPr>
+          <a:xfrm>
+            <a:off x="3962399" y="5870575"/>
+            <a:ext cx="4893958" cy="377825"/>
+          </a:xfrm>
+        </p:spPr>
         <p:txBody>
           <a:bodyPr/>
           <a:lstStyle/>
@@ -297,13 +379,7 @@
       </p:sp>
       <p:sp>
         <p:nvSpPr>
-          <p:cNvPr id="6" name="מציין מיקום של מספר שקופית 5">
-            <a:extLst>
-              <a:ext uri="{FF2B5EF4-FFF2-40B4-BE49-F238E27FC236}">
-                <a16:creationId xmlns:a16="http://schemas.microsoft.com/office/drawing/2014/main" id="{78FB761A-B98B-CC46-6F90-DD8DC31158AD}"/>
-              </a:ext>
-            </a:extLst>
-          </p:cNvPr>
+          <p:cNvPr id="6" name="Slide Number Placeholder 5"/>
           <p:cNvSpPr>
             <a:spLocks noGrp="1"/>
           </p:cNvSpPr>
@@ -311,7 +387,12 @@
             <p:ph type="sldNum" sz="quarter" idx="12"/>
           </p:nvPr>
         </p:nvSpPr>
-        <p:spPr/>
+        <p:spPr>
+          <a:xfrm>
+            <a:off x="10608958" y="5870575"/>
+            <a:ext cx="551167" cy="377825"/>
+          </a:xfrm>
+        </p:spPr>
         <p:txBody>
           <a:bodyPr/>
           <a:lstStyle/>
@@ -327,7 +408,331 @@
     </p:spTree>
     <p:extLst>
       <p:ext uri="{BB962C8B-B14F-4D97-AF65-F5344CB8AC3E}">
-        <p14:creationId xmlns:p14="http://schemas.microsoft.com/office/powerpoint/2010/main" val="574700125"/>
+        <p14:creationId xmlns:p14="http://schemas.microsoft.com/office/powerpoint/2010/main" val="1307999582"/>
+      </p:ext>
+    </p:extLst>
+  </p:cSld>
+  <p:clrMapOvr>
+    <a:overrideClrMapping bg1="dk1" tx1="lt1" bg2="dk2" tx2="lt2" accent1="accent1" accent2="accent2" accent3="accent3" accent4="accent4" accent5="accent5" accent6="accent6" hlink="hlink" folHlink="folHlink"/>
+  </p:clrMapOvr>
+</p:sldLayout>
+</file>
+
+<file path=ppt/slideLayouts/slideLayout10.xml><?xml version="1.0" encoding="utf-8"?>
+<p:sldLayout xmlns:a="http://schemas.openxmlformats.org/drawingml/2006/main" xmlns:r="http://schemas.openxmlformats.org/officeDocument/2006/relationships" xmlns:p="http://schemas.openxmlformats.org/presentationml/2006/main" preserve="1">
+  <p:cSld name="תמונה פנורמית עם כיתוב">
+    <p:spTree>
+      <p:nvGrpSpPr>
+        <p:cNvPr id="1" name=""/>
+        <p:cNvGrpSpPr/>
+        <p:nvPr/>
+      </p:nvGrpSpPr>
+      <p:grpSpPr>
+        <a:xfrm>
+          <a:off x="0" y="0"/>
+          <a:ext cx="0" cy="0"/>
+          <a:chOff x="0" y="0"/>
+          <a:chExt cx="0" cy="0"/>
+        </a:xfrm>
+      </p:grpSpPr>
+      <p:pic>
+        <p:nvPicPr>
+          <p:cNvPr id="8" name="Picture 7" descr="Celestia-R1---OverlayContentHD.png"/>
+          <p:cNvPicPr>
+            <a:picLocks noChangeAspect="1"/>
+          </p:cNvPicPr>
+          <p:nvPr/>
+        </p:nvPicPr>
+        <p:blipFill>
+          <a:blip r:embed="rId2">
+            <a:extLst>
+              <a:ext uri="{28A0092B-C50C-407E-A947-70E740481C1C}">
+                <a14:useLocalDpi xmlns:a14="http://schemas.microsoft.com/office/drawing/2010/main" val="0"/>
+              </a:ext>
+            </a:extLst>
+          </a:blip>
+          <a:stretch>
+            <a:fillRect/>
+          </a:stretch>
+        </p:blipFill>
+        <p:spPr>
+          <a:xfrm>
+            <a:off x="0" y="0"/>
+            <a:ext cx="12188825" cy="6856214"/>
+          </a:xfrm>
+          <a:prstGeom prst="rect">
+            <a:avLst/>
+          </a:prstGeom>
+        </p:spPr>
+      </p:pic>
+      <p:sp>
+        <p:nvSpPr>
+          <p:cNvPr id="2" name="Title 1"/>
+          <p:cNvSpPr>
+            <a:spLocks noGrp="1"/>
+          </p:cNvSpPr>
+          <p:nvPr>
+            <p:ph type="title"/>
+          </p:nvPr>
+        </p:nvSpPr>
+        <p:spPr>
+          <a:xfrm>
+            <a:off x="685800" y="4732865"/>
+            <a:ext cx="10131427" cy="566738"/>
+          </a:xfrm>
+        </p:spPr>
+        <p:txBody>
+          <a:bodyPr anchor="b">
+            <a:normAutofit/>
+          </a:bodyPr>
+          <a:lstStyle>
+            <a:lvl1pPr algn="l">
+              <a:defRPr sz="2400" b="0"/>
+            </a:lvl1pPr>
+          </a:lstStyle>
+          <a:p>
+            <a:r>
+              <a:rPr lang="he-IL"/>
+              <a:t>לחץ כדי לערוך סגנון כותרת של תבנית בסיס</a:t>
+            </a:r>
+            <a:endParaRPr lang="en-US" dirty="0"/>
+          </a:p>
+        </p:txBody>
+      </p:sp>
+      <p:sp>
+        <p:nvSpPr>
+          <p:cNvPr id="3" name="Picture Placeholder 2"/>
+          <p:cNvSpPr>
+            <a:spLocks noGrp="1" noChangeAspect="1"/>
+          </p:cNvSpPr>
+          <p:nvPr>
+            <p:ph type="pic" idx="1"/>
+          </p:nvPr>
+        </p:nvSpPr>
+        <p:spPr>
+          <a:xfrm>
+            <a:off x="1371600" y="932112"/>
+            <a:ext cx="8759827" cy="3164976"/>
+          </a:xfrm>
+          <a:prstGeom prst="roundRect">
+            <a:avLst>
+              <a:gd name="adj" fmla="val 4380"/>
+            </a:avLst>
+          </a:prstGeom>
+          <a:ln w="50800" cap="sq" cmpd="dbl">
+            <a:gradFill flip="none" rotWithShape="1">
+              <a:gsLst>
+                <a:gs pos="0">
+                  <a:srgbClr val="FFFFFF"/>
+                </a:gs>
+                <a:gs pos="100000">
+                  <a:schemeClr val="tx1">
+                    <a:alpha val="0"/>
+                  </a:schemeClr>
+                </a:gs>
+              </a:gsLst>
+              <a:path path="circle">
+                <a:fillToRect l="50000" t="50000" r="50000" b="50000"/>
+              </a:path>
+              <a:tileRect/>
+            </a:gradFill>
+            <a:miter lim="800000"/>
+          </a:ln>
+          <a:effectLst>
+            <a:outerShdw blurRad="254000" algn="tl" rotWithShape="0">
+              <a:srgbClr val="000000">
+                <a:alpha val="43000"/>
+              </a:srgbClr>
+            </a:outerShdw>
+          </a:effectLst>
+        </p:spPr>
+        <p:txBody>
+          <a:bodyPr anchor="t">
+            <a:normAutofit/>
+          </a:bodyPr>
+          <a:lstStyle>
+            <a:lvl1pPr marL="0" indent="0" algn="ctr">
+              <a:buNone/>
+              <a:defRPr sz="1600"/>
+            </a:lvl1pPr>
+            <a:lvl2pPr marL="457200" indent="0">
+              <a:buNone/>
+              <a:defRPr sz="1600"/>
+            </a:lvl2pPr>
+            <a:lvl3pPr marL="914400" indent="0">
+              <a:buNone/>
+              <a:defRPr sz="1600"/>
+            </a:lvl3pPr>
+            <a:lvl4pPr marL="1371600" indent="0">
+              <a:buNone/>
+              <a:defRPr sz="1600"/>
+            </a:lvl4pPr>
+            <a:lvl5pPr marL="1828800" indent="0">
+              <a:buNone/>
+              <a:defRPr sz="1600"/>
+            </a:lvl5pPr>
+            <a:lvl6pPr marL="2286000" indent="0">
+              <a:buNone/>
+              <a:defRPr sz="1600"/>
+            </a:lvl6pPr>
+            <a:lvl7pPr marL="2743200" indent="0">
+              <a:buNone/>
+              <a:defRPr sz="1600"/>
+            </a:lvl7pPr>
+            <a:lvl8pPr marL="3200400" indent="0">
+              <a:buNone/>
+              <a:defRPr sz="1600"/>
+            </a:lvl8pPr>
+            <a:lvl9pPr marL="3657600" indent="0">
+              <a:buNone/>
+              <a:defRPr sz="1600"/>
+            </a:lvl9pPr>
+          </a:lstStyle>
+          <a:p>
+            <a:r>
+              <a:rPr lang="he-IL"/>
+              <a:t>לחץ על הסמל כדי להוסיף תמונה</a:t>
+            </a:r>
+            <a:endParaRPr lang="en-US" dirty="0"/>
+          </a:p>
+        </p:txBody>
+      </p:sp>
+      <p:sp>
+        <p:nvSpPr>
+          <p:cNvPr id="4" name="Text Placeholder 3"/>
+          <p:cNvSpPr>
+            <a:spLocks noGrp="1"/>
+          </p:cNvSpPr>
+          <p:nvPr>
+            <p:ph type="body" sz="half" idx="2"/>
+          </p:nvPr>
+        </p:nvSpPr>
+        <p:spPr>
+          <a:xfrm>
+            <a:off x="685800" y="5299603"/>
+            <a:ext cx="10131427" cy="493712"/>
+          </a:xfrm>
+        </p:spPr>
+        <p:txBody>
+          <a:bodyPr anchor="t">
+            <a:normAutofit/>
+          </a:bodyPr>
+          <a:lstStyle>
+            <a:lvl1pPr marL="0" indent="0">
+              <a:buNone/>
+              <a:defRPr sz="1400"/>
+            </a:lvl1pPr>
+            <a:lvl2pPr marL="457200" indent="0">
+              <a:buNone/>
+              <a:defRPr sz="1200"/>
+            </a:lvl2pPr>
+            <a:lvl3pPr marL="914400" indent="0">
+              <a:buNone/>
+              <a:defRPr sz="1000"/>
+            </a:lvl3pPr>
+            <a:lvl4pPr marL="1371600" indent="0">
+              <a:buNone/>
+              <a:defRPr sz="900"/>
+            </a:lvl4pPr>
+            <a:lvl5pPr marL="1828800" indent="0">
+              <a:buNone/>
+              <a:defRPr sz="900"/>
+            </a:lvl5pPr>
+            <a:lvl6pPr marL="2286000" indent="0">
+              <a:buNone/>
+              <a:defRPr sz="900"/>
+            </a:lvl6pPr>
+            <a:lvl7pPr marL="2743200" indent="0">
+              <a:buNone/>
+              <a:defRPr sz="900"/>
+            </a:lvl7pPr>
+            <a:lvl8pPr marL="3200400" indent="0">
+              <a:buNone/>
+              <a:defRPr sz="900"/>
+            </a:lvl8pPr>
+            <a:lvl9pPr marL="3657600" indent="0">
+              <a:buNone/>
+              <a:defRPr sz="900"/>
+            </a:lvl9pPr>
+          </a:lstStyle>
+          <a:p>
+            <a:pPr lvl="0"/>
+            <a:r>
+              <a:rPr lang="he-IL"/>
+              <a:t>לחץ כדי לערוך סגנונות טקסט של תבנית בסיס</a:t>
+            </a:r>
+          </a:p>
+        </p:txBody>
+      </p:sp>
+      <p:sp>
+        <p:nvSpPr>
+          <p:cNvPr id="5" name="Date Placeholder 4"/>
+          <p:cNvSpPr>
+            <a:spLocks noGrp="1"/>
+          </p:cNvSpPr>
+          <p:nvPr>
+            <p:ph type="dt" sz="half" idx="10"/>
+          </p:nvPr>
+        </p:nvSpPr>
+        <p:spPr/>
+        <p:txBody>
+          <a:bodyPr/>
+          <a:lstStyle/>
+          <a:p>
+            <a:fld id="{0DF7C241-54C7-4B53-BA8B-9ABC8CD697D5}" type="datetimeFigureOut">
+              <a:rPr lang="he-IL" smtClean="0"/>
+              <a:t>כ"ט/סיון/תשפ"ב</a:t>
+            </a:fld>
+            <a:endParaRPr lang="he-IL"/>
+          </a:p>
+        </p:txBody>
+      </p:sp>
+      <p:sp>
+        <p:nvSpPr>
+          <p:cNvPr id="6" name="Footer Placeholder 5"/>
+          <p:cNvSpPr>
+            <a:spLocks noGrp="1"/>
+          </p:cNvSpPr>
+          <p:nvPr>
+            <p:ph type="ftr" sz="quarter" idx="11"/>
+          </p:nvPr>
+        </p:nvSpPr>
+        <p:spPr/>
+        <p:txBody>
+          <a:bodyPr/>
+          <a:lstStyle/>
+          <a:p>
+            <a:endParaRPr lang="he-IL"/>
+          </a:p>
+        </p:txBody>
+      </p:sp>
+      <p:sp>
+        <p:nvSpPr>
+          <p:cNvPr id="7" name="Slide Number Placeholder 6"/>
+          <p:cNvSpPr>
+            <a:spLocks noGrp="1"/>
+          </p:cNvSpPr>
+          <p:nvPr>
+            <p:ph type="sldNum" sz="quarter" idx="12"/>
+          </p:nvPr>
+        </p:nvSpPr>
+        <p:spPr/>
+        <p:txBody>
+          <a:bodyPr/>
+          <a:lstStyle/>
+          <a:p>
+            <a:fld id="{0F1F7051-F467-4CE4-8B4D-86E014EEA299}" type="slidenum">
+              <a:rPr lang="he-IL" smtClean="0"/>
+              <a:t>‹#›</a:t>
+            </a:fld>
+            <a:endParaRPr lang="he-IL"/>
+          </a:p>
+        </p:txBody>
+      </p:sp>
+    </p:spTree>
+    <p:extLst>
+      <p:ext uri="{BB962C8B-B14F-4D97-AF65-F5344CB8AC3E}">
+        <p14:creationId xmlns:p14="http://schemas.microsoft.com/office/powerpoint/2010/main" val="892714218"/>
       </p:ext>
     </p:extLst>
   </p:cSld>
@@ -337,7 +742,2020 @@
 </p:sldLayout>
 </file>
 
-<file path=ppt/slideLayouts/slideLayout10.xml><?xml version="1.0" encoding="utf-8"?>
+<file path=ppt/slideLayouts/slideLayout11.xml><?xml version="1.0" encoding="utf-8"?>
+<p:sldLayout xmlns:a="http://schemas.openxmlformats.org/drawingml/2006/main" xmlns:r="http://schemas.openxmlformats.org/officeDocument/2006/relationships" xmlns:p="http://schemas.openxmlformats.org/presentationml/2006/main" preserve="1">
+  <p:cSld name="כותרת וכיתוב">
+    <p:spTree>
+      <p:nvGrpSpPr>
+        <p:cNvPr id="1" name=""/>
+        <p:cNvGrpSpPr/>
+        <p:nvPr/>
+      </p:nvGrpSpPr>
+      <p:grpSpPr>
+        <a:xfrm>
+          <a:off x="0" y="0"/>
+          <a:ext cx="0" cy="0"/>
+          <a:chOff x="0" y="0"/>
+          <a:chExt cx="0" cy="0"/>
+        </a:xfrm>
+      </p:grpSpPr>
+      <p:pic>
+        <p:nvPicPr>
+          <p:cNvPr id="7" name="Picture 6" descr="Celestia-R1---OverlayContentHD.png"/>
+          <p:cNvPicPr>
+            <a:picLocks noChangeAspect="1"/>
+          </p:cNvPicPr>
+          <p:nvPr/>
+        </p:nvPicPr>
+        <p:blipFill>
+          <a:blip r:embed="rId2">
+            <a:extLst>
+              <a:ext uri="{28A0092B-C50C-407E-A947-70E740481C1C}">
+                <a14:useLocalDpi xmlns:a14="http://schemas.microsoft.com/office/drawing/2010/main" val="0"/>
+              </a:ext>
+            </a:extLst>
+          </a:blip>
+          <a:stretch>
+            <a:fillRect/>
+          </a:stretch>
+        </p:blipFill>
+        <p:spPr>
+          <a:xfrm>
+            <a:off x="0" y="0"/>
+            <a:ext cx="12188825" cy="6856214"/>
+          </a:xfrm>
+          <a:prstGeom prst="rect">
+            <a:avLst/>
+          </a:prstGeom>
+        </p:spPr>
+      </p:pic>
+      <p:sp>
+        <p:nvSpPr>
+          <p:cNvPr id="2" name="Title 1"/>
+          <p:cNvSpPr>
+            <a:spLocks noGrp="1"/>
+          </p:cNvSpPr>
+          <p:nvPr>
+            <p:ph type="title"/>
+          </p:nvPr>
+        </p:nvSpPr>
+        <p:spPr>
+          <a:xfrm>
+            <a:off x="685801" y="609601"/>
+            <a:ext cx="10131427" cy="3124199"/>
+          </a:xfrm>
+        </p:spPr>
+        <p:txBody>
+          <a:bodyPr anchor="ctr">
+            <a:normAutofit/>
+          </a:bodyPr>
+          <a:lstStyle>
+            <a:lvl1pPr algn="l">
+              <a:defRPr sz="3200" b="0" cap="none"/>
+            </a:lvl1pPr>
+          </a:lstStyle>
+          <a:p>
+            <a:r>
+              <a:rPr lang="he-IL"/>
+              <a:t>לחץ כדי לערוך סגנון כותרת של תבנית בסיס</a:t>
+            </a:r>
+            <a:endParaRPr lang="en-US" dirty="0"/>
+          </a:p>
+        </p:txBody>
+      </p:sp>
+      <p:sp>
+        <p:nvSpPr>
+          <p:cNvPr id="3" name="Text Placeholder 2"/>
+          <p:cNvSpPr>
+            <a:spLocks noGrp="1"/>
+          </p:cNvSpPr>
+          <p:nvPr>
+            <p:ph type="body" idx="1"/>
+          </p:nvPr>
+        </p:nvSpPr>
+        <p:spPr>
+          <a:xfrm>
+            <a:off x="685800" y="4343400"/>
+            <a:ext cx="10131428" cy="1447800"/>
+          </a:xfrm>
+        </p:spPr>
+        <p:txBody>
+          <a:bodyPr anchor="ctr">
+            <a:normAutofit/>
+          </a:bodyPr>
+          <a:lstStyle>
+            <a:lvl1pPr marL="0" indent="0" algn="l">
+              <a:buNone/>
+              <a:defRPr sz="2000">
+                <a:solidFill>
+                  <a:schemeClr val="tx1"/>
+                </a:solidFill>
+              </a:defRPr>
+            </a:lvl1pPr>
+            <a:lvl2pPr marL="457200" indent="0">
+              <a:buNone/>
+              <a:defRPr sz="1800">
+                <a:solidFill>
+                  <a:schemeClr val="tx1">
+                    <a:tint val="75000"/>
+                  </a:schemeClr>
+                </a:solidFill>
+              </a:defRPr>
+            </a:lvl2pPr>
+            <a:lvl3pPr marL="914400" indent="0">
+              <a:buNone/>
+              <a:defRPr sz="1600">
+                <a:solidFill>
+                  <a:schemeClr val="tx1">
+                    <a:tint val="75000"/>
+                  </a:schemeClr>
+                </a:solidFill>
+              </a:defRPr>
+            </a:lvl3pPr>
+            <a:lvl4pPr marL="1371600" indent="0">
+              <a:buNone/>
+              <a:defRPr sz="1400">
+                <a:solidFill>
+                  <a:schemeClr val="tx1">
+                    <a:tint val="75000"/>
+                  </a:schemeClr>
+                </a:solidFill>
+              </a:defRPr>
+            </a:lvl4pPr>
+            <a:lvl5pPr marL="1828800" indent="0">
+              <a:buNone/>
+              <a:defRPr sz="1400">
+                <a:solidFill>
+                  <a:schemeClr val="tx1">
+                    <a:tint val="75000"/>
+                  </a:schemeClr>
+                </a:solidFill>
+              </a:defRPr>
+            </a:lvl5pPr>
+            <a:lvl6pPr marL="2286000" indent="0">
+              <a:buNone/>
+              <a:defRPr sz="1400">
+                <a:solidFill>
+                  <a:schemeClr val="tx1">
+                    <a:tint val="75000"/>
+                  </a:schemeClr>
+                </a:solidFill>
+              </a:defRPr>
+            </a:lvl6pPr>
+            <a:lvl7pPr marL="2743200" indent="0">
+              <a:buNone/>
+              <a:defRPr sz="1400">
+                <a:solidFill>
+                  <a:schemeClr val="tx1">
+                    <a:tint val="75000"/>
+                  </a:schemeClr>
+                </a:solidFill>
+              </a:defRPr>
+            </a:lvl7pPr>
+            <a:lvl8pPr marL="3200400" indent="0">
+              <a:buNone/>
+              <a:defRPr sz="1400">
+                <a:solidFill>
+                  <a:schemeClr val="tx1">
+                    <a:tint val="75000"/>
+                  </a:schemeClr>
+                </a:solidFill>
+              </a:defRPr>
+            </a:lvl8pPr>
+            <a:lvl9pPr marL="3657600" indent="0">
+              <a:buNone/>
+              <a:defRPr sz="1400">
+                <a:solidFill>
+                  <a:schemeClr val="tx1">
+                    <a:tint val="75000"/>
+                  </a:schemeClr>
+                </a:solidFill>
+              </a:defRPr>
+            </a:lvl9pPr>
+          </a:lstStyle>
+          <a:p>
+            <a:pPr lvl="0"/>
+            <a:r>
+              <a:rPr lang="he-IL"/>
+              <a:t>לחץ כדי לערוך סגנונות טקסט של תבנית בסיס</a:t>
+            </a:r>
+          </a:p>
+        </p:txBody>
+      </p:sp>
+      <p:sp>
+        <p:nvSpPr>
+          <p:cNvPr id="4" name="Date Placeholder 3"/>
+          <p:cNvSpPr>
+            <a:spLocks noGrp="1"/>
+          </p:cNvSpPr>
+          <p:nvPr>
+            <p:ph type="dt" sz="half" idx="10"/>
+          </p:nvPr>
+        </p:nvSpPr>
+        <p:spPr/>
+        <p:txBody>
+          <a:bodyPr/>
+          <a:lstStyle/>
+          <a:p>
+            <a:fld id="{0DF7C241-54C7-4B53-BA8B-9ABC8CD697D5}" type="datetimeFigureOut">
+              <a:rPr lang="he-IL" smtClean="0"/>
+              <a:t>כ"ט/סיון/תשפ"ב</a:t>
+            </a:fld>
+            <a:endParaRPr lang="he-IL"/>
+          </a:p>
+        </p:txBody>
+      </p:sp>
+      <p:sp>
+        <p:nvSpPr>
+          <p:cNvPr id="5" name="Footer Placeholder 4"/>
+          <p:cNvSpPr>
+            <a:spLocks noGrp="1"/>
+          </p:cNvSpPr>
+          <p:nvPr>
+            <p:ph type="ftr" sz="quarter" idx="11"/>
+          </p:nvPr>
+        </p:nvSpPr>
+        <p:spPr/>
+        <p:txBody>
+          <a:bodyPr/>
+          <a:lstStyle/>
+          <a:p>
+            <a:endParaRPr lang="he-IL"/>
+          </a:p>
+        </p:txBody>
+      </p:sp>
+      <p:sp>
+        <p:nvSpPr>
+          <p:cNvPr id="6" name="Slide Number Placeholder 5"/>
+          <p:cNvSpPr>
+            <a:spLocks noGrp="1"/>
+          </p:cNvSpPr>
+          <p:nvPr>
+            <p:ph type="sldNum" sz="quarter" idx="12"/>
+          </p:nvPr>
+        </p:nvSpPr>
+        <p:spPr/>
+        <p:txBody>
+          <a:bodyPr/>
+          <a:lstStyle/>
+          <a:p>
+            <a:fld id="{0F1F7051-F467-4CE4-8B4D-86E014EEA299}" type="slidenum">
+              <a:rPr lang="he-IL" smtClean="0"/>
+              <a:t>‹#›</a:t>
+            </a:fld>
+            <a:endParaRPr lang="he-IL"/>
+          </a:p>
+        </p:txBody>
+      </p:sp>
+    </p:spTree>
+    <p:extLst>
+      <p:ext uri="{BB962C8B-B14F-4D97-AF65-F5344CB8AC3E}">
+        <p14:creationId xmlns:p14="http://schemas.microsoft.com/office/powerpoint/2010/main" val="1458815802"/>
+      </p:ext>
+    </p:extLst>
+  </p:cSld>
+  <p:clrMapOvr>
+    <a:masterClrMapping/>
+  </p:clrMapOvr>
+</p:sldLayout>
+</file>
+
+<file path=ppt/slideLayouts/slideLayout12.xml><?xml version="1.0" encoding="utf-8"?>
+<p:sldLayout xmlns:a="http://schemas.openxmlformats.org/drawingml/2006/main" xmlns:r="http://schemas.openxmlformats.org/officeDocument/2006/relationships" xmlns:p="http://schemas.openxmlformats.org/presentationml/2006/main" preserve="1">
+  <p:cSld name="ציטוט עם כיתוב">
+    <p:spTree>
+      <p:nvGrpSpPr>
+        <p:cNvPr id="1" name=""/>
+        <p:cNvGrpSpPr/>
+        <p:nvPr/>
+      </p:nvGrpSpPr>
+      <p:grpSpPr>
+        <a:xfrm>
+          <a:off x="0" y="0"/>
+          <a:ext cx="0" cy="0"/>
+          <a:chOff x="0" y="0"/>
+          <a:chExt cx="0" cy="0"/>
+        </a:xfrm>
+      </p:grpSpPr>
+      <p:pic>
+        <p:nvPicPr>
+          <p:cNvPr id="16" name="Picture 15" descr="Celestia-R1---OverlayContentHD.png"/>
+          <p:cNvPicPr>
+            <a:picLocks noChangeAspect="1"/>
+          </p:cNvPicPr>
+          <p:nvPr/>
+        </p:nvPicPr>
+        <p:blipFill>
+          <a:blip r:embed="rId2">
+            <a:extLst>
+              <a:ext uri="{28A0092B-C50C-407E-A947-70E740481C1C}">
+                <a14:useLocalDpi xmlns:a14="http://schemas.microsoft.com/office/drawing/2010/main" val="0"/>
+              </a:ext>
+            </a:extLst>
+          </a:blip>
+          <a:stretch>
+            <a:fillRect/>
+          </a:stretch>
+        </p:blipFill>
+        <p:spPr>
+          <a:xfrm>
+            <a:off x="0" y="0"/>
+            <a:ext cx="12188825" cy="6856214"/>
+          </a:xfrm>
+          <a:prstGeom prst="rect">
+            <a:avLst/>
+          </a:prstGeom>
+        </p:spPr>
+      </p:pic>
+      <p:sp>
+        <p:nvSpPr>
+          <p:cNvPr id="15" name="TextBox 14"/>
+          <p:cNvSpPr txBox="1"/>
+          <p:nvPr/>
+        </p:nvSpPr>
+        <p:spPr>
+          <a:xfrm>
+            <a:off x="10237867" y="2743200"/>
+            <a:ext cx="609600" cy="584776"/>
+          </a:xfrm>
+          <a:prstGeom prst="rect">
+            <a:avLst/>
+          </a:prstGeom>
+        </p:spPr>
+        <p:txBody>
+          <a:bodyPr vert="horz" lIns="91440" tIns="45720" rIns="91440" bIns="45720" rtlCol="0" anchor="ctr">
+            <a:noAutofit/>
+          </a:bodyPr>
+          <a:lstStyle>
+            <a:lvl1pPr>
+              <a:spcBef>
+                <a:spcPct val="0"/>
+              </a:spcBef>
+              <a:buNone/>
+              <a:defRPr sz="3200" b="0" cap="all">
+                <a:ln w="3175" cmpd="sng">
+                  <a:noFill/>
+                </a:ln>
+                <a:effectLst>
+                  <a:glow rad="38100">
+                    <a:schemeClr val="bg1">
+                      <a:lumMod val="65000"/>
+                      <a:lumOff val="35000"/>
+                      <a:alpha val="40000"/>
+                    </a:schemeClr>
+                  </a:glow>
+                  <a:outerShdw blurRad="28575" dist="38100" dir="14040000" algn="tl" rotWithShape="0">
+                    <a:srgbClr val="000000">
+                      <a:alpha val="25000"/>
+                    </a:srgbClr>
+                  </a:outerShdw>
+                </a:effectLst>
+              </a:defRPr>
+            </a:lvl1pPr>
+            <a:lvl2pPr>
+              <a:defRPr>
+                <a:solidFill>
+                  <a:schemeClr val="tx2"/>
+                </a:solidFill>
+              </a:defRPr>
+            </a:lvl2pPr>
+            <a:lvl3pPr>
+              <a:defRPr>
+                <a:solidFill>
+                  <a:schemeClr val="tx2"/>
+                </a:solidFill>
+              </a:defRPr>
+            </a:lvl3pPr>
+            <a:lvl4pPr>
+              <a:defRPr>
+                <a:solidFill>
+                  <a:schemeClr val="tx2"/>
+                </a:solidFill>
+              </a:defRPr>
+            </a:lvl4pPr>
+            <a:lvl5pPr>
+              <a:defRPr>
+                <a:solidFill>
+                  <a:schemeClr val="tx2"/>
+                </a:solidFill>
+              </a:defRPr>
+            </a:lvl5pPr>
+            <a:lvl6pPr>
+              <a:defRPr>
+                <a:solidFill>
+                  <a:schemeClr val="tx2"/>
+                </a:solidFill>
+              </a:defRPr>
+            </a:lvl6pPr>
+            <a:lvl7pPr>
+              <a:defRPr>
+                <a:solidFill>
+                  <a:schemeClr val="tx2"/>
+                </a:solidFill>
+              </a:defRPr>
+            </a:lvl7pPr>
+            <a:lvl8pPr>
+              <a:defRPr>
+                <a:solidFill>
+                  <a:schemeClr val="tx2"/>
+                </a:solidFill>
+              </a:defRPr>
+            </a:lvl8pPr>
+            <a:lvl9pPr>
+              <a:defRPr>
+                <a:solidFill>
+                  <a:schemeClr val="tx2"/>
+                </a:solidFill>
+              </a:defRPr>
+            </a:lvl9pPr>
+          </a:lstStyle>
+          <a:p>
+            <a:pPr lvl="0" algn="r"/>
+            <a:r>
+              <a:rPr lang="en-US" sz="8000" dirty="0">
+                <a:solidFill>
+                  <a:schemeClr val="tx1"/>
+                </a:solidFill>
+                <a:effectLst/>
+              </a:rPr>
+              <a:t>”</a:t>
+            </a:r>
+          </a:p>
+        </p:txBody>
+      </p:sp>
+      <p:sp>
+        <p:nvSpPr>
+          <p:cNvPr id="11" name="TextBox 10"/>
+          <p:cNvSpPr txBox="1"/>
+          <p:nvPr/>
+        </p:nvSpPr>
+        <p:spPr>
+          <a:xfrm>
+            <a:off x="488275" y="823337"/>
+            <a:ext cx="609600" cy="584776"/>
+          </a:xfrm>
+          <a:prstGeom prst="rect">
+            <a:avLst/>
+          </a:prstGeom>
+        </p:spPr>
+        <p:txBody>
+          <a:bodyPr vert="horz" lIns="91440" tIns="45720" rIns="91440" bIns="45720" rtlCol="0" anchor="ctr">
+            <a:noAutofit/>
+          </a:bodyPr>
+          <a:lstStyle>
+            <a:lvl1pPr>
+              <a:spcBef>
+                <a:spcPct val="0"/>
+              </a:spcBef>
+              <a:buNone/>
+              <a:defRPr sz="3200" b="0" cap="all">
+                <a:ln w="3175" cmpd="sng">
+                  <a:noFill/>
+                </a:ln>
+                <a:effectLst>
+                  <a:glow rad="38100">
+                    <a:schemeClr val="bg1">
+                      <a:lumMod val="65000"/>
+                      <a:lumOff val="35000"/>
+                      <a:alpha val="40000"/>
+                    </a:schemeClr>
+                  </a:glow>
+                  <a:outerShdw blurRad="28575" dist="38100" dir="14040000" algn="tl" rotWithShape="0">
+                    <a:srgbClr val="000000">
+                      <a:alpha val="25000"/>
+                    </a:srgbClr>
+                  </a:outerShdw>
+                </a:effectLst>
+              </a:defRPr>
+            </a:lvl1pPr>
+            <a:lvl2pPr>
+              <a:defRPr>
+                <a:solidFill>
+                  <a:schemeClr val="tx2"/>
+                </a:solidFill>
+              </a:defRPr>
+            </a:lvl2pPr>
+            <a:lvl3pPr>
+              <a:defRPr>
+                <a:solidFill>
+                  <a:schemeClr val="tx2"/>
+                </a:solidFill>
+              </a:defRPr>
+            </a:lvl3pPr>
+            <a:lvl4pPr>
+              <a:defRPr>
+                <a:solidFill>
+                  <a:schemeClr val="tx2"/>
+                </a:solidFill>
+              </a:defRPr>
+            </a:lvl4pPr>
+            <a:lvl5pPr>
+              <a:defRPr>
+                <a:solidFill>
+                  <a:schemeClr val="tx2"/>
+                </a:solidFill>
+              </a:defRPr>
+            </a:lvl5pPr>
+            <a:lvl6pPr>
+              <a:defRPr>
+                <a:solidFill>
+                  <a:schemeClr val="tx2"/>
+                </a:solidFill>
+              </a:defRPr>
+            </a:lvl6pPr>
+            <a:lvl7pPr>
+              <a:defRPr>
+                <a:solidFill>
+                  <a:schemeClr val="tx2"/>
+                </a:solidFill>
+              </a:defRPr>
+            </a:lvl7pPr>
+            <a:lvl8pPr>
+              <a:defRPr>
+                <a:solidFill>
+                  <a:schemeClr val="tx2"/>
+                </a:solidFill>
+              </a:defRPr>
+            </a:lvl8pPr>
+            <a:lvl9pPr>
+              <a:defRPr>
+                <a:solidFill>
+                  <a:schemeClr val="tx2"/>
+                </a:solidFill>
+              </a:defRPr>
+            </a:lvl9pPr>
+          </a:lstStyle>
+          <a:p>
+            <a:pPr lvl="0" algn="r"/>
+            <a:r>
+              <a:rPr lang="en-US" sz="8000" dirty="0">
+                <a:solidFill>
+                  <a:schemeClr val="tx1"/>
+                </a:solidFill>
+                <a:effectLst/>
+              </a:rPr>
+              <a:t>“</a:t>
+            </a:r>
+          </a:p>
+        </p:txBody>
+      </p:sp>
+      <p:sp>
+        <p:nvSpPr>
+          <p:cNvPr id="2" name="Title 1"/>
+          <p:cNvSpPr>
+            <a:spLocks noGrp="1"/>
+          </p:cNvSpPr>
+          <p:nvPr>
+            <p:ph type="title"/>
+          </p:nvPr>
+        </p:nvSpPr>
+        <p:spPr>
+          <a:xfrm>
+            <a:off x="992267" y="609601"/>
+            <a:ext cx="9550399" cy="2743199"/>
+          </a:xfrm>
+        </p:spPr>
+        <p:txBody>
+          <a:bodyPr anchor="ctr">
+            <a:normAutofit/>
+          </a:bodyPr>
+          <a:lstStyle>
+            <a:lvl1pPr algn="l">
+              <a:defRPr sz="3200" b="0" cap="none">
+                <a:solidFill>
+                  <a:schemeClr val="tx1"/>
+                </a:solidFill>
+              </a:defRPr>
+            </a:lvl1pPr>
+          </a:lstStyle>
+          <a:p>
+            <a:r>
+              <a:rPr lang="he-IL"/>
+              <a:t>לחץ כדי לערוך סגנון כותרת של תבנית בסיס</a:t>
+            </a:r>
+            <a:endParaRPr lang="en-US" dirty="0"/>
+          </a:p>
+        </p:txBody>
+      </p:sp>
+      <p:sp>
+        <p:nvSpPr>
+          <p:cNvPr id="10" name="Text Placeholder 9"/>
+          <p:cNvSpPr>
+            <a:spLocks noGrp="1"/>
+          </p:cNvSpPr>
+          <p:nvPr>
+            <p:ph type="body" sz="quarter" idx="13"/>
+          </p:nvPr>
+        </p:nvSpPr>
+        <p:spPr>
+          <a:xfrm>
+            <a:off x="1097875" y="3352800"/>
+            <a:ext cx="9339184" cy="381000"/>
+          </a:xfrm>
+        </p:spPr>
+        <p:txBody>
+          <a:bodyPr anchor="ctr"/>
+          <a:lstStyle>
+            <a:lvl1pPr marL="0" indent="0">
+              <a:buFontTx/>
+              <a:buNone/>
+              <a:defRPr/>
+            </a:lvl1pPr>
+            <a:lvl2pPr marL="457200" indent="0">
+              <a:buFontTx/>
+              <a:buNone/>
+              <a:defRPr/>
+            </a:lvl2pPr>
+            <a:lvl3pPr marL="914400" indent="0">
+              <a:buFontTx/>
+              <a:buNone/>
+              <a:defRPr/>
+            </a:lvl3pPr>
+            <a:lvl4pPr marL="1371600" indent="0">
+              <a:buFontTx/>
+              <a:buNone/>
+              <a:defRPr/>
+            </a:lvl4pPr>
+            <a:lvl5pPr marL="1828800" indent="0">
+              <a:buFontTx/>
+              <a:buNone/>
+              <a:defRPr/>
+            </a:lvl5pPr>
+          </a:lstStyle>
+          <a:p>
+            <a:pPr lvl="0"/>
+            <a:r>
+              <a:rPr lang="he-IL"/>
+              <a:t>לחץ כדי לערוך סגנונות טקסט של תבנית בסיס</a:t>
+            </a:r>
+          </a:p>
+        </p:txBody>
+      </p:sp>
+      <p:sp>
+        <p:nvSpPr>
+          <p:cNvPr id="3" name="Text Placeholder 2"/>
+          <p:cNvSpPr>
+            <a:spLocks noGrp="1"/>
+          </p:cNvSpPr>
+          <p:nvPr>
+            <p:ph type="body" idx="1"/>
+          </p:nvPr>
+        </p:nvSpPr>
+        <p:spPr>
+          <a:xfrm>
+            <a:off x="687465" y="4343400"/>
+            <a:ext cx="10152367" cy="1447800"/>
+          </a:xfrm>
+        </p:spPr>
+        <p:txBody>
+          <a:bodyPr anchor="ctr">
+            <a:normAutofit/>
+          </a:bodyPr>
+          <a:lstStyle>
+            <a:lvl1pPr marL="0" indent="0" algn="l">
+              <a:buNone/>
+              <a:defRPr sz="2000">
+                <a:solidFill>
+                  <a:schemeClr val="tx1"/>
+                </a:solidFill>
+              </a:defRPr>
+            </a:lvl1pPr>
+            <a:lvl2pPr marL="457200" indent="0">
+              <a:buNone/>
+              <a:defRPr sz="1800">
+                <a:solidFill>
+                  <a:schemeClr val="tx1">
+                    <a:tint val="75000"/>
+                  </a:schemeClr>
+                </a:solidFill>
+              </a:defRPr>
+            </a:lvl2pPr>
+            <a:lvl3pPr marL="914400" indent="0">
+              <a:buNone/>
+              <a:defRPr sz="1600">
+                <a:solidFill>
+                  <a:schemeClr val="tx1">
+                    <a:tint val="75000"/>
+                  </a:schemeClr>
+                </a:solidFill>
+              </a:defRPr>
+            </a:lvl3pPr>
+            <a:lvl4pPr marL="1371600" indent="0">
+              <a:buNone/>
+              <a:defRPr sz="1400">
+                <a:solidFill>
+                  <a:schemeClr val="tx1">
+                    <a:tint val="75000"/>
+                  </a:schemeClr>
+                </a:solidFill>
+              </a:defRPr>
+            </a:lvl4pPr>
+            <a:lvl5pPr marL="1828800" indent="0">
+              <a:buNone/>
+              <a:defRPr sz="1400">
+                <a:solidFill>
+                  <a:schemeClr val="tx1">
+                    <a:tint val="75000"/>
+                  </a:schemeClr>
+                </a:solidFill>
+              </a:defRPr>
+            </a:lvl5pPr>
+            <a:lvl6pPr marL="2286000" indent="0">
+              <a:buNone/>
+              <a:defRPr sz="1400">
+                <a:solidFill>
+                  <a:schemeClr val="tx1">
+                    <a:tint val="75000"/>
+                  </a:schemeClr>
+                </a:solidFill>
+              </a:defRPr>
+            </a:lvl6pPr>
+            <a:lvl7pPr marL="2743200" indent="0">
+              <a:buNone/>
+              <a:defRPr sz="1400">
+                <a:solidFill>
+                  <a:schemeClr val="tx1">
+                    <a:tint val="75000"/>
+                  </a:schemeClr>
+                </a:solidFill>
+              </a:defRPr>
+            </a:lvl7pPr>
+            <a:lvl8pPr marL="3200400" indent="0">
+              <a:buNone/>
+              <a:defRPr sz="1400">
+                <a:solidFill>
+                  <a:schemeClr val="tx1">
+                    <a:tint val="75000"/>
+                  </a:schemeClr>
+                </a:solidFill>
+              </a:defRPr>
+            </a:lvl8pPr>
+            <a:lvl9pPr marL="3657600" indent="0">
+              <a:buNone/>
+              <a:defRPr sz="1400">
+                <a:solidFill>
+                  <a:schemeClr val="tx1">
+                    <a:tint val="75000"/>
+                  </a:schemeClr>
+                </a:solidFill>
+              </a:defRPr>
+            </a:lvl9pPr>
+          </a:lstStyle>
+          <a:p>
+            <a:pPr lvl="0"/>
+            <a:r>
+              <a:rPr lang="he-IL"/>
+              <a:t>לחץ כדי לערוך סגנונות טקסט של תבנית בסיס</a:t>
+            </a:r>
+          </a:p>
+        </p:txBody>
+      </p:sp>
+      <p:sp>
+        <p:nvSpPr>
+          <p:cNvPr id="4" name="Date Placeholder 3"/>
+          <p:cNvSpPr>
+            <a:spLocks noGrp="1"/>
+          </p:cNvSpPr>
+          <p:nvPr>
+            <p:ph type="dt" sz="half" idx="10"/>
+          </p:nvPr>
+        </p:nvSpPr>
+        <p:spPr/>
+        <p:txBody>
+          <a:bodyPr/>
+          <a:lstStyle/>
+          <a:p>
+            <a:fld id="{0DF7C241-54C7-4B53-BA8B-9ABC8CD697D5}" type="datetimeFigureOut">
+              <a:rPr lang="he-IL" smtClean="0"/>
+              <a:t>כ"ט/סיון/תשפ"ב</a:t>
+            </a:fld>
+            <a:endParaRPr lang="he-IL"/>
+          </a:p>
+        </p:txBody>
+      </p:sp>
+      <p:sp>
+        <p:nvSpPr>
+          <p:cNvPr id="5" name="Footer Placeholder 4"/>
+          <p:cNvSpPr>
+            <a:spLocks noGrp="1"/>
+          </p:cNvSpPr>
+          <p:nvPr>
+            <p:ph type="ftr" sz="quarter" idx="11"/>
+          </p:nvPr>
+        </p:nvSpPr>
+        <p:spPr/>
+        <p:txBody>
+          <a:bodyPr/>
+          <a:lstStyle/>
+          <a:p>
+            <a:endParaRPr lang="he-IL"/>
+          </a:p>
+        </p:txBody>
+      </p:sp>
+      <p:sp>
+        <p:nvSpPr>
+          <p:cNvPr id="6" name="Slide Number Placeholder 5"/>
+          <p:cNvSpPr>
+            <a:spLocks noGrp="1"/>
+          </p:cNvSpPr>
+          <p:nvPr>
+            <p:ph type="sldNum" sz="quarter" idx="12"/>
+          </p:nvPr>
+        </p:nvSpPr>
+        <p:spPr/>
+        <p:txBody>
+          <a:bodyPr/>
+          <a:lstStyle/>
+          <a:p>
+            <a:fld id="{0F1F7051-F467-4CE4-8B4D-86E014EEA299}" type="slidenum">
+              <a:rPr lang="he-IL" smtClean="0"/>
+              <a:t>‹#›</a:t>
+            </a:fld>
+            <a:endParaRPr lang="he-IL"/>
+          </a:p>
+        </p:txBody>
+      </p:sp>
+    </p:spTree>
+    <p:extLst>
+      <p:ext uri="{BB962C8B-B14F-4D97-AF65-F5344CB8AC3E}">
+        <p14:creationId xmlns:p14="http://schemas.microsoft.com/office/powerpoint/2010/main" val="943721078"/>
+      </p:ext>
+    </p:extLst>
+  </p:cSld>
+  <p:clrMapOvr>
+    <a:masterClrMapping/>
+  </p:clrMapOvr>
+</p:sldLayout>
+</file>
+
+<file path=ppt/slideLayouts/slideLayout13.xml><?xml version="1.0" encoding="utf-8"?>
+<p:sldLayout xmlns:a="http://schemas.openxmlformats.org/drawingml/2006/main" xmlns:r="http://schemas.openxmlformats.org/officeDocument/2006/relationships" xmlns:p="http://schemas.openxmlformats.org/presentationml/2006/main" preserve="1">
+  <p:cSld name="כרטיס שם">
+    <p:spTree>
+      <p:nvGrpSpPr>
+        <p:cNvPr id="1" name=""/>
+        <p:cNvGrpSpPr/>
+        <p:nvPr/>
+      </p:nvGrpSpPr>
+      <p:grpSpPr>
+        <a:xfrm>
+          <a:off x="0" y="0"/>
+          <a:ext cx="0" cy="0"/>
+          <a:chOff x="0" y="0"/>
+          <a:chExt cx="0" cy="0"/>
+        </a:xfrm>
+      </p:grpSpPr>
+      <p:pic>
+        <p:nvPicPr>
+          <p:cNvPr id="8" name="Picture 7" descr="Celestia-R1---OverlayContentHD.png"/>
+          <p:cNvPicPr>
+            <a:picLocks noChangeAspect="1"/>
+          </p:cNvPicPr>
+          <p:nvPr/>
+        </p:nvPicPr>
+        <p:blipFill>
+          <a:blip r:embed="rId2">
+            <a:extLst>
+              <a:ext uri="{28A0092B-C50C-407E-A947-70E740481C1C}">
+                <a14:useLocalDpi xmlns:a14="http://schemas.microsoft.com/office/drawing/2010/main" val="0"/>
+              </a:ext>
+            </a:extLst>
+          </a:blip>
+          <a:stretch>
+            <a:fillRect/>
+          </a:stretch>
+        </p:blipFill>
+        <p:spPr>
+          <a:xfrm>
+            <a:off x="0" y="0"/>
+            <a:ext cx="12188825" cy="6856214"/>
+          </a:xfrm>
+          <a:prstGeom prst="rect">
+            <a:avLst/>
+          </a:prstGeom>
+        </p:spPr>
+      </p:pic>
+      <p:sp>
+        <p:nvSpPr>
+          <p:cNvPr id="2" name="Title 1"/>
+          <p:cNvSpPr>
+            <a:spLocks noGrp="1"/>
+          </p:cNvSpPr>
+          <p:nvPr>
+            <p:ph type="title"/>
+          </p:nvPr>
+        </p:nvSpPr>
+        <p:spPr>
+          <a:xfrm>
+            <a:off x="685802" y="3308581"/>
+            <a:ext cx="10131425" cy="1468800"/>
+          </a:xfrm>
+        </p:spPr>
+        <p:txBody>
+          <a:bodyPr anchor="b">
+            <a:normAutofit/>
+          </a:bodyPr>
+          <a:lstStyle>
+            <a:lvl1pPr algn="l">
+              <a:defRPr sz="3200" b="0" cap="none"/>
+            </a:lvl1pPr>
+          </a:lstStyle>
+          <a:p>
+            <a:r>
+              <a:rPr lang="he-IL"/>
+              <a:t>לחץ כדי לערוך סגנון כותרת של תבנית בסיס</a:t>
+            </a:r>
+            <a:endParaRPr lang="en-US" dirty="0"/>
+          </a:p>
+        </p:txBody>
+      </p:sp>
+      <p:sp>
+        <p:nvSpPr>
+          <p:cNvPr id="3" name="Text Placeholder 2"/>
+          <p:cNvSpPr>
+            <a:spLocks noGrp="1"/>
+          </p:cNvSpPr>
+          <p:nvPr>
+            <p:ph type="body" idx="1"/>
+          </p:nvPr>
+        </p:nvSpPr>
+        <p:spPr>
+          <a:xfrm>
+            <a:off x="685801" y="4777381"/>
+            <a:ext cx="10131426" cy="860400"/>
+          </a:xfrm>
+        </p:spPr>
+        <p:txBody>
+          <a:bodyPr anchor="t">
+            <a:normAutofit/>
+          </a:bodyPr>
+          <a:lstStyle>
+            <a:lvl1pPr marL="0" indent="0" algn="l">
+              <a:buNone/>
+              <a:defRPr sz="2000">
+                <a:solidFill>
+                  <a:schemeClr val="tx1"/>
+                </a:solidFill>
+              </a:defRPr>
+            </a:lvl1pPr>
+            <a:lvl2pPr marL="457200" indent="0">
+              <a:buNone/>
+              <a:defRPr sz="1800">
+                <a:solidFill>
+                  <a:schemeClr val="tx1">
+                    <a:tint val="75000"/>
+                  </a:schemeClr>
+                </a:solidFill>
+              </a:defRPr>
+            </a:lvl2pPr>
+            <a:lvl3pPr marL="914400" indent="0">
+              <a:buNone/>
+              <a:defRPr sz="1600">
+                <a:solidFill>
+                  <a:schemeClr val="tx1">
+                    <a:tint val="75000"/>
+                  </a:schemeClr>
+                </a:solidFill>
+              </a:defRPr>
+            </a:lvl3pPr>
+            <a:lvl4pPr marL="1371600" indent="0">
+              <a:buNone/>
+              <a:defRPr sz="1400">
+                <a:solidFill>
+                  <a:schemeClr val="tx1">
+                    <a:tint val="75000"/>
+                  </a:schemeClr>
+                </a:solidFill>
+              </a:defRPr>
+            </a:lvl4pPr>
+            <a:lvl5pPr marL="1828800" indent="0">
+              <a:buNone/>
+              <a:defRPr sz="1400">
+                <a:solidFill>
+                  <a:schemeClr val="tx1">
+                    <a:tint val="75000"/>
+                  </a:schemeClr>
+                </a:solidFill>
+              </a:defRPr>
+            </a:lvl5pPr>
+            <a:lvl6pPr marL="2286000" indent="0">
+              <a:buNone/>
+              <a:defRPr sz="1400">
+                <a:solidFill>
+                  <a:schemeClr val="tx1">
+                    <a:tint val="75000"/>
+                  </a:schemeClr>
+                </a:solidFill>
+              </a:defRPr>
+            </a:lvl6pPr>
+            <a:lvl7pPr marL="2743200" indent="0">
+              <a:buNone/>
+              <a:defRPr sz="1400">
+                <a:solidFill>
+                  <a:schemeClr val="tx1">
+                    <a:tint val="75000"/>
+                  </a:schemeClr>
+                </a:solidFill>
+              </a:defRPr>
+            </a:lvl7pPr>
+            <a:lvl8pPr marL="3200400" indent="0">
+              <a:buNone/>
+              <a:defRPr sz="1400">
+                <a:solidFill>
+                  <a:schemeClr val="tx1">
+                    <a:tint val="75000"/>
+                  </a:schemeClr>
+                </a:solidFill>
+              </a:defRPr>
+            </a:lvl8pPr>
+            <a:lvl9pPr marL="3657600" indent="0">
+              <a:buNone/>
+              <a:defRPr sz="1400">
+                <a:solidFill>
+                  <a:schemeClr val="tx1">
+                    <a:tint val="75000"/>
+                  </a:schemeClr>
+                </a:solidFill>
+              </a:defRPr>
+            </a:lvl9pPr>
+          </a:lstStyle>
+          <a:p>
+            <a:pPr lvl="0"/>
+            <a:r>
+              <a:rPr lang="he-IL"/>
+              <a:t>לחץ כדי לערוך סגנונות טקסט של תבנית בסיס</a:t>
+            </a:r>
+          </a:p>
+        </p:txBody>
+      </p:sp>
+      <p:sp>
+        <p:nvSpPr>
+          <p:cNvPr id="4" name="Date Placeholder 3"/>
+          <p:cNvSpPr>
+            <a:spLocks noGrp="1"/>
+          </p:cNvSpPr>
+          <p:nvPr>
+            <p:ph type="dt" sz="half" idx="10"/>
+          </p:nvPr>
+        </p:nvSpPr>
+        <p:spPr/>
+        <p:txBody>
+          <a:bodyPr/>
+          <a:lstStyle/>
+          <a:p>
+            <a:fld id="{0DF7C241-54C7-4B53-BA8B-9ABC8CD697D5}" type="datetimeFigureOut">
+              <a:rPr lang="he-IL" smtClean="0"/>
+              <a:t>כ"ט/סיון/תשפ"ב</a:t>
+            </a:fld>
+            <a:endParaRPr lang="he-IL"/>
+          </a:p>
+        </p:txBody>
+      </p:sp>
+      <p:sp>
+        <p:nvSpPr>
+          <p:cNvPr id="5" name="Footer Placeholder 4"/>
+          <p:cNvSpPr>
+            <a:spLocks noGrp="1"/>
+          </p:cNvSpPr>
+          <p:nvPr>
+            <p:ph type="ftr" sz="quarter" idx="11"/>
+          </p:nvPr>
+        </p:nvSpPr>
+        <p:spPr/>
+        <p:txBody>
+          <a:bodyPr/>
+          <a:lstStyle/>
+          <a:p>
+            <a:endParaRPr lang="he-IL"/>
+          </a:p>
+        </p:txBody>
+      </p:sp>
+      <p:sp>
+        <p:nvSpPr>
+          <p:cNvPr id="6" name="Slide Number Placeholder 5"/>
+          <p:cNvSpPr>
+            <a:spLocks noGrp="1"/>
+          </p:cNvSpPr>
+          <p:nvPr>
+            <p:ph type="sldNum" sz="quarter" idx="12"/>
+          </p:nvPr>
+        </p:nvSpPr>
+        <p:spPr/>
+        <p:txBody>
+          <a:bodyPr/>
+          <a:lstStyle/>
+          <a:p>
+            <a:fld id="{0F1F7051-F467-4CE4-8B4D-86E014EEA299}" type="slidenum">
+              <a:rPr lang="he-IL" smtClean="0"/>
+              <a:t>‹#›</a:t>
+            </a:fld>
+            <a:endParaRPr lang="he-IL"/>
+          </a:p>
+        </p:txBody>
+      </p:sp>
+    </p:spTree>
+    <p:extLst>
+      <p:ext uri="{BB962C8B-B14F-4D97-AF65-F5344CB8AC3E}">
+        <p14:creationId xmlns:p14="http://schemas.microsoft.com/office/powerpoint/2010/main" val="3534069603"/>
+      </p:ext>
+    </p:extLst>
+  </p:cSld>
+  <p:clrMapOvr>
+    <a:masterClrMapping/>
+  </p:clrMapOvr>
+</p:sldLayout>
+</file>
+
+<file path=ppt/slideLayouts/slideLayout14.xml><?xml version="1.0" encoding="utf-8"?>
+<p:sldLayout xmlns:a="http://schemas.openxmlformats.org/drawingml/2006/main" xmlns:r="http://schemas.openxmlformats.org/officeDocument/2006/relationships" xmlns:p="http://schemas.openxmlformats.org/presentationml/2006/main" preserve="1">
+  <p:cSld name="כרטיס שם עם ציטוט">
+    <p:spTree>
+      <p:nvGrpSpPr>
+        <p:cNvPr id="1" name=""/>
+        <p:cNvGrpSpPr/>
+        <p:nvPr/>
+      </p:nvGrpSpPr>
+      <p:grpSpPr>
+        <a:xfrm>
+          <a:off x="0" y="0"/>
+          <a:ext cx="0" cy="0"/>
+          <a:chOff x="0" y="0"/>
+          <a:chExt cx="0" cy="0"/>
+        </a:xfrm>
+      </p:grpSpPr>
+      <p:pic>
+        <p:nvPicPr>
+          <p:cNvPr id="11" name="Picture 10" descr="Celestia-R1---OverlayContentHD.png"/>
+          <p:cNvPicPr>
+            <a:picLocks noChangeAspect="1"/>
+          </p:cNvPicPr>
+          <p:nvPr/>
+        </p:nvPicPr>
+        <p:blipFill>
+          <a:blip r:embed="rId2">
+            <a:extLst>
+              <a:ext uri="{28A0092B-C50C-407E-A947-70E740481C1C}">
+                <a14:useLocalDpi xmlns:a14="http://schemas.microsoft.com/office/drawing/2010/main" val="0"/>
+              </a:ext>
+            </a:extLst>
+          </a:blip>
+          <a:stretch>
+            <a:fillRect/>
+          </a:stretch>
+        </p:blipFill>
+        <p:spPr>
+          <a:xfrm>
+            <a:off x="0" y="0"/>
+            <a:ext cx="12188825" cy="6856214"/>
+          </a:xfrm>
+          <a:prstGeom prst="rect">
+            <a:avLst/>
+          </a:prstGeom>
+        </p:spPr>
+      </p:pic>
+      <p:sp>
+        <p:nvSpPr>
+          <p:cNvPr id="13" name="TextBox 12"/>
+          <p:cNvSpPr txBox="1"/>
+          <p:nvPr/>
+        </p:nvSpPr>
+        <p:spPr>
+          <a:xfrm>
+            <a:off x="10237867" y="2743200"/>
+            <a:ext cx="609600" cy="584776"/>
+          </a:xfrm>
+          <a:prstGeom prst="rect">
+            <a:avLst/>
+          </a:prstGeom>
+        </p:spPr>
+        <p:txBody>
+          <a:bodyPr vert="horz" lIns="91440" tIns="45720" rIns="91440" bIns="45720" rtlCol="0" anchor="ctr">
+            <a:noAutofit/>
+          </a:bodyPr>
+          <a:lstStyle>
+            <a:lvl1pPr>
+              <a:spcBef>
+                <a:spcPct val="0"/>
+              </a:spcBef>
+              <a:buNone/>
+              <a:defRPr sz="3200" b="0" cap="all">
+                <a:ln w="3175" cmpd="sng">
+                  <a:noFill/>
+                </a:ln>
+                <a:effectLst>
+                  <a:glow rad="38100">
+                    <a:schemeClr val="bg1">
+                      <a:lumMod val="65000"/>
+                      <a:lumOff val="35000"/>
+                      <a:alpha val="40000"/>
+                    </a:schemeClr>
+                  </a:glow>
+                  <a:outerShdw blurRad="28575" dist="38100" dir="14040000" algn="tl" rotWithShape="0">
+                    <a:srgbClr val="000000">
+                      <a:alpha val="25000"/>
+                    </a:srgbClr>
+                  </a:outerShdw>
+                </a:effectLst>
+              </a:defRPr>
+            </a:lvl1pPr>
+            <a:lvl2pPr>
+              <a:defRPr>
+                <a:solidFill>
+                  <a:schemeClr val="tx2"/>
+                </a:solidFill>
+              </a:defRPr>
+            </a:lvl2pPr>
+            <a:lvl3pPr>
+              <a:defRPr>
+                <a:solidFill>
+                  <a:schemeClr val="tx2"/>
+                </a:solidFill>
+              </a:defRPr>
+            </a:lvl3pPr>
+            <a:lvl4pPr>
+              <a:defRPr>
+                <a:solidFill>
+                  <a:schemeClr val="tx2"/>
+                </a:solidFill>
+              </a:defRPr>
+            </a:lvl4pPr>
+            <a:lvl5pPr>
+              <a:defRPr>
+                <a:solidFill>
+                  <a:schemeClr val="tx2"/>
+                </a:solidFill>
+              </a:defRPr>
+            </a:lvl5pPr>
+            <a:lvl6pPr>
+              <a:defRPr>
+                <a:solidFill>
+                  <a:schemeClr val="tx2"/>
+                </a:solidFill>
+              </a:defRPr>
+            </a:lvl6pPr>
+            <a:lvl7pPr>
+              <a:defRPr>
+                <a:solidFill>
+                  <a:schemeClr val="tx2"/>
+                </a:solidFill>
+              </a:defRPr>
+            </a:lvl7pPr>
+            <a:lvl8pPr>
+              <a:defRPr>
+                <a:solidFill>
+                  <a:schemeClr val="tx2"/>
+                </a:solidFill>
+              </a:defRPr>
+            </a:lvl8pPr>
+            <a:lvl9pPr>
+              <a:defRPr>
+                <a:solidFill>
+                  <a:schemeClr val="tx2"/>
+                </a:solidFill>
+              </a:defRPr>
+            </a:lvl9pPr>
+          </a:lstStyle>
+          <a:p>
+            <a:pPr lvl="0" algn="r"/>
+            <a:r>
+              <a:rPr lang="en-US" sz="8000" dirty="0">
+                <a:solidFill>
+                  <a:schemeClr val="tx1"/>
+                </a:solidFill>
+                <a:effectLst/>
+              </a:rPr>
+              <a:t>”</a:t>
+            </a:r>
+          </a:p>
+        </p:txBody>
+      </p:sp>
+      <p:sp>
+        <p:nvSpPr>
+          <p:cNvPr id="14" name="TextBox 13"/>
+          <p:cNvSpPr txBox="1"/>
+          <p:nvPr/>
+        </p:nvSpPr>
+        <p:spPr>
+          <a:xfrm>
+            <a:off x="488275" y="823337"/>
+            <a:ext cx="609600" cy="584776"/>
+          </a:xfrm>
+          <a:prstGeom prst="rect">
+            <a:avLst/>
+          </a:prstGeom>
+        </p:spPr>
+        <p:txBody>
+          <a:bodyPr vert="horz" lIns="91440" tIns="45720" rIns="91440" bIns="45720" rtlCol="0" anchor="ctr">
+            <a:noAutofit/>
+          </a:bodyPr>
+          <a:lstStyle>
+            <a:lvl1pPr>
+              <a:spcBef>
+                <a:spcPct val="0"/>
+              </a:spcBef>
+              <a:buNone/>
+              <a:defRPr sz="3200" b="0" cap="all">
+                <a:ln w="3175" cmpd="sng">
+                  <a:noFill/>
+                </a:ln>
+                <a:effectLst>
+                  <a:glow rad="38100">
+                    <a:schemeClr val="bg1">
+                      <a:lumMod val="65000"/>
+                      <a:lumOff val="35000"/>
+                      <a:alpha val="40000"/>
+                    </a:schemeClr>
+                  </a:glow>
+                  <a:outerShdw blurRad="28575" dist="38100" dir="14040000" algn="tl" rotWithShape="0">
+                    <a:srgbClr val="000000">
+                      <a:alpha val="25000"/>
+                    </a:srgbClr>
+                  </a:outerShdw>
+                </a:effectLst>
+              </a:defRPr>
+            </a:lvl1pPr>
+            <a:lvl2pPr>
+              <a:defRPr>
+                <a:solidFill>
+                  <a:schemeClr val="tx2"/>
+                </a:solidFill>
+              </a:defRPr>
+            </a:lvl2pPr>
+            <a:lvl3pPr>
+              <a:defRPr>
+                <a:solidFill>
+                  <a:schemeClr val="tx2"/>
+                </a:solidFill>
+              </a:defRPr>
+            </a:lvl3pPr>
+            <a:lvl4pPr>
+              <a:defRPr>
+                <a:solidFill>
+                  <a:schemeClr val="tx2"/>
+                </a:solidFill>
+              </a:defRPr>
+            </a:lvl4pPr>
+            <a:lvl5pPr>
+              <a:defRPr>
+                <a:solidFill>
+                  <a:schemeClr val="tx2"/>
+                </a:solidFill>
+              </a:defRPr>
+            </a:lvl5pPr>
+            <a:lvl6pPr>
+              <a:defRPr>
+                <a:solidFill>
+                  <a:schemeClr val="tx2"/>
+                </a:solidFill>
+              </a:defRPr>
+            </a:lvl6pPr>
+            <a:lvl7pPr>
+              <a:defRPr>
+                <a:solidFill>
+                  <a:schemeClr val="tx2"/>
+                </a:solidFill>
+              </a:defRPr>
+            </a:lvl7pPr>
+            <a:lvl8pPr>
+              <a:defRPr>
+                <a:solidFill>
+                  <a:schemeClr val="tx2"/>
+                </a:solidFill>
+              </a:defRPr>
+            </a:lvl8pPr>
+            <a:lvl9pPr>
+              <a:defRPr>
+                <a:solidFill>
+                  <a:schemeClr val="tx2"/>
+                </a:solidFill>
+              </a:defRPr>
+            </a:lvl9pPr>
+          </a:lstStyle>
+          <a:p>
+            <a:pPr lvl="0" algn="r"/>
+            <a:r>
+              <a:rPr lang="en-US" sz="8000" dirty="0">
+                <a:solidFill>
+                  <a:schemeClr val="tx1"/>
+                </a:solidFill>
+                <a:effectLst/>
+              </a:rPr>
+              <a:t>“</a:t>
+            </a:r>
+          </a:p>
+        </p:txBody>
+      </p:sp>
+      <p:sp>
+        <p:nvSpPr>
+          <p:cNvPr id="16" name="Title 1"/>
+          <p:cNvSpPr>
+            <a:spLocks noGrp="1"/>
+          </p:cNvSpPr>
+          <p:nvPr>
+            <p:ph type="title"/>
+          </p:nvPr>
+        </p:nvSpPr>
+        <p:spPr>
+          <a:xfrm>
+            <a:off x="992267" y="609601"/>
+            <a:ext cx="9550399" cy="2743199"/>
+          </a:xfrm>
+        </p:spPr>
+        <p:txBody>
+          <a:bodyPr anchor="ctr">
+            <a:normAutofit/>
+          </a:bodyPr>
+          <a:lstStyle>
+            <a:lvl1pPr algn="l">
+              <a:defRPr sz="3200" b="0" cap="none">
+                <a:solidFill>
+                  <a:schemeClr val="tx1"/>
+                </a:solidFill>
+              </a:defRPr>
+            </a:lvl1pPr>
+          </a:lstStyle>
+          <a:p>
+            <a:r>
+              <a:rPr lang="he-IL"/>
+              <a:t>לחץ כדי לערוך סגנון כותרת של תבנית בסיס</a:t>
+            </a:r>
+            <a:endParaRPr lang="en-US" dirty="0"/>
+          </a:p>
+        </p:txBody>
+      </p:sp>
+      <p:sp>
+        <p:nvSpPr>
+          <p:cNvPr id="10" name="Text Placeholder 9"/>
+          <p:cNvSpPr>
+            <a:spLocks noGrp="1"/>
+          </p:cNvSpPr>
+          <p:nvPr>
+            <p:ph type="body" sz="quarter" idx="13"/>
+          </p:nvPr>
+        </p:nvSpPr>
+        <p:spPr>
+          <a:xfrm>
+            <a:off x="685800" y="3886200"/>
+            <a:ext cx="10135436" cy="889000"/>
+          </a:xfrm>
+        </p:spPr>
+        <p:txBody>
+          <a:bodyPr vert="horz" lIns="91440" tIns="45720" rIns="91440" bIns="45720" rtlCol="0" anchor="b">
+            <a:normAutofit/>
+          </a:bodyPr>
+          <a:lstStyle>
+            <a:lvl1pPr>
+              <a:buNone/>
+              <a:defRPr lang="en-US" sz="2400" b="0" cap="none" dirty="0">
+                <a:ln w="3175" cmpd="sng">
+                  <a:noFill/>
+                </a:ln>
+                <a:solidFill>
+                  <a:schemeClr val="tx1"/>
+                </a:solidFill>
+                <a:effectLst/>
+              </a:defRPr>
+            </a:lvl1pPr>
+          </a:lstStyle>
+          <a:p>
+            <a:pPr marL="0" lvl="0">
+              <a:spcBef>
+                <a:spcPct val="0"/>
+              </a:spcBef>
+              <a:buNone/>
+            </a:pPr>
+            <a:r>
+              <a:rPr lang="he-IL"/>
+              <a:t>לחץ כדי לערוך סגנונות טקסט של תבנית בסיס</a:t>
+            </a:r>
+          </a:p>
+        </p:txBody>
+      </p:sp>
+      <p:sp>
+        <p:nvSpPr>
+          <p:cNvPr id="3" name="Text Placeholder 2"/>
+          <p:cNvSpPr>
+            <a:spLocks noGrp="1"/>
+          </p:cNvSpPr>
+          <p:nvPr>
+            <p:ph type="body" idx="1"/>
+          </p:nvPr>
+        </p:nvSpPr>
+        <p:spPr>
+          <a:xfrm>
+            <a:off x="685799" y="4775200"/>
+            <a:ext cx="10135436" cy="1016000"/>
+          </a:xfrm>
+        </p:spPr>
+        <p:txBody>
+          <a:bodyPr anchor="t">
+            <a:normAutofit/>
+          </a:bodyPr>
+          <a:lstStyle>
+            <a:lvl1pPr marL="0" indent="0" algn="l">
+              <a:buNone/>
+              <a:defRPr sz="1800">
+                <a:solidFill>
+                  <a:schemeClr val="tx1"/>
+                </a:solidFill>
+              </a:defRPr>
+            </a:lvl1pPr>
+            <a:lvl2pPr marL="457200" indent="0">
+              <a:buNone/>
+              <a:defRPr sz="1800">
+                <a:solidFill>
+                  <a:schemeClr val="tx1">
+                    <a:tint val="75000"/>
+                  </a:schemeClr>
+                </a:solidFill>
+              </a:defRPr>
+            </a:lvl2pPr>
+            <a:lvl3pPr marL="914400" indent="0">
+              <a:buNone/>
+              <a:defRPr sz="1600">
+                <a:solidFill>
+                  <a:schemeClr val="tx1">
+                    <a:tint val="75000"/>
+                  </a:schemeClr>
+                </a:solidFill>
+              </a:defRPr>
+            </a:lvl3pPr>
+            <a:lvl4pPr marL="1371600" indent="0">
+              <a:buNone/>
+              <a:defRPr sz="1400">
+                <a:solidFill>
+                  <a:schemeClr val="tx1">
+                    <a:tint val="75000"/>
+                  </a:schemeClr>
+                </a:solidFill>
+              </a:defRPr>
+            </a:lvl4pPr>
+            <a:lvl5pPr marL="1828800" indent="0">
+              <a:buNone/>
+              <a:defRPr sz="1400">
+                <a:solidFill>
+                  <a:schemeClr val="tx1">
+                    <a:tint val="75000"/>
+                  </a:schemeClr>
+                </a:solidFill>
+              </a:defRPr>
+            </a:lvl5pPr>
+            <a:lvl6pPr marL="2286000" indent="0">
+              <a:buNone/>
+              <a:defRPr sz="1400">
+                <a:solidFill>
+                  <a:schemeClr val="tx1">
+                    <a:tint val="75000"/>
+                  </a:schemeClr>
+                </a:solidFill>
+              </a:defRPr>
+            </a:lvl6pPr>
+            <a:lvl7pPr marL="2743200" indent="0">
+              <a:buNone/>
+              <a:defRPr sz="1400">
+                <a:solidFill>
+                  <a:schemeClr val="tx1">
+                    <a:tint val="75000"/>
+                  </a:schemeClr>
+                </a:solidFill>
+              </a:defRPr>
+            </a:lvl7pPr>
+            <a:lvl8pPr marL="3200400" indent="0">
+              <a:buNone/>
+              <a:defRPr sz="1400">
+                <a:solidFill>
+                  <a:schemeClr val="tx1">
+                    <a:tint val="75000"/>
+                  </a:schemeClr>
+                </a:solidFill>
+              </a:defRPr>
+            </a:lvl8pPr>
+            <a:lvl9pPr marL="3657600" indent="0">
+              <a:buNone/>
+              <a:defRPr sz="1400">
+                <a:solidFill>
+                  <a:schemeClr val="tx1">
+                    <a:tint val="75000"/>
+                  </a:schemeClr>
+                </a:solidFill>
+              </a:defRPr>
+            </a:lvl9pPr>
+          </a:lstStyle>
+          <a:p>
+            <a:pPr lvl="0"/>
+            <a:r>
+              <a:rPr lang="he-IL"/>
+              <a:t>לחץ כדי לערוך סגנונות טקסט של תבנית בסיס</a:t>
+            </a:r>
+          </a:p>
+        </p:txBody>
+      </p:sp>
+      <p:sp>
+        <p:nvSpPr>
+          <p:cNvPr id="4" name="Date Placeholder 3"/>
+          <p:cNvSpPr>
+            <a:spLocks noGrp="1"/>
+          </p:cNvSpPr>
+          <p:nvPr>
+            <p:ph type="dt" sz="half" idx="10"/>
+          </p:nvPr>
+        </p:nvSpPr>
+        <p:spPr/>
+        <p:txBody>
+          <a:bodyPr/>
+          <a:lstStyle/>
+          <a:p>
+            <a:fld id="{0DF7C241-54C7-4B53-BA8B-9ABC8CD697D5}" type="datetimeFigureOut">
+              <a:rPr lang="he-IL" smtClean="0"/>
+              <a:t>כ"ט/סיון/תשפ"ב</a:t>
+            </a:fld>
+            <a:endParaRPr lang="he-IL"/>
+          </a:p>
+        </p:txBody>
+      </p:sp>
+      <p:sp>
+        <p:nvSpPr>
+          <p:cNvPr id="5" name="Footer Placeholder 4"/>
+          <p:cNvSpPr>
+            <a:spLocks noGrp="1"/>
+          </p:cNvSpPr>
+          <p:nvPr>
+            <p:ph type="ftr" sz="quarter" idx="11"/>
+          </p:nvPr>
+        </p:nvSpPr>
+        <p:spPr/>
+        <p:txBody>
+          <a:bodyPr/>
+          <a:lstStyle/>
+          <a:p>
+            <a:endParaRPr lang="he-IL"/>
+          </a:p>
+        </p:txBody>
+      </p:sp>
+      <p:sp>
+        <p:nvSpPr>
+          <p:cNvPr id="6" name="Slide Number Placeholder 5"/>
+          <p:cNvSpPr>
+            <a:spLocks noGrp="1"/>
+          </p:cNvSpPr>
+          <p:nvPr>
+            <p:ph type="sldNum" sz="quarter" idx="12"/>
+          </p:nvPr>
+        </p:nvSpPr>
+        <p:spPr/>
+        <p:txBody>
+          <a:bodyPr/>
+          <a:lstStyle/>
+          <a:p>
+            <a:fld id="{0F1F7051-F467-4CE4-8B4D-86E014EEA299}" type="slidenum">
+              <a:rPr lang="he-IL" smtClean="0"/>
+              <a:t>‹#›</a:t>
+            </a:fld>
+            <a:endParaRPr lang="he-IL"/>
+          </a:p>
+        </p:txBody>
+      </p:sp>
+    </p:spTree>
+    <p:extLst>
+      <p:ext uri="{BB962C8B-B14F-4D97-AF65-F5344CB8AC3E}">
+        <p14:creationId xmlns:p14="http://schemas.microsoft.com/office/powerpoint/2010/main" val="1121518253"/>
+      </p:ext>
+    </p:extLst>
+  </p:cSld>
+  <p:clrMapOvr>
+    <a:masterClrMapping/>
+  </p:clrMapOvr>
+</p:sldLayout>
+</file>
+
+<file path=ppt/slideLayouts/slideLayout15.xml><?xml version="1.0" encoding="utf-8"?>
+<p:sldLayout xmlns:a="http://schemas.openxmlformats.org/drawingml/2006/main" xmlns:r="http://schemas.openxmlformats.org/officeDocument/2006/relationships" xmlns:p="http://schemas.openxmlformats.org/presentationml/2006/main" preserve="1">
+  <p:cSld name="נכון או לא נכון">
+    <p:spTree>
+      <p:nvGrpSpPr>
+        <p:cNvPr id="1" name=""/>
+        <p:cNvGrpSpPr/>
+        <p:nvPr/>
+      </p:nvGrpSpPr>
+      <p:grpSpPr>
+        <a:xfrm>
+          <a:off x="0" y="0"/>
+          <a:ext cx="0" cy="0"/>
+          <a:chOff x="0" y="0"/>
+          <a:chExt cx="0" cy="0"/>
+        </a:xfrm>
+      </p:grpSpPr>
+      <p:pic>
+        <p:nvPicPr>
+          <p:cNvPr id="8" name="Picture 7" descr="Celestia-R1---OverlayContentHD.png"/>
+          <p:cNvPicPr>
+            <a:picLocks noChangeAspect="1"/>
+          </p:cNvPicPr>
+          <p:nvPr/>
+        </p:nvPicPr>
+        <p:blipFill>
+          <a:blip r:embed="rId2">
+            <a:extLst>
+              <a:ext uri="{28A0092B-C50C-407E-A947-70E740481C1C}">
+                <a14:useLocalDpi xmlns:a14="http://schemas.microsoft.com/office/drawing/2010/main" val="0"/>
+              </a:ext>
+            </a:extLst>
+          </a:blip>
+          <a:stretch>
+            <a:fillRect/>
+          </a:stretch>
+        </p:blipFill>
+        <p:spPr>
+          <a:xfrm>
+            <a:off x="0" y="0"/>
+            <a:ext cx="12188825" cy="6856214"/>
+          </a:xfrm>
+          <a:prstGeom prst="rect">
+            <a:avLst/>
+          </a:prstGeom>
+        </p:spPr>
+      </p:pic>
+      <p:sp>
+        <p:nvSpPr>
+          <p:cNvPr id="2" name="Title 1"/>
+          <p:cNvSpPr>
+            <a:spLocks noGrp="1"/>
+          </p:cNvSpPr>
+          <p:nvPr>
+            <p:ph type="title"/>
+          </p:nvPr>
+        </p:nvSpPr>
+        <p:spPr>
+          <a:xfrm>
+            <a:off x="685801" y="609601"/>
+            <a:ext cx="10131427" cy="2743199"/>
+          </a:xfrm>
+        </p:spPr>
+        <p:txBody>
+          <a:bodyPr vert="horz" lIns="91440" tIns="45720" rIns="91440" bIns="45720" rtlCol="0" anchor="ctr">
+            <a:normAutofit/>
+          </a:bodyPr>
+          <a:lstStyle>
+            <a:lvl1pPr>
+              <a:defRPr lang="en-US" b="0" dirty="0"/>
+            </a:lvl1pPr>
+          </a:lstStyle>
+          <a:p>
+            <a:pPr marL="0" lvl="0"/>
+            <a:r>
+              <a:rPr lang="he-IL"/>
+              <a:t>לחץ כדי לערוך סגנון כותרת של תבנית בסיס</a:t>
+            </a:r>
+            <a:endParaRPr lang="en-US" dirty="0"/>
+          </a:p>
+        </p:txBody>
+      </p:sp>
+      <p:sp>
+        <p:nvSpPr>
+          <p:cNvPr id="10" name="Text Placeholder 9"/>
+          <p:cNvSpPr>
+            <a:spLocks noGrp="1"/>
+          </p:cNvSpPr>
+          <p:nvPr>
+            <p:ph type="body" sz="quarter" idx="13"/>
+          </p:nvPr>
+        </p:nvSpPr>
+        <p:spPr>
+          <a:xfrm>
+            <a:off x="685801" y="3505200"/>
+            <a:ext cx="10131428" cy="838200"/>
+          </a:xfrm>
+        </p:spPr>
+        <p:txBody>
+          <a:bodyPr vert="horz" lIns="91440" tIns="45720" rIns="91440" bIns="45720" rtlCol="0" anchor="b">
+            <a:normAutofit/>
+          </a:bodyPr>
+          <a:lstStyle>
+            <a:lvl1pPr>
+              <a:buNone/>
+              <a:defRPr lang="en-US" sz="2800" b="0" cap="none" dirty="0">
+                <a:ln w="3175" cmpd="sng">
+                  <a:noFill/>
+                </a:ln>
+                <a:solidFill>
+                  <a:schemeClr val="tx1"/>
+                </a:solidFill>
+                <a:effectLst/>
+              </a:defRPr>
+            </a:lvl1pPr>
+          </a:lstStyle>
+          <a:p>
+            <a:pPr marL="0" lvl="0">
+              <a:spcBef>
+                <a:spcPct val="0"/>
+              </a:spcBef>
+              <a:buNone/>
+            </a:pPr>
+            <a:r>
+              <a:rPr lang="he-IL"/>
+              <a:t>לחץ כדי לערוך סגנונות טקסט של תבנית בסיס</a:t>
+            </a:r>
+          </a:p>
+        </p:txBody>
+      </p:sp>
+      <p:sp>
+        <p:nvSpPr>
+          <p:cNvPr id="3" name="Text Placeholder 2"/>
+          <p:cNvSpPr>
+            <a:spLocks noGrp="1"/>
+          </p:cNvSpPr>
+          <p:nvPr>
+            <p:ph type="body" idx="1"/>
+          </p:nvPr>
+        </p:nvSpPr>
+        <p:spPr>
+          <a:xfrm>
+            <a:off x="685800" y="4343400"/>
+            <a:ext cx="10131428" cy="1447800"/>
+          </a:xfrm>
+        </p:spPr>
+        <p:txBody>
+          <a:bodyPr anchor="t">
+            <a:normAutofit/>
+          </a:bodyPr>
+          <a:lstStyle>
+            <a:lvl1pPr marL="0" indent="0" algn="l">
+              <a:buNone/>
+              <a:defRPr sz="1800">
+                <a:solidFill>
+                  <a:schemeClr val="tx1"/>
+                </a:solidFill>
+              </a:defRPr>
+            </a:lvl1pPr>
+            <a:lvl2pPr marL="457200" indent="0">
+              <a:buNone/>
+              <a:defRPr sz="1800">
+                <a:solidFill>
+                  <a:schemeClr val="tx1">
+                    <a:tint val="75000"/>
+                  </a:schemeClr>
+                </a:solidFill>
+              </a:defRPr>
+            </a:lvl2pPr>
+            <a:lvl3pPr marL="914400" indent="0">
+              <a:buNone/>
+              <a:defRPr sz="1600">
+                <a:solidFill>
+                  <a:schemeClr val="tx1">
+                    <a:tint val="75000"/>
+                  </a:schemeClr>
+                </a:solidFill>
+              </a:defRPr>
+            </a:lvl3pPr>
+            <a:lvl4pPr marL="1371600" indent="0">
+              <a:buNone/>
+              <a:defRPr sz="1400">
+                <a:solidFill>
+                  <a:schemeClr val="tx1">
+                    <a:tint val="75000"/>
+                  </a:schemeClr>
+                </a:solidFill>
+              </a:defRPr>
+            </a:lvl4pPr>
+            <a:lvl5pPr marL="1828800" indent="0">
+              <a:buNone/>
+              <a:defRPr sz="1400">
+                <a:solidFill>
+                  <a:schemeClr val="tx1">
+                    <a:tint val="75000"/>
+                  </a:schemeClr>
+                </a:solidFill>
+              </a:defRPr>
+            </a:lvl5pPr>
+            <a:lvl6pPr marL="2286000" indent="0">
+              <a:buNone/>
+              <a:defRPr sz="1400">
+                <a:solidFill>
+                  <a:schemeClr val="tx1">
+                    <a:tint val="75000"/>
+                  </a:schemeClr>
+                </a:solidFill>
+              </a:defRPr>
+            </a:lvl6pPr>
+            <a:lvl7pPr marL="2743200" indent="0">
+              <a:buNone/>
+              <a:defRPr sz="1400">
+                <a:solidFill>
+                  <a:schemeClr val="tx1">
+                    <a:tint val="75000"/>
+                  </a:schemeClr>
+                </a:solidFill>
+              </a:defRPr>
+            </a:lvl7pPr>
+            <a:lvl8pPr marL="3200400" indent="0">
+              <a:buNone/>
+              <a:defRPr sz="1400">
+                <a:solidFill>
+                  <a:schemeClr val="tx1">
+                    <a:tint val="75000"/>
+                  </a:schemeClr>
+                </a:solidFill>
+              </a:defRPr>
+            </a:lvl8pPr>
+            <a:lvl9pPr marL="3657600" indent="0">
+              <a:buNone/>
+              <a:defRPr sz="1400">
+                <a:solidFill>
+                  <a:schemeClr val="tx1">
+                    <a:tint val="75000"/>
+                  </a:schemeClr>
+                </a:solidFill>
+              </a:defRPr>
+            </a:lvl9pPr>
+          </a:lstStyle>
+          <a:p>
+            <a:pPr lvl="0"/>
+            <a:r>
+              <a:rPr lang="he-IL"/>
+              <a:t>לחץ כדי לערוך סגנונות טקסט של תבנית בסיס</a:t>
+            </a:r>
+          </a:p>
+        </p:txBody>
+      </p:sp>
+      <p:sp>
+        <p:nvSpPr>
+          <p:cNvPr id="4" name="Date Placeholder 3"/>
+          <p:cNvSpPr>
+            <a:spLocks noGrp="1"/>
+          </p:cNvSpPr>
+          <p:nvPr>
+            <p:ph type="dt" sz="half" idx="10"/>
+          </p:nvPr>
+        </p:nvSpPr>
+        <p:spPr/>
+        <p:txBody>
+          <a:bodyPr/>
+          <a:lstStyle/>
+          <a:p>
+            <a:fld id="{0DF7C241-54C7-4B53-BA8B-9ABC8CD697D5}" type="datetimeFigureOut">
+              <a:rPr lang="he-IL" smtClean="0"/>
+              <a:t>כ"ט/סיון/תשפ"ב</a:t>
+            </a:fld>
+            <a:endParaRPr lang="he-IL"/>
+          </a:p>
+        </p:txBody>
+      </p:sp>
+      <p:sp>
+        <p:nvSpPr>
+          <p:cNvPr id="5" name="Footer Placeholder 4"/>
+          <p:cNvSpPr>
+            <a:spLocks noGrp="1"/>
+          </p:cNvSpPr>
+          <p:nvPr>
+            <p:ph type="ftr" sz="quarter" idx="11"/>
+          </p:nvPr>
+        </p:nvSpPr>
+        <p:spPr/>
+        <p:txBody>
+          <a:bodyPr/>
+          <a:lstStyle/>
+          <a:p>
+            <a:endParaRPr lang="he-IL"/>
+          </a:p>
+        </p:txBody>
+      </p:sp>
+      <p:sp>
+        <p:nvSpPr>
+          <p:cNvPr id="6" name="Slide Number Placeholder 5"/>
+          <p:cNvSpPr>
+            <a:spLocks noGrp="1"/>
+          </p:cNvSpPr>
+          <p:nvPr>
+            <p:ph type="sldNum" sz="quarter" idx="12"/>
+          </p:nvPr>
+        </p:nvSpPr>
+        <p:spPr/>
+        <p:txBody>
+          <a:bodyPr/>
+          <a:lstStyle/>
+          <a:p>
+            <a:fld id="{0F1F7051-F467-4CE4-8B4D-86E014EEA299}" type="slidenum">
+              <a:rPr lang="he-IL" smtClean="0"/>
+              <a:t>‹#›</a:t>
+            </a:fld>
+            <a:endParaRPr lang="he-IL"/>
+          </a:p>
+        </p:txBody>
+      </p:sp>
+    </p:spTree>
+    <p:extLst>
+      <p:ext uri="{BB962C8B-B14F-4D97-AF65-F5344CB8AC3E}">
+        <p14:creationId xmlns:p14="http://schemas.microsoft.com/office/powerpoint/2010/main" val="1046522303"/>
+      </p:ext>
+    </p:extLst>
+  </p:cSld>
+  <p:clrMapOvr>
+    <a:masterClrMapping/>
+  </p:clrMapOvr>
+</p:sldLayout>
+</file>
+
+<file path=ppt/slideLayouts/slideLayout16.xml><?xml version="1.0" encoding="utf-8"?>
 <p:sldLayout xmlns:a="http://schemas.openxmlformats.org/drawingml/2006/main" xmlns:r="http://schemas.openxmlformats.org/officeDocument/2006/relationships" xmlns:p="http://schemas.openxmlformats.org/presentationml/2006/main" type="vertTx" preserve="1">
   <p:cSld name="כותרת וטקסט אנכי">
     <p:spTree>
@@ -354,53 +2772,49 @@
           <a:chExt cx="0" cy="0"/>
         </a:xfrm>
       </p:grpSpPr>
-      <p:sp>
-        <p:nvSpPr>
-          <p:cNvPr id="2" name="כותרת 1">
+      <p:pic>
+        <p:nvPicPr>
+          <p:cNvPr id="7" name="Picture 6" descr="Celestia-R1---OverlayContentHD.png"/>
+          <p:cNvPicPr>
+            <a:picLocks noChangeAspect="1"/>
+          </p:cNvPicPr>
+          <p:nvPr/>
+        </p:nvPicPr>
+        <p:blipFill>
+          <a:blip r:embed="rId2">
             <a:extLst>
-              <a:ext uri="{FF2B5EF4-FFF2-40B4-BE49-F238E27FC236}">
-                <a16:creationId xmlns:a16="http://schemas.microsoft.com/office/drawing/2014/main" id="{A4147FBC-A7B2-222B-D435-D22DFE760123}"/>
+              <a:ext uri="{28A0092B-C50C-407E-A947-70E740481C1C}">
+                <a14:useLocalDpi xmlns:a14="http://schemas.microsoft.com/office/drawing/2010/main" val="0"/>
               </a:ext>
             </a:extLst>
-          </p:cNvPr>
-          <p:cNvSpPr>
-            <a:spLocks noGrp="1"/>
-          </p:cNvSpPr>
-          <p:nvPr>
-            <p:ph type="title"/>
+          </a:blip>
+          <a:stretch>
+            <a:fillRect/>
+          </a:stretch>
+        </p:blipFill>
+        <p:spPr>
+          <a:xfrm>
+            <a:off x="0" y="0"/>
+            <a:ext cx="12188825" cy="6856214"/>
+          </a:xfrm>
+          <a:prstGeom prst="rect">
+            <a:avLst/>
+          </a:prstGeom>
+        </p:spPr>
+      </p:pic>
+      <p:sp>
+        <p:nvSpPr>
+          <p:cNvPr id="3" name="Vertical Text Placeholder 2"/>
+          <p:cNvSpPr>
+            <a:spLocks noGrp="1"/>
+          </p:cNvSpPr>
+          <p:nvPr>
+            <p:ph type="body" orient="vert" idx="1"/>
           </p:nvPr>
         </p:nvSpPr>
         <p:spPr/>
         <p:txBody>
-          <a:bodyPr/>
-          <a:lstStyle/>
-          <a:p>
-            <a:r>
-              <a:rPr lang="he-IL"/>
-              <a:t>לחץ כדי לערוך סגנון כותרת של תבנית בסיס</a:t>
-            </a:r>
-          </a:p>
-        </p:txBody>
-      </p:sp>
-      <p:sp>
-        <p:nvSpPr>
-          <p:cNvPr id="3" name="מציין מיקום של טקסט אנכי 2">
-            <a:extLst>
-              <a:ext uri="{FF2B5EF4-FFF2-40B4-BE49-F238E27FC236}">
-                <a16:creationId xmlns:a16="http://schemas.microsoft.com/office/drawing/2014/main" id="{A36A3BCD-1EF0-98C6-7A57-46074D593113}"/>
-              </a:ext>
-            </a:extLst>
-          </p:cNvPr>
-          <p:cNvSpPr>
-            <a:spLocks noGrp="1"/>
-          </p:cNvSpPr>
-          <p:nvPr>
-            <p:ph type="body" orient="vert" idx="1"/>
-          </p:nvPr>
-        </p:nvSpPr>
-        <p:spPr/>
-        <p:txBody>
-          <a:bodyPr vert="eaVert"/>
+          <a:bodyPr vert="eaVert" anchor="t"/>
           <a:lstStyle/>
           <a:p>
             <a:pPr lvl="0"/>
@@ -436,18 +2850,13 @@
               <a:rPr lang="he-IL"/>
               <a:t>רמה חמישית</a:t>
             </a:r>
-          </a:p>
-        </p:txBody>
-      </p:sp>
-      <p:sp>
-        <p:nvSpPr>
-          <p:cNvPr id="4" name="מציין מיקום של תאריך 3">
-            <a:extLst>
-              <a:ext uri="{FF2B5EF4-FFF2-40B4-BE49-F238E27FC236}">
-                <a16:creationId xmlns:a16="http://schemas.microsoft.com/office/drawing/2014/main" id="{EB9DA326-72F6-A55C-0166-0D2FAF314FD0}"/>
-              </a:ext>
-            </a:extLst>
-          </p:cNvPr>
+            <a:endParaRPr lang="en-US" dirty="0"/>
+          </a:p>
+        </p:txBody>
+      </p:sp>
+      <p:sp>
+        <p:nvSpPr>
+          <p:cNvPr id="4" name="Date Placeholder 3"/>
           <p:cNvSpPr>
             <a:spLocks noGrp="1"/>
           </p:cNvSpPr>
@@ -470,13 +2879,7 @@
       </p:sp>
       <p:sp>
         <p:nvSpPr>
-          <p:cNvPr id="5" name="מציין מיקום של כותרת תחתונה 4">
-            <a:extLst>
-              <a:ext uri="{FF2B5EF4-FFF2-40B4-BE49-F238E27FC236}">
-                <a16:creationId xmlns:a16="http://schemas.microsoft.com/office/drawing/2014/main" id="{803E7C15-49DE-2D71-0FF2-149B5D10FFD1}"/>
-              </a:ext>
-            </a:extLst>
-          </p:cNvPr>
+          <p:cNvPr id="5" name="Footer Placeholder 4"/>
           <p:cNvSpPr>
             <a:spLocks noGrp="1"/>
           </p:cNvSpPr>
@@ -495,13 +2898,7 @@
       </p:sp>
       <p:sp>
         <p:nvSpPr>
-          <p:cNvPr id="6" name="מציין מיקום של מספר שקופית 5">
-            <a:extLst>
-              <a:ext uri="{FF2B5EF4-FFF2-40B4-BE49-F238E27FC236}">
-                <a16:creationId xmlns:a16="http://schemas.microsoft.com/office/drawing/2014/main" id="{7A7D230E-D544-0560-2281-2F76F9DC52B6}"/>
-              </a:ext>
-            </a:extLst>
-          </p:cNvPr>
+          <p:cNvPr id="6" name="Slide Number Placeholder 5"/>
           <p:cNvSpPr>
             <a:spLocks noGrp="1"/>
           </p:cNvSpPr>
@@ -522,10 +2919,38 @@
           </a:p>
         </p:txBody>
       </p:sp>
+      <p:sp>
+        <p:nvSpPr>
+          <p:cNvPr id="8" name="Title 1"/>
+          <p:cNvSpPr>
+            <a:spLocks noGrp="1"/>
+          </p:cNvSpPr>
+          <p:nvPr>
+            <p:ph type="title"/>
+          </p:nvPr>
+        </p:nvSpPr>
+        <p:spPr>
+          <a:xfrm>
+            <a:off x="685801" y="609600"/>
+            <a:ext cx="10131425" cy="1456267"/>
+          </a:xfrm>
+        </p:spPr>
+        <p:txBody>
+          <a:bodyPr/>
+          <a:lstStyle/>
+          <a:p>
+            <a:r>
+              <a:rPr lang="he-IL"/>
+              <a:t>לחץ כדי לערוך סגנון כותרת של תבנית בסיס</a:t>
+            </a:r>
+            <a:endParaRPr lang="en-US" dirty="0"/>
+          </a:p>
+        </p:txBody>
+      </p:sp>
     </p:spTree>
     <p:extLst>
       <p:ext uri="{BB962C8B-B14F-4D97-AF65-F5344CB8AC3E}">
-        <p14:creationId xmlns:p14="http://schemas.microsoft.com/office/powerpoint/2010/main" val="1608566089"/>
+        <p14:creationId xmlns:p14="http://schemas.microsoft.com/office/powerpoint/2010/main" val="3541872906"/>
       </p:ext>
     </p:extLst>
   </p:cSld>
@@ -535,7 +2960,7 @@
 </p:sldLayout>
 </file>
 
-<file path=ppt/slideLayouts/slideLayout11.xml><?xml version="1.0" encoding="utf-8"?>
+<file path=ppt/slideLayouts/slideLayout17.xml><?xml version="1.0" encoding="utf-8"?>
 <p:sldLayout xmlns:a="http://schemas.openxmlformats.org/drawingml/2006/main" xmlns:r="http://schemas.openxmlformats.org/officeDocument/2006/relationships" xmlns:p="http://schemas.openxmlformats.org/presentationml/2006/main" type="vertTitleAndTx" preserve="1">
   <p:cSld name="כותרת אנכית וטקסט">
     <p:spTree>
@@ -552,15 +2977,39 @@
           <a:chExt cx="0" cy="0"/>
         </a:xfrm>
       </p:grpSpPr>
-      <p:sp>
-        <p:nvSpPr>
-          <p:cNvPr id="2" name="כותרת אנכית 1">
+      <p:pic>
+        <p:nvPicPr>
+          <p:cNvPr id="7" name="Picture 6" descr="Celestia-R1---OverlayContentHD.png"/>
+          <p:cNvPicPr>
+            <a:picLocks noChangeAspect="1"/>
+          </p:cNvPicPr>
+          <p:nvPr/>
+        </p:nvPicPr>
+        <p:blipFill>
+          <a:blip r:embed="rId2">
             <a:extLst>
-              <a:ext uri="{FF2B5EF4-FFF2-40B4-BE49-F238E27FC236}">
-                <a16:creationId xmlns:a16="http://schemas.microsoft.com/office/drawing/2014/main" id="{B95FE808-3BF1-288D-D8C8-1C3F1BEE9FFF}"/>
+              <a:ext uri="{28A0092B-C50C-407E-A947-70E740481C1C}">
+                <a14:useLocalDpi xmlns:a14="http://schemas.microsoft.com/office/drawing/2010/main" val="0"/>
               </a:ext>
             </a:extLst>
-          </p:cNvPr>
+          </a:blip>
+          <a:stretch>
+            <a:fillRect/>
+          </a:stretch>
+        </p:blipFill>
+        <p:spPr>
+          <a:xfrm>
+            <a:off x="0" y="0"/>
+            <a:ext cx="12188825" cy="6856214"/>
+          </a:xfrm>
+          <a:prstGeom prst="rect">
+            <a:avLst/>
+          </a:prstGeom>
+        </p:spPr>
+      </p:pic>
+      <p:sp>
+        <p:nvSpPr>
+          <p:cNvPr id="2" name="Vertical Title 1"/>
           <p:cNvSpPr>
             <a:spLocks noGrp="1"/>
           </p:cNvSpPr>
@@ -570,8 +3019,8 @@
         </p:nvSpPr>
         <p:spPr>
           <a:xfrm>
-            <a:off x="8724900" y="365125"/>
-            <a:ext cx="2628900" cy="5811838"/>
+            <a:off x="8658675" y="609599"/>
+            <a:ext cx="2158552" cy="5181601"/>
           </a:xfrm>
         </p:spPr>
         <p:txBody>
@@ -582,18 +3031,13 @@
               <a:rPr lang="he-IL"/>
               <a:t>לחץ כדי לערוך סגנון כותרת של תבנית בסיס</a:t>
             </a:r>
-          </a:p>
-        </p:txBody>
-      </p:sp>
-      <p:sp>
-        <p:nvSpPr>
-          <p:cNvPr id="3" name="מציין מיקום של טקסט אנכי 2">
-            <a:extLst>
-              <a:ext uri="{FF2B5EF4-FFF2-40B4-BE49-F238E27FC236}">
-                <a16:creationId xmlns:a16="http://schemas.microsoft.com/office/drawing/2014/main" id="{1912C802-F920-0CEB-1D80-711F3BB8F8B3}"/>
-              </a:ext>
-            </a:extLst>
-          </p:cNvPr>
+            <a:endParaRPr lang="en-US" dirty="0"/>
+          </a:p>
+        </p:txBody>
+      </p:sp>
+      <p:sp>
+        <p:nvSpPr>
+          <p:cNvPr id="3" name="Vertical Text Placeholder 2"/>
           <p:cNvSpPr>
             <a:spLocks noGrp="1"/>
           </p:cNvSpPr>
@@ -603,12 +3047,12 @@
         </p:nvSpPr>
         <p:spPr>
           <a:xfrm>
-            <a:off x="838200" y="365125"/>
-            <a:ext cx="7734300" cy="5811838"/>
-          </a:xfrm>
-        </p:spPr>
-        <p:txBody>
-          <a:bodyPr vert="eaVert"/>
+            <a:off x="685800" y="609600"/>
+            <a:ext cx="7832116" cy="5181600"/>
+          </a:xfrm>
+        </p:spPr>
+        <p:txBody>
+          <a:bodyPr vert="eaVert" anchor="t"/>
           <a:lstStyle/>
           <a:p>
             <a:pPr lvl="0"/>
@@ -644,18 +3088,13 @@
               <a:rPr lang="he-IL"/>
               <a:t>רמה חמישית</a:t>
             </a:r>
-          </a:p>
-        </p:txBody>
-      </p:sp>
-      <p:sp>
-        <p:nvSpPr>
-          <p:cNvPr id="4" name="מציין מיקום של תאריך 3">
-            <a:extLst>
-              <a:ext uri="{FF2B5EF4-FFF2-40B4-BE49-F238E27FC236}">
-                <a16:creationId xmlns:a16="http://schemas.microsoft.com/office/drawing/2014/main" id="{38EB161E-0023-869A-F8DB-A627BAC70F05}"/>
-              </a:ext>
-            </a:extLst>
-          </p:cNvPr>
+            <a:endParaRPr lang="en-US" dirty="0"/>
+          </a:p>
+        </p:txBody>
+      </p:sp>
+      <p:sp>
+        <p:nvSpPr>
+          <p:cNvPr id="4" name="Date Placeholder 3"/>
           <p:cNvSpPr>
             <a:spLocks noGrp="1"/>
           </p:cNvSpPr>
@@ -678,13 +3117,7 @@
       </p:sp>
       <p:sp>
         <p:nvSpPr>
-          <p:cNvPr id="5" name="מציין מיקום של כותרת תחתונה 4">
-            <a:extLst>
-              <a:ext uri="{FF2B5EF4-FFF2-40B4-BE49-F238E27FC236}">
-                <a16:creationId xmlns:a16="http://schemas.microsoft.com/office/drawing/2014/main" id="{1DDBE152-49D5-AB2A-8F02-CAB942695ABB}"/>
-              </a:ext>
-            </a:extLst>
-          </p:cNvPr>
+          <p:cNvPr id="5" name="Footer Placeholder 4"/>
           <p:cNvSpPr>
             <a:spLocks noGrp="1"/>
           </p:cNvSpPr>
@@ -703,13 +3136,7 @@
       </p:sp>
       <p:sp>
         <p:nvSpPr>
-          <p:cNvPr id="6" name="מציין מיקום של מספר שקופית 5">
-            <a:extLst>
-              <a:ext uri="{FF2B5EF4-FFF2-40B4-BE49-F238E27FC236}">
-                <a16:creationId xmlns:a16="http://schemas.microsoft.com/office/drawing/2014/main" id="{EA34D9C1-BE03-6731-2D6A-652F0BC1A27F}"/>
-              </a:ext>
-            </a:extLst>
-          </p:cNvPr>
+          <p:cNvPr id="6" name="Slide Number Placeholder 5"/>
           <p:cNvSpPr>
             <a:spLocks noGrp="1"/>
           </p:cNvSpPr>
@@ -733,7 +3160,7 @@
     </p:spTree>
     <p:extLst>
       <p:ext uri="{BB962C8B-B14F-4D97-AF65-F5344CB8AC3E}">
-        <p14:creationId xmlns:p14="http://schemas.microsoft.com/office/powerpoint/2010/main" val="3232957937"/>
+        <p14:creationId xmlns:p14="http://schemas.microsoft.com/office/powerpoint/2010/main" val="3441798517"/>
       </p:ext>
     </p:extLst>
   </p:cSld>
@@ -760,15 +3187,39 @@
           <a:chExt cx="0" cy="0"/>
         </a:xfrm>
       </p:grpSpPr>
-      <p:sp>
-        <p:nvSpPr>
-          <p:cNvPr id="2" name="כותרת 1">
+      <p:pic>
+        <p:nvPicPr>
+          <p:cNvPr id="7" name="Picture 6" descr="Celestia-R1---OverlayContentHD.png"/>
+          <p:cNvPicPr>
+            <a:picLocks noChangeAspect="1"/>
+          </p:cNvPicPr>
+          <p:nvPr/>
+        </p:nvPicPr>
+        <p:blipFill>
+          <a:blip r:embed="rId2">
             <a:extLst>
-              <a:ext uri="{FF2B5EF4-FFF2-40B4-BE49-F238E27FC236}">
-                <a16:creationId xmlns:a16="http://schemas.microsoft.com/office/drawing/2014/main" id="{0C07A247-8F23-B46B-E0B9-BE2FFD841DFE}"/>
+              <a:ext uri="{28A0092B-C50C-407E-A947-70E740481C1C}">
+                <a14:useLocalDpi xmlns:a14="http://schemas.microsoft.com/office/drawing/2010/main" val="0"/>
               </a:ext>
             </a:extLst>
-          </p:cNvPr>
+          </a:blip>
+          <a:stretch>
+            <a:fillRect/>
+          </a:stretch>
+        </p:blipFill>
+        <p:spPr>
+          <a:xfrm>
+            <a:off x="0" y="0"/>
+            <a:ext cx="12188825" cy="6856214"/>
+          </a:xfrm>
+          <a:prstGeom prst="rect">
+            <a:avLst/>
+          </a:prstGeom>
+        </p:spPr>
+      </p:pic>
+      <p:sp>
+        <p:nvSpPr>
+          <p:cNvPr id="2" name="Title 1"/>
           <p:cNvSpPr>
             <a:spLocks noGrp="1"/>
           </p:cNvSpPr>
@@ -785,18 +3236,13 @@
               <a:rPr lang="he-IL"/>
               <a:t>לחץ כדי לערוך סגנון כותרת של תבנית בסיס</a:t>
             </a:r>
-          </a:p>
-        </p:txBody>
-      </p:sp>
-      <p:sp>
-        <p:nvSpPr>
-          <p:cNvPr id="3" name="מציין מיקום תוכן 2">
-            <a:extLst>
-              <a:ext uri="{FF2B5EF4-FFF2-40B4-BE49-F238E27FC236}">
-                <a16:creationId xmlns:a16="http://schemas.microsoft.com/office/drawing/2014/main" id="{38643B36-88D5-4601-FA85-96699A3F9DF4}"/>
-              </a:ext>
-            </a:extLst>
-          </p:cNvPr>
+            <a:endParaRPr lang="en-US" dirty="0"/>
+          </a:p>
+        </p:txBody>
+      </p:sp>
+      <p:sp>
+        <p:nvSpPr>
+          <p:cNvPr id="3" name="Content Placeholder 2"/>
           <p:cNvSpPr>
             <a:spLocks noGrp="1"/>
           </p:cNvSpPr>
@@ -806,7 +3252,7 @@
         </p:nvSpPr>
         <p:spPr/>
         <p:txBody>
-          <a:bodyPr/>
+          <a:bodyPr anchor="ctr"/>
           <a:lstStyle/>
           <a:p>
             <a:pPr lvl="0"/>
@@ -842,18 +3288,13 @@
               <a:rPr lang="he-IL"/>
               <a:t>רמה חמישית</a:t>
             </a:r>
-          </a:p>
-        </p:txBody>
-      </p:sp>
-      <p:sp>
-        <p:nvSpPr>
-          <p:cNvPr id="4" name="מציין מיקום של תאריך 3">
-            <a:extLst>
-              <a:ext uri="{FF2B5EF4-FFF2-40B4-BE49-F238E27FC236}">
-                <a16:creationId xmlns:a16="http://schemas.microsoft.com/office/drawing/2014/main" id="{D880413F-7B2D-C588-200C-10211904ABDE}"/>
-              </a:ext>
-            </a:extLst>
-          </p:cNvPr>
+            <a:endParaRPr lang="en-US" dirty="0"/>
+          </a:p>
+        </p:txBody>
+      </p:sp>
+      <p:sp>
+        <p:nvSpPr>
+          <p:cNvPr id="4" name="Date Placeholder 3"/>
           <p:cNvSpPr>
             <a:spLocks noGrp="1"/>
           </p:cNvSpPr>
@@ -876,13 +3317,7 @@
       </p:sp>
       <p:sp>
         <p:nvSpPr>
-          <p:cNvPr id="5" name="מציין מיקום של כותרת תחתונה 4">
-            <a:extLst>
-              <a:ext uri="{FF2B5EF4-FFF2-40B4-BE49-F238E27FC236}">
-                <a16:creationId xmlns:a16="http://schemas.microsoft.com/office/drawing/2014/main" id="{4D47D4BB-B9DB-A95C-EFC3-05ED3BB73B41}"/>
-              </a:ext>
-            </a:extLst>
-          </p:cNvPr>
+          <p:cNvPr id="5" name="Footer Placeholder 4"/>
           <p:cNvSpPr>
             <a:spLocks noGrp="1"/>
           </p:cNvSpPr>
@@ -901,13 +3336,7 @@
       </p:sp>
       <p:sp>
         <p:nvSpPr>
-          <p:cNvPr id="6" name="מציין מיקום של מספר שקופית 5">
-            <a:extLst>
-              <a:ext uri="{FF2B5EF4-FFF2-40B4-BE49-F238E27FC236}">
-                <a16:creationId xmlns:a16="http://schemas.microsoft.com/office/drawing/2014/main" id="{5D9B1B91-F4C2-6885-64F2-D89AA0ECA20C}"/>
-              </a:ext>
-            </a:extLst>
-          </p:cNvPr>
+          <p:cNvPr id="6" name="Slide Number Placeholder 5"/>
           <p:cNvSpPr>
             <a:spLocks noGrp="1"/>
           </p:cNvSpPr>
@@ -931,7 +3360,7 @@
     </p:spTree>
     <p:extLst>
       <p:ext uri="{BB962C8B-B14F-4D97-AF65-F5344CB8AC3E}">
-        <p14:creationId xmlns:p14="http://schemas.microsoft.com/office/powerpoint/2010/main" val="3493862479"/>
+        <p14:creationId xmlns:p14="http://schemas.microsoft.com/office/powerpoint/2010/main" val="1626652816"/>
       </p:ext>
     </p:extLst>
   </p:cSld>
@@ -958,15 +3387,39 @@
           <a:chExt cx="0" cy="0"/>
         </a:xfrm>
       </p:grpSpPr>
-      <p:sp>
-        <p:nvSpPr>
-          <p:cNvPr id="2" name="כותרת 1">
+      <p:pic>
+        <p:nvPicPr>
+          <p:cNvPr id="7" name="Picture 6" descr="Celestia-R1---OverlayContentHD.png"/>
+          <p:cNvPicPr>
+            <a:picLocks noChangeAspect="1"/>
+          </p:cNvPicPr>
+          <p:nvPr/>
+        </p:nvPicPr>
+        <p:blipFill>
+          <a:blip r:embed="rId2">
             <a:extLst>
-              <a:ext uri="{FF2B5EF4-FFF2-40B4-BE49-F238E27FC236}">
-                <a16:creationId xmlns:a16="http://schemas.microsoft.com/office/drawing/2014/main" id="{09925846-BB5F-5931-5BFB-AE9C6C3AA5EB}"/>
+              <a:ext uri="{28A0092B-C50C-407E-A947-70E740481C1C}">
+                <a14:useLocalDpi xmlns:a14="http://schemas.microsoft.com/office/drawing/2010/main" val="0"/>
               </a:ext>
             </a:extLst>
-          </p:cNvPr>
+          </a:blip>
+          <a:stretch>
+            <a:fillRect/>
+          </a:stretch>
+        </p:blipFill>
+        <p:spPr>
+          <a:xfrm>
+            <a:off x="0" y="0"/>
+            <a:ext cx="12188825" cy="6856214"/>
+          </a:xfrm>
+          <a:prstGeom prst="rect">
+            <a:avLst/>
+          </a:prstGeom>
+        </p:spPr>
+      </p:pic>
+      <p:sp>
+        <p:nvSpPr>
+          <p:cNvPr id="2" name="Title 1"/>
           <p:cNvSpPr>
             <a:spLocks noGrp="1"/>
           </p:cNvSpPr>
@@ -976,15 +3429,15 @@
         </p:nvSpPr>
         <p:spPr>
           <a:xfrm>
-            <a:off x="831850" y="1709738"/>
-            <a:ext cx="10515600" cy="2852737"/>
+            <a:off x="685800" y="3308581"/>
+            <a:ext cx="10131427" cy="1468800"/>
           </a:xfrm>
         </p:spPr>
         <p:txBody>
           <a:bodyPr anchor="b"/>
           <a:lstStyle>
-            <a:lvl1pPr>
-              <a:defRPr sz="6000"/>
+            <a:lvl1pPr algn="l">
+              <a:defRPr sz="4000" b="0" cap="all"/>
             </a:lvl1pPr>
           </a:lstStyle>
           <a:p>
@@ -992,18 +3445,13 @@
               <a:rPr lang="he-IL"/>
               <a:t>לחץ כדי לערוך סגנון כותרת של תבנית בסיס</a:t>
             </a:r>
-          </a:p>
-        </p:txBody>
-      </p:sp>
-      <p:sp>
-        <p:nvSpPr>
-          <p:cNvPr id="3" name="מציין מיקום טקסט 2">
-            <a:extLst>
-              <a:ext uri="{FF2B5EF4-FFF2-40B4-BE49-F238E27FC236}">
-                <a16:creationId xmlns:a16="http://schemas.microsoft.com/office/drawing/2014/main" id="{2425B249-02D7-7176-9ED8-E6601A62EFB7}"/>
-              </a:ext>
-            </a:extLst>
-          </p:cNvPr>
+            <a:endParaRPr lang="en-US" dirty="0"/>
+          </a:p>
+        </p:txBody>
+      </p:sp>
+      <p:sp>
+        <p:nvSpPr>
+          <p:cNvPr id="3" name="Text Placeholder 2"/>
           <p:cNvSpPr>
             <a:spLocks noGrp="1"/>
           </p:cNvSpPr>
@@ -1013,102 +3461,102 @@
         </p:nvSpPr>
         <p:spPr>
           <a:xfrm>
-            <a:off x="831850" y="4589463"/>
-            <a:ext cx="10515600" cy="1500187"/>
-          </a:xfrm>
-        </p:spPr>
-        <p:txBody>
-          <a:bodyPr/>
+            <a:off x="685799" y="4777381"/>
+            <a:ext cx="10131428" cy="860400"/>
+          </a:xfrm>
+        </p:spPr>
+        <p:txBody>
+          <a:bodyPr anchor="t">
+            <a:normAutofit/>
+          </a:bodyPr>
           <a:lstStyle>
-            <a:lvl1pPr marL="0" indent="0">
-              <a:buNone/>
-              <a:defRPr sz="2400">
+            <a:lvl1pPr marL="0" indent="0" algn="l">
+              <a:buNone/>
+              <a:defRPr sz="2000" cap="all">
+                <a:solidFill>
+                  <a:schemeClr val="tx1"/>
+                </a:solidFill>
+              </a:defRPr>
+            </a:lvl1pPr>
+            <a:lvl2pPr marL="457200" indent="0">
+              <a:buNone/>
+              <a:defRPr sz="1800">
                 <a:solidFill>
                   <a:schemeClr val="tx1">
                     <a:tint val="75000"/>
                   </a:schemeClr>
                 </a:solidFill>
               </a:defRPr>
-            </a:lvl1pPr>
-            <a:lvl2pPr marL="457200" indent="0">
-              <a:buNone/>
-              <a:defRPr sz="2000">
+            </a:lvl2pPr>
+            <a:lvl3pPr marL="914400" indent="0">
+              <a:buNone/>
+              <a:defRPr sz="1600">
                 <a:solidFill>
                   <a:schemeClr val="tx1">
                     <a:tint val="75000"/>
                   </a:schemeClr>
                 </a:solidFill>
               </a:defRPr>
-            </a:lvl2pPr>
-            <a:lvl3pPr marL="914400" indent="0">
-              <a:buNone/>
-              <a:defRPr sz="1800">
+            </a:lvl3pPr>
+            <a:lvl4pPr marL="1371600" indent="0">
+              <a:buNone/>
+              <a:defRPr sz="1400">
                 <a:solidFill>
                   <a:schemeClr val="tx1">
                     <a:tint val="75000"/>
                   </a:schemeClr>
                 </a:solidFill>
               </a:defRPr>
-            </a:lvl3pPr>
-            <a:lvl4pPr marL="1371600" indent="0">
-              <a:buNone/>
-              <a:defRPr sz="1600">
+            </a:lvl4pPr>
+            <a:lvl5pPr marL="1828800" indent="0">
+              <a:buNone/>
+              <a:defRPr sz="1400">
                 <a:solidFill>
                   <a:schemeClr val="tx1">
                     <a:tint val="75000"/>
                   </a:schemeClr>
                 </a:solidFill>
               </a:defRPr>
-            </a:lvl4pPr>
-            <a:lvl5pPr marL="1828800" indent="0">
-              <a:buNone/>
-              <a:defRPr sz="1600">
+            </a:lvl5pPr>
+            <a:lvl6pPr marL="2286000" indent="0">
+              <a:buNone/>
+              <a:defRPr sz="1400">
                 <a:solidFill>
                   <a:schemeClr val="tx1">
                     <a:tint val="75000"/>
                   </a:schemeClr>
                 </a:solidFill>
               </a:defRPr>
-            </a:lvl5pPr>
-            <a:lvl6pPr marL="2286000" indent="0">
-              <a:buNone/>
-              <a:defRPr sz="1600">
+            </a:lvl6pPr>
+            <a:lvl7pPr marL="2743200" indent="0">
+              <a:buNone/>
+              <a:defRPr sz="1400">
                 <a:solidFill>
                   <a:schemeClr val="tx1">
                     <a:tint val="75000"/>
                   </a:schemeClr>
                 </a:solidFill>
               </a:defRPr>
-            </a:lvl6pPr>
-            <a:lvl7pPr marL="2743200" indent="0">
-              <a:buNone/>
-              <a:defRPr sz="1600">
+            </a:lvl7pPr>
+            <a:lvl8pPr marL="3200400" indent="0">
+              <a:buNone/>
+              <a:defRPr sz="1400">
                 <a:solidFill>
                   <a:schemeClr val="tx1">
                     <a:tint val="75000"/>
                   </a:schemeClr>
                 </a:solidFill>
               </a:defRPr>
-            </a:lvl7pPr>
-            <a:lvl8pPr marL="3200400" indent="0">
-              <a:buNone/>
-              <a:defRPr sz="1600">
+            </a:lvl8pPr>
+            <a:lvl9pPr marL="3657600" indent="0">
+              <a:buNone/>
+              <a:defRPr sz="1400">
                 <a:solidFill>
                   <a:schemeClr val="tx1">
                     <a:tint val="75000"/>
                   </a:schemeClr>
                 </a:solidFill>
               </a:defRPr>
-            </a:lvl8pPr>
-            <a:lvl9pPr marL="3657600" indent="0">
-              <a:buNone/>
-              <a:defRPr sz="1600">
-                <a:solidFill>
-                  <a:schemeClr val="tx1">
-                    <a:tint val="75000"/>
-                  </a:schemeClr>
-                </a:solidFill>
-              </a:defRPr>
             </a:lvl9pPr>
           </a:lstStyle>
           <a:p>
@@ -1122,13 +3570,7 @@
       </p:sp>
       <p:sp>
         <p:nvSpPr>
-          <p:cNvPr id="4" name="מציין מיקום של תאריך 3">
-            <a:extLst>
-              <a:ext uri="{FF2B5EF4-FFF2-40B4-BE49-F238E27FC236}">
-                <a16:creationId xmlns:a16="http://schemas.microsoft.com/office/drawing/2014/main" id="{4C634FC1-A542-1783-F5B9-C3E0EF7918B1}"/>
-              </a:ext>
-            </a:extLst>
-          </p:cNvPr>
+          <p:cNvPr id="4" name="Date Placeholder 3"/>
           <p:cNvSpPr>
             <a:spLocks noGrp="1"/>
           </p:cNvSpPr>
@@ -1151,13 +3593,7 @@
       </p:sp>
       <p:sp>
         <p:nvSpPr>
-          <p:cNvPr id="5" name="מציין מיקום של כותרת תחתונה 4">
-            <a:extLst>
-              <a:ext uri="{FF2B5EF4-FFF2-40B4-BE49-F238E27FC236}">
-                <a16:creationId xmlns:a16="http://schemas.microsoft.com/office/drawing/2014/main" id="{6210EF5F-BC32-4D2F-C2BF-98B8C311C34A}"/>
-              </a:ext>
-            </a:extLst>
-          </p:cNvPr>
+          <p:cNvPr id="5" name="Footer Placeholder 4"/>
           <p:cNvSpPr>
             <a:spLocks noGrp="1"/>
           </p:cNvSpPr>
@@ -1176,13 +3612,7 @@
       </p:sp>
       <p:sp>
         <p:nvSpPr>
-          <p:cNvPr id="6" name="מציין מיקום של מספר שקופית 5">
-            <a:extLst>
-              <a:ext uri="{FF2B5EF4-FFF2-40B4-BE49-F238E27FC236}">
-                <a16:creationId xmlns:a16="http://schemas.microsoft.com/office/drawing/2014/main" id="{047E8A73-B349-F3B9-DEC7-E3E4A0E3C117}"/>
-              </a:ext>
-            </a:extLst>
-          </p:cNvPr>
+          <p:cNvPr id="6" name="Slide Number Placeholder 5"/>
           <p:cNvSpPr>
             <a:spLocks noGrp="1"/>
           </p:cNvSpPr>
@@ -1206,7 +3636,7 @@
     </p:spTree>
     <p:extLst>
       <p:ext uri="{BB962C8B-B14F-4D97-AF65-F5344CB8AC3E}">
-        <p14:creationId xmlns:p14="http://schemas.microsoft.com/office/powerpoint/2010/main" val="3989252701"/>
+        <p14:creationId xmlns:p14="http://schemas.microsoft.com/office/powerpoint/2010/main" val="626450402"/>
       </p:ext>
     </p:extLst>
   </p:cSld>
@@ -1233,15 +3663,39 @@
           <a:chExt cx="0" cy="0"/>
         </a:xfrm>
       </p:grpSpPr>
-      <p:sp>
-        <p:nvSpPr>
-          <p:cNvPr id="2" name="כותרת 1">
+      <p:pic>
+        <p:nvPicPr>
+          <p:cNvPr id="8" name="Picture 7" descr="Celestia-R1---OverlayContentHD.png"/>
+          <p:cNvPicPr>
+            <a:picLocks noChangeAspect="1"/>
+          </p:cNvPicPr>
+          <p:nvPr/>
+        </p:nvPicPr>
+        <p:blipFill>
+          <a:blip r:embed="rId2">
             <a:extLst>
-              <a:ext uri="{FF2B5EF4-FFF2-40B4-BE49-F238E27FC236}">
-                <a16:creationId xmlns:a16="http://schemas.microsoft.com/office/drawing/2014/main" id="{038F436B-E1A1-D5F4-B4B9-04015D6DF849}"/>
+              <a:ext uri="{28A0092B-C50C-407E-A947-70E740481C1C}">
+                <a14:useLocalDpi xmlns:a14="http://schemas.microsoft.com/office/drawing/2010/main" val="0"/>
               </a:ext>
             </a:extLst>
-          </p:cNvPr>
+          </a:blip>
+          <a:stretch>
+            <a:fillRect/>
+          </a:stretch>
+        </p:blipFill>
+        <p:spPr>
+          <a:xfrm>
+            <a:off x="0" y="0"/>
+            <a:ext cx="12188825" cy="6856214"/>
+          </a:xfrm>
+          <a:prstGeom prst="rect">
+            <a:avLst/>
+          </a:prstGeom>
+        </p:spPr>
+      </p:pic>
+      <p:sp>
+        <p:nvSpPr>
+          <p:cNvPr id="2" name="Title 1"/>
           <p:cNvSpPr>
             <a:spLocks noGrp="1"/>
           </p:cNvSpPr>
@@ -1258,18 +3712,13 @@
               <a:rPr lang="he-IL"/>
               <a:t>לחץ כדי לערוך סגנון כותרת של תבנית בסיס</a:t>
             </a:r>
-          </a:p>
-        </p:txBody>
-      </p:sp>
-      <p:sp>
-        <p:nvSpPr>
-          <p:cNvPr id="3" name="מציין מיקום תוכן 2">
-            <a:extLst>
-              <a:ext uri="{FF2B5EF4-FFF2-40B4-BE49-F238E27FC236}">
-                <a16:creationId xmlns:a16="http://schemas.microsoft.com/office/drawing/2014/main" id="{66C3306C-A574-8C58-93ED-F46427B3A041}"/>
-              </a:ext>
-            </a:extLst>
-          </p:cNvPr>
+            <a:endParaRPr lang="en-US" dirty="0"/>
+          </a:p>
+        </p:txBody>
+      </p:sp>
+      <p:sp>
+        <p:nvSpPr>
+          <p:cNvPr id="3" name="Content Placeholder 2"/>
           <p:cNvSpPr>
             <a:spLocks noGrp="1"/>
           </p:cNvSpPr>
@@ -1279,12 +3728,14 @@
         </p:nvSpPr>
         <p:spPr>
           <a:xfrm>
-            <a:off x="838200" y="1825625"/>
-            <a:ext cx="5181600" cy="4351338"/>
-          </a:xfrm>
-        </p:spPr>
-        <p:txBody>
-          <a:bodyPr/>
+            <a:off x="685802" y="2142067"/>
+            <a:ext cx="4995334" cy="3649134"/>
+          </a:xfrm>
+        </p:spPr>
+        <p:txBody>
+          <a:bodyPr>
+            <a:normAutofit/>
+          </a:bodyPr>
           <a:lstStyle/>
           <a:p>
             <a:pPr lvl="0"/>
@@ -1320,18 +3771,13 @@
               <a:rPr lang="he-IL"/>
               <a:t>רמה חמישית</a:t>
             </a:r>
-          </a:p>
-        </p:txBody>
-      </p:sp>
-      <p:sp>
-        <p:nvSpPr>
-          <p:cNvPr id="4" name="מציין מיקום תוכן 3">
-            <a:extLst>
-              <a:ext uri="{FF2B5EF4-FFF2-40B4-BE49-F238E27FC236}">
-                <a16:creationId xmlns:a16="http://schemas.microsoft.com/office/drawing/2014/main" id="{3B65151B-5C72-33F7-EA81-596BB405309A}"/>
-              </a:ext>
-            </a:extLst>
-          </p:cNvPr>
+            <a:endParaRPr lang="en-US" dirty="0"/>
+          </a:p>
+        </p:txBody>
+      </p:sp>
+      <p:sp>
+        <p:nvSpPr>
+          <p:cNvPr id="4" name="Content Placeholder 3"/>
           <p:cNvSpPr>
             <a:spLocks noGrp="1"/>
           </p:cNvSpPr>
@@ -1341,12 +3787,14 @@
         </p:nvSpPr>
         <p:spPr>
           <a:xfrm>
-            <a:off x="6172200" y="1825625"/>
-            <a:ext cx="5181600" cy="4351338"/>
-          </a:xfrm>
-        </p:spPr>
-        <p:txBody>
-          <a:bodyPr/>
+            <a:off x="5821895" y="2142067"/>
+            <a:ext cx="4995332" cy="3649133"/>
+          </a:xfrm>
+        </p:spPr>
+        <p:txBody>
+          <a:bodyPr>
+            <a:normAutofit/>
+          </a:bodyPr>
           <a:lstStyle/>
           <a:p>
             <a:pPr lvl="0"/>
@@ -1382,18 +3830,13 @@
               <a:rPr lang="he-IL"/>
               <a:t>רמה חמישית</a:t>
             </a:r>
-          </a:p>
-        </p:txBody>
-      </p:sp>
-      <p:sp>
-        <p:nvSpPr>
-          <p:cNvPr id="5" name="מציין מיקום של תאריך 4">
-            <a:extLst>
-              <a:ext uri="{FF2B5EF4-FFF2-40B4-BE49-F238E27FC236}">
-                <a16:creationId xmlns:a16="http://schemas.microsoft.com/office/drawing/2014/main" id="{35A9D181-A9B6-52C7-77A5-459F44182E41}"/>
-              </a:ext>
-            </a:extLst>
-          </p:cNvPr>
+            <a:endParaRPr lang="en-US" dirty="0"/>
+          </a:p>
+        </p:txBody>
+      </p:sp>
+      <p:sp>
+        <p:nvSpPr>
+          <p:cNvPr id="5" name="Date Placeholder 4"/>
           <p:cNvSpPr>
             <a:spLocks noGrp="1"/>
           </p:cNvSpPr>
@@ -1416,13 +3859,7 @@
       </p:sp>
       <p:sp>
         <p:nvSpPr>
-          <p:cNvPr id="6" name="מציין מיקום של כותרת תחתונה 5">
-            <a:extLst>
-              <a:ext uri="{FF2B5EF4-FFF2-40B4-BE49-F238E27FC236}">
-                <a16:creationId xmlns:a16="http://schemas.microsoft.com/office/drawing/2014/main" id="{C77C1557-79B0-13A3-1FC7-88023C2B72B7}"/>
-              </a:ext>
-            </a:extLst>
-          </p:cNvPr>
+          <p:cNvPr id="6" name="Footer Placeholder 5"/>
           <p:cNvSpPr>
             <a:spLocks noGrp="1"/>
           </p:cNvSpPr>
@@ -1441,13 +3878,7 @@
       </p:sp>
       <p:sp>
         <p:nvSpPr>
-          <p:cNvPr id="7" name="מציין מיקום של מספר שקופית 6">
-            <a:extLst>
-              <a:ext uri="{FF2B5EF4-FFF2-40B4-BE49-F238E27FC236}">
-                <a16:creationId xmlns:a16="http://schemas.microsoft.com/office/drawing/2014/main" id="{7C6735CF-0769-466C-FCBA-876A4D8D3119}"/>
-              </a:ext>
-            </a:extLst>
-          </p:cNvPr>
+          <p:cNvPr id="7" name="Slide Number Placeholder 6"/>
           <p:cNvSpPr>
             <a:spLocks noGrp="1"/>
           </p:cNvSpPr>
@@ -1471,7 +3902,7 @@
     </p:spTree>
     <p:extLst>
       <p:ext uri="{BB962C8B-B14F-4D97-AF65-F5344CB8AC3E}">
-        <p14:creationId xmlns:p14="http://schemas.microsoft.com/office/powerpoint/2010/main" val="3916362153"/>
+        <p14:creationId xmlns:p14="http://schemas.microsoft.com/office/powerpoint/2010/main" val="1801956997"/>
       </p:ext>
     </p:extLst>
   </p:cSld>
@@ -1500,13 +3931,7 @@
       </p:grpSpPr>
       <p:sp>
         <p:nvSpPr>
-          <p:cNvPr id="2" name="כותרת 1">
-            <a:extLst>
-              <a:ext uri="{FF2B5EF4-FFF2-40B4-BE49-F238E27FC236}">
-                <a16:creationId xmlns:a16="http://schemas.microsoft.com/office/drawing/2014/main" id="{45FD2588-90CA-37CA-41FC-1FF5A978552B}"/>
-              </a:ext>
-            </a:extLst>
-          </p:cNvPr>
+          <p:cNvPr id="2" name="Title 1"/>
           <p:cNvSpPr>
             <a:spLocks noGrp="1"/>
           </p:cNvSpPr>
@@ -1514,32 +3939,26 @@
             <p:ph type="title"/>
           </p:nvPr>
         </p:nvSpPr>
-        <p:spPr>
-          <a:xfrm>
-            <a:off x="839788" y="365125"/>
-            <a:ext cx="10515600" cy="1325563"/>
-          </a:xfrm>
-        </p:spPr>
+        <p:spPr/>
         <p:txBody>
           <a:bodyPr/>
-          <a:lstStyle/>
+          <a:lstStyle>
+            <a:lvl1pPr>
+              <a:defRPr/>
+            </a:lvl1pPr>
+          </a:lstStyle>
           <a:p>
             <a:r>
               <a:rPr lang="he-IL"/>
               <a:t>לחץ כדי לערוך סגנון כותרת של תבנית בסיס</a:t>
             </a:r>
-          </a:p>
-        </p:txBody>
-      </p:sp>
-      <p:sp>
-        <p:nvSpPr>
-          <p:cNvPr id="3" name="מציין מיקום טקסט 2">
-            <a:extLst>
-              <a:ext uri="{FF2B5EF4-FFF2-40B4-BE49-F238E27FC236}">
-                <a16:creationId xmlns:a16="http://schemas.microsoft.com/office/drawing/2014/main" id="{9D7D4D1E-4B37-E4C6-CEF5-359FEDF520DA}"/>
-              </a:ext>
-            </a:extLst>
-          </p:cNvPr>
+            <a:endParaRPr lang="en-US" dirty="0"/>
+          </a:p>
+        </p:txBody>
+      </p:sp>
+      <p:sp>
+        <p:nvSpPr>
+          <p:cNvPr id="3" name="Text Placeholder 2"/>
           <p:cNvSpPr>
             <a:spLocks noGrp="1"/>
           </p:cNvSpPr>
@@ -1549,16 +3968,18 @@
         </p:nvSpPr>
         <p:spPr>
           <a:xfrm>
-            <a:off x="839788" y="1681163"/>
-            <a:ext cx="5157787" cy="823912"/>
-          </a:xfrm>
-        </p:spPr>
-        <p:txBody>
-          <a:bodyPr anchor="b"/>
+            <a:off x="973670" y="2218267"/>
+            <a:ext cx="4709054" cy="576262"/>
+          </a:xfrm>
+        </p:spPr>
+        <p:txBody>
+          <a:bodyPr anchor="b">
+            <a:noAutofit/>
+          </a:bodyPr>
           <a:lstStyle>
             <a:lvl1pPr marL="0" indent="0">
               <a:buNone/>
-              <a:defRPr sz="2400" b="1"/>
+              <a:defRPr sz="2800" b="0"/>
             </a:lvl1pPr>
             <a:lvl2pPr marL="457200" indent="0">
               <a:buNone/>
@@ -1604,13 +4025,7 @@
       </p:sp>
       <p:sp>
         <p:nvSpPr>
-          <p:cNvPr id="4" name="מציין מיקום תוכן 3">
-            <a:extLst>
-              <a:ext uri="{FF2B5EF4-FFF2-40B4-BE49-F238E27FC236}">
-                <a16:creationId xmlns:a16="http://schemas.microsoft.com/office/drawing/2014/main" id="{E135E57E-DF4D-37ED-4AB2-91BA85558B56}"/>
-              </a:ext>
-            </a:extLst>
-          </p:cNvPr>
+          <p:cNvPr id="4" name="Content Placeholder 3"/>
           <p:cNvSpPr>
             <a:spLocks noGrp="1"/>
           </p:cNvSpPr>
@@ -1620,12 +4035,14 @@
         </p:nvSpPr>
         <p:spPr>
           <a:xfrm>
-            <a:off x="839788" y="2505075"/>
-            <a:ext cx="5157787" cy="3684588"/>
-          </a:xfrm>
-        </p:spPr>
-        <p:txBody>
-          <a:bodyPr/>
+            <a:off x="685801" y="2870201"/>
+            <a:ext cx="4996923" cy="2920998"/>
+          </a:xfrm>
+        </p:spPr>
+        <p:txBody>
+          <a:bodyPr anchor="t">
+            <a:normAutofit/>
+          </a:bodyPr>
           <a:lstStyle/>
           <a:p>
             <a:pPr lvl="0"/>
@@ -1661,18 +4078,13 @@
               <a:rPr lang="he-IL"/>
               <a:t>רמה חמישית</a:t>
             </a:r>
-          </a:p>
-        </p:txBody>
-      </p:sp>
-      <p:sp>
-        <p:nvSpPr>
-          <p:cNvPr id="5" name="מציין מיקום טקסט 4">
-            <a:extLst>
-              <a:ext uri="{FF2B5EF4-FFF2-40B4-BE49-F238E27FC236}">
-                <a16:creationId xmlns:a16="http://schemas.microsoft.com/office/drawing/2014/main" id="{4032526B-045D-2F21-A360-A097BC087B6D}"/>
-              </a:ext>
-            </a:extLst>
-          </p:cNvPr>
+            <a:endParaRPr lang="en-US" dirty="0"/>
+          </a:p>
+        </p:txBody>
+      </p:sp>
+      <p:sp>
+        <p:nvSpPr>
+          <p:cNvPr id="5" name="Text Placeholder 4"/>
           <p:cNvSpPr>
             <a:spLocks noGrp="1"/>
           </p:cNvSpPr>
@@ -1682,16 +4094,18 @@
         </p:nvSpPr>
         <p:spPr>
           <a:xfrm>
-            <a:off x="6172200" y="1681163"/>
-            <a:ext cx="5183188" cy="823912"/>
-          </a:xfrm>
-        </p:spPr>
-        <p:txBody>
-          <a:bodyPr anchor="b"/>
+            <a:off x="6096003" y="2226734"/>
+            <a:ext cx="4722813" cy="576262"/>
+          </a:xfrm>
+        </p:spPr>
+        <p:txBody>
+          <a:bodyPr anchor="b">
+            <a:noAutofit/>
+          </a:bodyPr>
           <a:lstStyle>
             <a:lvl1pPr marL="0" indent="0">
               <a:buNone/>
-              <a:defRPr sz="2400" b="1"/>
+              <a:defRPr sz="2800" b="0"/>
             </a:lvl1pPr>
             <a:lvl2pPr marL="457200" indent="0">
               <a:buNone/>
@@ -1737,13 +4151,7 @@
       </p:sp>
       <p:sp>
         <p:nvSpPr>
-          <p:cNvPr id="6" name="מציין מיקום תוכן 5">
-            <a:extLst>
-              <a:ext uri="{FF2B5EF4-FFF2-40B4-BE49-F238E27FC236}">
-                <a16:creationId xmlns:a16="http://schemas.microsoft.com/office/drawing/2014/main" id="{0F475F11-FD7A-59C7-4C52-03BBAC153609}"/>
-              </a:ext>
-            </a:extLst>
-          </p:cNvPr>
+          <p:cNvPr id="6" name="Content Placeholder 5"/>
           <p:cNvSpPr>
             <a:spLocks noGrp="1"/>
           </p:cNvSpPr>
@@ -1753,12 +4161,14 @@
         </p:nvSpPr>
         <p:spPr>
           <a:xfrm>
-            <a:off x="6172200" y="2505075"/>
-            <a:ext cx="5183188" cy="3684588"/>
-          </a:xfrm>
-        </p:spPr>
-        <p:txBody>
-          <a:bodyPr/>
+            <a:off x="5823483" y="2870201"/>
+            <a:ext cx="4995334" cy="2920998"/>
+          </a:xfrm>
+        </p:spPr>
+        <p:txBody>
+          <a:bodyPr anchor="t">
+            <a:normAutofit/>
+          </a:bodyPr>
           <a:lstStyle/>
           <a:p>
             <a:pPr lvl="0"/>
@@ -1794,18 +4204,13 @@
               <a:rPr lang="he-IL"/>
               <a:t>רמה חמישית</a:t>
             </a:r>
-          </a:p>
-        </p:txBody>
-      </p:sp>
-      <p:sp>
-        <p:nvSpPr>
-          <p:cNvPr id="7" name="מציין מיקום של תאריך 6">
-            <a:extLst>
-              <a:ext uri="{FF2B5EF4-FFF2-40B4-BE49-F238E27FC236}">
-                <a16:creationId xmlns:a16="http://schemas.microsoft.com/office/drawing/2014/main" id="{535DBB37-1CD0-1FAE-E22C-B764F2450D5C}"/>
-              </a:ext>
-            </a:extLst>
-          </p:cNvPr>
+            <a:endParaRPr lang="en-US" dirty="0"/>
+          </a:p>
+        </p:txBody>
+      </p:sp>
+      <p:sp>
+        <p:nvSpPr>
+          <p:cNvPr id="7" name="Date Placeholder 6"/>
           <p:cNvSpPr>
             <a:spLocks noGrp="1"/>
           </p:cNvSpPr>
@@ -1828,13 +4233,7 @@
       </p:sp>
       <p:sp>
         <p:nvSpPr>
-          <p:cNvPr id="8" name="מציין מיקום של כותרת תחתונה 7">
-            <a:extLst>
-              <a:ext uri="{FF2B5EF4-FFF2-40B4-BE49-F238E27FC236}">
-                <a16:creationId xmlns:a16="http://schemas.microsoft.com/office/drawing/2014/main" id="{5B349FDD-022F-2291-4F35-87C79BA9C6C3}"/>
-              </a:ext>
-            </a:extLst>
-          </p:cNvPr>
+          <p:cNvPr id="8" name="Footer Placeholder 7"/>
           <p:cNvSpPr>
             <a:spLocks noGrp="1"/>
           </p:cNvSpPr>
@@ -1853,13 +4252,7 @@
       </p:sp>
       <p:sp>
         <p:nvSpPr>
-          <p:cNvPr id="9" name="מציין מיקום של מספר שקופית 8">
-            <a:extLst>
-              <a:ext uri="{FF2B5EF4-FFF2-40B4-BE49-F238E27FC236}">
-                <a16:creationId xmlns:a16="http://schemas.microsoft.com/office/drawing/2014/main" id="{F1BAAF9C-BA94-6D49-E73F-E83B1B811F85}"/>
-              </a:ext>
-            </a:extLst>
-          </p:cNvPr>
+          <p:cNvPr id="9" name="Slide Number Placeholder 8"/>
           <p:cNvSpPr>
             <a:spLocks noGrp="1"/>
           </p:cNvSpPr>
@@ -1883,7 +4276,7 @@
     </p:spTree>
     <p:extLst>
       <p:ext uri="{BB962C8B-B14F-4D97-AF65-F5344CB8AC3E}">
-        <p14:creationId xmlns:p14="http://schemas.microsoft.com/office/powerpoint/2010/main" val="904261293"/>
+        <p14:creationId xmlns:p14="http://schemas.microsoft.com/office/powerpoint/2010/main" val="2967589865"/>
       </p:ext>
     </p:extLst>
   </p:cSld>
@@ -1910,15 +4303,39 @@
           <a:chExt cx="0" cy="0"/>
         </a:xfrm>
       </p:grpSpPr>
-      <p:sp>
-        <p:nvSpPr>
-          <p:cNvPr id="2" name="כותרת 1">
+      <p:pic>
+        <p:nvPicPr>
+          <p:cNvPr id="6" name="Picture 5" descr="Celestia-R1---OverlayContentHD.png"/>
+          <p:cNvPicPr>
+            <a:picLocks noChangeAspect="1"/>
+          </p:cNvPicPr>
+          <p:nvPr/>
+        </p:nvPicPr>
+        <p:blipFill>
+          <a:blip r:embed="rId2">
             <a:extLst>
-              <a:ext uri="{FF2B5EF4-FFF2-40B4-BE49-F238E27FC236}">
-                <a16:creationId xmlns:a16="http://schemas.microsoft.com/office/drawing/2014/main" id="{675AE70A-0C59-8259-4CB1-09D1430B5ADC}"/>
+              <a:ext uri="{28A0092B-C50C-407E-A947-70E740481C1C}">
+                <a14:useLocalDpi xmlns:a14="http://schemas.microsoft.com/office/drawing/2010/main" val="0"/>
               </a:ext>
             </a:extLst>
-          </p:cNvPr>
+          </a:blip>
+          <a:stretch>
+            <a:fillRect/>
+          </a:stretch>
+        </p:blipFill>
+        <p:spPr>
+          <a:xfrm>
+            <a:off x="0" y="0"/>
+            <a:ext cx="12188825" cy="6856214"/>
+          </a:xfrm>
+          <a:prstGeom prst="rect">
+            <a:avLst/>
+          </a:prstGeom>
+        </p:spPr>
+      </p:pic>
+      <p:sp>
+        <p:nvSpPr>
+          <p:cNvPr id="2" name="Title 1"/>
           <p:cNvSpPr>
             <a:spLocks noGrp="1"/>
           </p:cNvSpPr>
@@ -1935,18 +4352,13 @@
               <a:rPr lang="he-IL"/>
               <a:t>לחץ כדי לערוך סגנון כותרת של תבנית בסיס</a:t>
             </a:r>
-          </a:p>
-        </p:txBody>
-      </p:sp>
-      <p:sp>
-        <p:nvSpPr>
-          <p:cNvPr id="3" name="מציין מיקום של תאריך 2">
-            <a:extLst>
-              <a:ext uri="{FF2B5EF4-FFF2-40B4-BE49-F238E27FC236}">
-                <a16:creationId xmlns:a16="http://schemas.microsoft.com/office/drawing/2014/main" id="{FBFF7976-FDCE-DAC5-5016-C5EC37831234}"/>
-              </a:ext>
-            </a:extLst>
-          </p:cNvPr>
+            <a:endParaRPr lang="en-US" dirty="0"/>
+          </a:p>
+        </p:txBody>
+      </p:sp>
+      <p:sp>
+        <p:nvSpPr>
+          <p:cNvPr id="3" name="Date Placeholder 2"/>
           <p:cNvSpPr>
             <a:spLocks noGrp="1"/>
           </p:cNvSpPr>
@@ -1969,13 +4381,7 @@
       </p:sp>
       <p:sp>
         <p:nvSpPr>
-          <p:cNvPr id="4" name="מציין מיקום של כותרת תחתונה 3">
-            <a:extLst>
-              <a:ext uri="{FF2B5EF4-FFF2-40B4-BE49-F238E27FC236}">
-                <a16:creationId xmlns:a16="http://schemas.microsoft.com/office/drawing/2014/main" id="{9AD7EB51-90C6-0186-44DD-A5FA2A288CF6}"/>
-              </a:ext>
-            </a:extLst>
-          </p:cNvPr>
+          <p:cNvPr id="4" name="Footer Placeholder 3"/>
           <p:cNvSpPr>
             <a:spLocks noGrp="1"/>
           </p:cNvSpPr>
@@ -1994,13 +4400,7 @@
       </p:sp>
       <p:sp>
         <p:nvSpPr>
-          <p:cNvPr id="5" name="מציין מיקום של מספר שקופית 4">
-            <a:extLst>
-              <a:ext uri="{FF2B5EF4-FFF2-40B4-BE49-F238E27FC236}">
-                <a16:creationId xmlns:a16="http://schemas.microsoft.com/office/drawing/2014/main" id="{90C5A94E-F2A3-18D6-7214-38DD94C63BC0}"/>
-              </a:ext>
-            </a:extLst>
-          </p:cNvPr>
+          <p:cNvPr id="5" name="Slide Number Placeholder 4"/>
           <p:cNvSpPr>
             <a:spLocks noGrp="1"/>
           </p:cNvSpPr>
@@ -2024,7 +4424,7 @@
     </p:spTree>
     <p:extLst>
       <p:ext uri="{BB962C8B-B14F-4D97-AF65-F5344CB8AC3E}">
-        <p14:creationId xmlns:p14="http://schemas.microsoft.com/office/powerpoint/2010/main" val="1149963360"/>
+        <p14:creationId xmlns:p14="http://schemas.microsoft.com/office/powerpoint/2010/main" val="683115407"/>
       </p:ext>
     </p:extLst>
   </p:cSld>
@@ -2051,15 +4451,39 @@
           <a:chExt cx="0" cy="0"/>
         </a:xfrm>
       </p:grpSpPr>
-      <p:sp>
-        <p:nvSpPr>
-          <p:cNvPr id="2" name="מציין מיקום של תאריך 1">
+      <p:pic>
+        <p:nvPicPr>
+          <p:cNvPr id="5" name="Picture 4" descr="Celestia-R1---OverlayContentHD.png"/>
+          <p:cNvPicPr>
+            <a:picLocks noChangeAspect="1"/>
+          </p:cNvPicPr>
+          <p:nvPr/>
+        </p:nvPicPr>
+        <p:blipFill>
+          <a:blip r:embed="rId2">
             <a:extLst>
-              <a:ext uri="{FF2B5EF4-FFF2-40B4-BE49-F238E27FC236}">
-                <a16:creationId xmlns:a16="http://schemas.microsoft.com/office/drawing/2014/main" id="{C67ACD26-58E2-CDA4-E396-EDDB35BD44C3}"/>
+              <a:ext uri="{28A0092B-C50C-407E-A947-70E740481C1C}">
+                <a14:useLocalDpi xmlns:a14="http://schemas.microsoft.com/office/drawing/2010/main" val="0"/>
               </a:ext>
             </a:extLst>
-          </p:cNvPr>
+          </a:blip>
+          <a:stretch>
+            <a:fillRect/>
+          </a:stretch>
+        </p:blipFill>
+        <p:spPr>
+          <a:xfrm>
+            <a:off x="0" y="0"/>
+            <a:ext cx="12188825" cy="6856214"/>
+          </a:xfrm>
+          <a:prstGeom prst="rect">
+            <a:avLst/>
+          </a:prstGeom>
+        </p:spPr>
+      </p:pic>
+      <p:sp>
+        <p:nvSpPr>
+          <p:cNvPr id="2" name="Date Placeholder 1"/>
           <p:cNvSpPr>
             <a:spLocks noGrp="1"/>
           </p:cNvSpPr>
@@ -2082,13 +4506,7 @@
       </p:sp>
       <p:sp>
         <p:nvSpPr>
-          <p:cNvPr id="3" name="מציין מיקום של כותרת תחתונה 2">
-            <a:extLst>
-              <a:ext uri="{FF2B5EF4-FFF2-40B4-BE49-F238E27FC236}">
-                <a16:creationId xmlns:a16="http://schemas.microsoft.com/office/drawing/2014/main" id="{DC5A25A4-A613-D420-379A-D0E5551B4FA3}"/>
-              </a:ext>
-            </a:extLst>
-          </p:cNvPr>
+          <p:cNvPr id="3" name="Footer Placeholder 2"/>
           <p:cNvSpPr>
             <a:spLocks noGrp="1"/>
           </p:cNvSpPr>
@@ -2107,13 +4525,7 @@
       </p:sp>
       <p:sp>
         <p:nvSpPr>
-          <p:cNvPr id="4" name="מציין מיקום של מספר שקופית 3">
-            <a:extLst>
-              <a:ext uri="{FF2B5EF4-FFF2-40B4-BE49-F238E27FC236}">
-                <a16:creationId xmlns:a16="http://schemas.microsoft.com/office/drawing/2014/main" id="{9286187F-765E-FB55-B0C4-B30A01BA0E82}"/>
-              </a:ext>
-            </a:extLst>
-          </p:cNvPr>
+          <p:cNvPr id="4" name="Slide Number Placeholder 3"/>
           <p:cNvSpPr>
             <a:spLocks noGrp="1"/>
           </p:cNvSpPr>
@@ -2137,7 +4549,7 @@
     </p:spTree>
     <p:extLst>
       <p:ext uri="{BB962C8B-B14F-4D97-AF65-F5344CB8AC3E}">
-        <p14:creationId xmlns:p14="http://schemas.microsoft.com/office/powerpoint/2010/main" val="1268960882"/>
+        <p14:creationId xmlns:p14="http://schemas.microsoft.com/office/powerpoint/2010/main" val="4160763702"/>
       </p:ext>
     </p:extLst>
   </p:cSld>
@@ -2164,15 +4576,39 @@
           <a:chExt cx="0" cy="0"/>
         </a:xfrm>
       </p:grpSpPr>
-      <p:sp>
-        <p:nvSpPr>
-          <p:cNvPr id="2" name="כותרת 1">
+      <p:pic>
+        <p:nvPicPr>
+          <p:cNvPr id="8" name="Picture 7" descr="Celestia-R1---OverlayContentHD.png"/>
+          <p:cNvPicPr>
+            <a:picLocks noChangeAspect="1"/>
+          </p:cNvPicPr>
+          <p:nvPr/>
+        </p:nvPicPr>
+        <p:blipFill>
+          <a:blip r:embed="rId2">
             <a:extLst>
-              <a:ext uri="{FF2B5EF4-FFF2-40B4-BE49-F238E27FC236}">
-                <a16:creationId xmlns:a16="http://schemas.microsoft.com/office/drawing/2014/main" id="{FE1CCE6D-A488-0A2E-64F6-02447758CB7F}"/>
+              <a:ext uri="{28A0092B-C50C-407E-A947-70E740481C1C}">
+                <a14:useLocalDpi xmlns:a14="http://schemas.microsoft.com/office/drawing/2010/main" val="0"/>
               </a:ext>
             </a:extLst>
-          </p:cNvPr>
+          </a:blip>
+          <a:stretch>
+            <a:fillRect/>
+          </a:stretch>
+        </p:blipFill>
+        <p:spPr>
+          <a:xfrm>
+            <a:off x="0" y="0"/>
+            <a:ext cx="12188825" cy="6856214"/>
+          </a:xfrm>
+          <a:prstGeom prst="rect">
+            <a:avLst/>
+          </a:prstGeom>
+        </p:spPr>
+      </p:pic>
+      <p:sp>
+        <p:nvSpPr>
+          <p:cNvPr id="2" name="Title 1"/>
           <p:cNvSpPr>
             <a:spLocks noGrp="1"/>
           </p:cNvSpPr>
@@ -2182,15 +4618,17 @@
         </p:nvSpPr>
         <p:spPr>
           <a:xfrm>
-            <a:off x="839788" y="457200"/>
-            <a:ext cx="3932237" cy="1600200"/>
-          </a:xfrm>
-        </p:spPr>
-        <p:txBody>
-          <a:bodyPr anchor="b"/>
+            <a:off x="685800" y="2074333"/>
+            <a:ext cx="3680885" cy="1371600"/>
+          </a:xfrm>
+        </p:spPr>
+        <p:txBody>
+          <a:bodyPr anchor="b">
+            <a:normAutofit/>
+          </a:bodyPr>
           <a:lstStyle>
-            <a:lvl1pPr>
-              <a:defRPr sz="3200"/>
+            <a:lvl1pPr algn="l">
+              <a:defRPr sz="2400" b="0"/>
             </a:lvl1pPr>
           </a:lstStyle>
           <a:p>
@@ -2198,18 +4636,13 @@
               <a:rPr lang="he-IL"/>
               <a:t>לחץ כדי לערוך סגנון כותרת של תבנית בסיס</a:t>
             </a:r>
-          </a:p>
-        </p:txBody>
-      </p:sp>
-      <p:sp>
-        <p:nvSpPr>
-          <p:cNvPr id="3" name="מציין מיקום תוכן 2">
-            <a:extLst>
-              <a:ext uri="{FF2B5EF4-FFF2-40B4-BE49-F238E27FC236}">
-                <a16:creationId xmlns:a16="http://schemas.microsoft.com/office/drawing/2014/main" id="{665249F0-03E2-AE4A-C1BE-BE8C891213B0}"/>
-              </a:ext>
-            </a:extLst>
-          </p:cNvPr>
+            <a:endParaRPr lang="en-US" dirty="0"/>
+          </a:p>
+        </p:txBody>
+      </p:sp>
+      <p:sp>
+        <p:nvSpPr>
+          <p:cNvPr id="3" name="Content Placeholder 2"/>
           <p:cNvSpPr>
             <a:spLocks noGrp="1"/>
           </p:cNvSpPr>
@@ -2219,41 +4652,15 @@
         </p:nvSpPr>
         <p:spPr>
           <a:xfrm>
-            <a:off x="5183188" y="987425"/>
-            <a:ext cx="6172200" cy="4873625"/>
-          </a:xfrm>
-        </p:spPr>
-        <p:txBody>
-          <a:bodyPr/>
-          <a:lstStyle>
-            <a:lvl1pPr>
-              <a:defRPr sz="3200"/>
-            </a:lvl1pPr>
-            <a:lvl2pPr>
-              <a:defRPr sz="2800"/>
-            </a:lvl2pPr>
-            <a:lvl3pPr>
-              <a:defRPr sz="2400"/>
-            </a:lvl3pPr>
-            <a:lvl4pPr>
-              <a:defRPr sz="2000"/>
-            </a:lvl4pPr>
-            <a:lvl5pPr>
-              <a:defRPr sz="2000"/>
-            </a:lvl5pPr>
-            <a:lvl6pPr>
-              <a:defRPr sz="2000"/>
-            </a:lvl6pPr>
-            <a:lvl7pPr>
-              <a:defRPr sz="2000"/>
-            </a:lvl7pPr>
-            <a:lvl8pPr>
-              <a:defRPr sz="2000"/>
-            </a:lvl8pPr>
-            <a:lvl9pPr>
-              <a:defRPr sz="2000"/>
-            </a:lvl9pPr>
-          </a:lstStyle>
+            <a:off x="4648201" y="609601"/>
+            <a:ext cx="6169026" cy="5181600"/>
+          </a:xfrm>
+        </p:spPr>
+        <p:txBody>
+          <a:bodyPr anchor="ctr">
+            <a:normAutofit/>
+          </a:bodyPr>
+          <a:lstStyle/>
           <a:p>
             <a:pPr lvl="0"/>
             <a:r>
@@ -2288,18 +4695,13 @@
               <a:rPr lang="he-IL"/>
               <a:t>רמה חמישית</a:t>
             </a:r>
-          </a:p>
-        </p:txBody>
-      </p:sp>
-      <p:sp>
-        <p:nvSpPr>
-          <p:cNvPr id="4" name="מציין מיקום טקסט 3">
-            <a:extLst>
-              <a:ext uri="{FF2B5EF4-FFF2-40B4-BE49-F238E27FC236}">
-                <a16:creationId xmlns:a16="http://schemas.microsoft.com/office/drawing/2014/main" id="{CFAF697C-2B8A-71B1-10C2-9B56AF7B0D36}"/>
-              </a:ext>
-            </a:extLst>
-          </p:cNvPr>
+            <a:endParaRPr lang="en-US" dirty="0"/>
+          </a:p>
+        </p:txBody>
+      </p:sp>
+      <p:sp>
+        <p:nvSpPr>
+          <p:cNvPr id="4" name="Text Placeholder 3"/>
           <p:cNvSpPr>
             <a:spLocks noGrp="1"/>
           </p:cNvSpPr>
@@ -2309,12 +4711,14 @@
         </p:nvSpPr>
         <p:spPr>
           <a:xfrm>
-            <a:off x="839788" y="2057400"/>
-            <a:ext cx="3932237" cy="3811588"/>
-          </a:xfrm>
-        </p:spPr>
-        <p:txBody>
-          <a:bodyPr/>
+            <a:off x="685800" y="3445933"/>
+            <a:ext cx="3680885" cy="1828800"/>
+          </a:xfrm>
+        </p:spPr>
+        <p:txBody>
+          <a:bodyPr anchor="t">
+            <a:normAutofit/>
+          </a:bodyPr>
           <a:lstStyle>
             <a:lvl1pPr marL="0" indent="0">
               <a:buNone/>
@@ -2322,35 +4726,35 @@
             </a:lvl1pPr>
             <a:lvl2pPr marL="457200" indent="0">
               <a:buNone/>
-              <a:defRPr sz="1400"/>
+              <a:defRPr sz="1200"/>
             </a:lvl2pPr>
             <a:lvl3pPr marL="914400" indent="0">
               <a:buNone/>
-              <a:defRPr sz="1200"/>
+              <a:defRPr sz="1000"/>
             </a:lvl3pPr>
             <a:lvl4pPr marL="1371600" indent="0">
               <a:buNone/>
-              <a:defRPr sz="1000"/>
+              <a:defRPr sz="900"/>
             </a:lvl4pPr>
             <a:lvl5pPr marL="1828800" indent="0">
               <a:buNone/>
-              <a:defRPr sz="1000"/>
+              <a:defRPr sz="900"/>
             </a:lvl5pPr>
             <a:lvl6pPr marL="2286000" indent="0">
               <a:buNone/>
-              <a:defRPr sz="1000"/>
+              <a:defRPr sz="900"/>
             </a:lvl6pPr>
             <a:lvl7pPr marL="2743200" indent="0">
               <a:buNone/>
-              <a:defRPr sz="1000"/>
+              <a:defRPr sz="900"/>
             </a:lvl7pPr>
             <a:lvl8pPr marL="3200400" indent="0">
               <a:buNone/>
-              <a:defRPr sz="1000"/>
+              <a:defRPr sz="900"/>
             </a:lvl8pPr>
             <a:lvl9pPr marL="3657600" indent="0">
               <a:buNone/>
-              <a:defRPr sz="1000"/>
+              <a:defRPr sz="900"/>
             </a:lvl9pPr>
           </a:lstStyle>
           <a:p>
@@ -2364,13 +4768,7 @@
       </p:sp>
       <p:sp>
         <p:nvSpPr>
-          <p:cNvPr id="5" name="מציין מיקום של תאריך 4">
-            <a:extLst>
-              <a:ext uri="{FF2B5EF4-FFF2-40B4-BE49-F238E27FC236}">
-                <a16:creationId xmlns:a16="http://schemas.microsoft.com/office/drawing/2014/main" id="{93C7D5AC-DB1D-7768-F7BE-0116742E59C3}"/>
-              </a:ext>
-            </a:extLst>
-          </p:cNvPr>
+          <p:cNvPr id="5" name="Date Placeholder 4"/>
           <p:cNvSpPr>
             <a:spLocks noGrp="1"/>
           </p:cNvSpPr>
@@ -2393,13 +4791,7 @@
       </p:sp>
       <p:sp>
         <p:nvSpPr>
-          <p:cNvPr id="6" name="מציין מיקום של כותרת תחתונה 5">
-            <a:extLst>
-              <a:ext uri="{FF2B5EF4-FFF2-40B4-BE49-F238E27FC236}">
-                <a16:creationId xmlns:a16="http://schemas.microsoft.com/office/drawing/2014/main" id="{5C1DB25D-2663-8D1F-6473-A4A0C7374530}"/>
-              </a:ext>
-            </a:extLst>
-          </p:cNvPr>
+          <p:cNvPr id="6" name="Footer Placeholder 5"/>
           <p:cNvSpPr>
             <a:spLocks noGrp="1"/>
           </p:cNvSpPr>
@@ -2418,13 +4810,7 @@
       </p:sp>
       <p:sp>
         <p:nvSpPr>
-          <p:cNvPr id="7" name="מציין מיקום של מספר שקופית 6">
-            <a:extLst>
-              <a:ext uri="{FF2B5EF4-FFF2-40B4-BE49-F238E27FC236}">
-                <a16:creationId xmlns:a16="http://schemas.microsoft.com/office/drawing/2014/main" id="{60271405-FCEB-ED6C-7833-0A175F2FEE1D}"/>
-              </a:ext>
-            </a:extLst>
-          </p:cNvPr>
+          <p:cNvPr id="7" name="Slide Number Placeholder 6"/>
           <p:cNvSpPr>
             <a:spLocks noGrp="1"/>
           </p:cNvSpPr>
@@ -2448,7 +4834,7 @@
     </p:spTree>
     <p:extLst>
       <p:ext uri="{BB962C8B-B14F-4D97-AF65-F5344CB8AC3E}">
-        <p14:creationId xmlns:p14="http://schemas.microsoft.com/office/powerpoint/2010/main" val="2553491762"/>
+        <p14:creationId xmlns:p14="http://schemas.microsoft.com/office/powerpoint/2010/main" val="1997624793"/>
       </p:ext>
     </p:extLst>
   </p:cSld>
@@ -2475,15 +4861,39 @@
           <a:chExt cx="0" cy="0"/>
         </a:xfrm>
       </p:grpSpPr>
-      <p:sp>
-        <p:nvSpPr>
-          <p:cNvPr id="2" name="כותרת 1">
+      <p:pic>
+        <p:nvPicPr>
+          <p:cNvPr id="8" name="Picture 7" descr="Celestia-R1---OverlayContentHD.png"/>
+          <p:cNvPicPr>
+            <a:picLocks noChangeAspect="1"/>
+          </p:cNvPicPr>
+          <p:nvPr/>
+        </p:nvPicPr>
+        <p:blipFill>
+          <a:blip r:embed="rId2">
             <a:extLst>
-              <a:ext uri="{FF2B5EF4-FFF2-40B4-BE49-F238E27FC236}">
-                <a16:creationId xmlns:a16="http://schemas.microsoft.com/office/drawing/2014/main" id="{25D85259-DCE2-57F0-9BF4-33EE3BC41748}"/>
+              <a:ext uri="{28A0092B-C50C-407E-A947-70E740481C1C}">
+                <a14:useLocalDpi xmlns:a14="http://schemas.microsoft.com/office/drawing/2010/main" val="0"/>
               </a:ext>
             </a:extLst>
-          </p:cNvPr>
+          </a:blip>
+          <a:stretch>
+            <a:fillRect/>
+          </a:stretch>
+        </p:blipFill>
+        <p:spPr>
+          <a:xfrm>
+            <a:off x="0" y="0"/>
+            <a:ext cx="12188825" cy="6856214"/>
+          </a:xfrm>
+          <a:prstGeom prst="rect">
+            <a:avLst/>
+          </a:prstGeom>
+        </p:spPr>
+      </p:pic>
+      <p:sp>
+        <p:nvSpPr>
+          <p:cNvPr id="2" name="Title 1"/>
           <p:cNvSpPr>
             <a:spLocks noGrp="1"/>
           </p:cNvSpPr>
@@ -2493,15 +4903,17 @@
         </p:nvSpPr>
         <p:spPr>
           <a:xfrm>
-            <a:off x="839788" y="457200"/>
-            <a:ext cx="3932237" cy="1600200"/>
-          </a:xfrm>
-        </p:spPr>
-        <p:txBody>
-          <a:bodyPr anchor="b"/>
+            <a:off x="685800" y="1600200"/>
+            <a:ext cx="6164653" cy="1371600"/>
+          </a:xfrm>
+        </p:spPr>
+        <p:txBody>
+          <a:bodyPr anchor="b">
+            <a:normAutofit/>
+          </a:bodyPr>
           <a:lstStyle>
-            <a:lvl1pPr>
-              <a:defRPr sz="3200"/>
+            <a:lvl1pPr algn="l">
+              <a:defRPr sz="2800" b="0"/>
             </a:lvl1pPr>
           </a:lstStyle>
           <a:p>
@@ -2509,20 +4921,15 @@
               <a:rPr lang="he-IL"/>
               <a:t>לחץ כדי לערוך סגנון כותרת של תבנית בסיס</a:t>
             </a:r>
-          </a:p>
-        </p:txBody>
-      </p:sp>
-      <p:sp>
-        <p:nvSpPr>
-          <p:cNvPr id="3" name="מציין מיקום של תמונה 2">
-            <a:extLst>
-              <a:ext uri="{FF2B5EF4-FFF2-40B4-BE49-F238E27FC236}">
-                <a16:creationId xmlns:a16="http://schemas.microsoft.com/office/drawing/2014/main" id="{467F424D-91D2-D23A-AC93-C42A58BA141E}"/>
-              </a:ext>
-            </a:extLst>
-          </p:cNvPr>
-          <p:cNvSpPr>
-            <a:spLocks noGrp="1"/>
+            <a:endParaRPr lang="en-US" dirty="0"/>
+          </a:p>
+        </p:txBody>
+      </p:sp>
+      <p:sp>
+        <p:nvSpPr>
+          <p:cNvPr id="14" name="Picture Placeholder 2"/>
+          <p:cNvSpPr>
+            <a:spLocks noGrp="1" noChangeAspect="1"/>
           </p:cNvSpPr>
           <p:nvPr>
             <p:ph type="pic" idx="1"/>
@@ -2530,118 +4937,151 @@
         </p:nvSpPr>
         <p:spPr>
           <a:xfrm>
-            <a:off x="5183188" y="987425"/>
-            <a:ext cx="6172200" cy="4873625"/>
-          </a:xfrm>
-        </p:spPr>
-        <p:txBody>
-          <a:bodyPr/>
+            <a:off x="7536253" y="914400"/>
+            <a:ext cx="3280974" cy="4572000"/>
+          </a:xfrm>
+          <a:prstGeom prst="roundRect">
+            <a:avLst>
+              <a:gd name="adj" fmla="val 4280"/>
+            </a:avLst>
+          </a:prstGeom>
+          <a:ln w="50800" cap="sq" cmpd="dbl">
+            <a:gradFill flip="none" rotWithShape="1">
+              <a:gsLst>
+                <a:gs pos="0">
+                  <a:srgbClr val="FFFFFF"/>
+                </a:gs>
+                <a:gs pos="100000">
+                  <a:schemeClr val="tx1">
+                    <a:alpha val="0"/>
+                  </a:schemeClr>
+                </a:gs>
+              </a:gsLst>
+              <a:path path="circle">
+                <a:fillToRect l="50000" t="50000" r="50000" b="50000"/>
+              </a:path>
+              <a:tileRect/>
+            </a:gradFill>
+            <a:miter lim="800000"/>
+          </a:ln>
+          <a:effectLst>
+            <a:outerShdw blurRad="254000" algn="tl" rotWithShape="0">
+              <a:srgbClr val="000000">
+                <a:alpha val="43000"/>
+              </a:srgbClr>
+            </a:outerShdw>
+          </a:effectLst>
+        </p:spPr>
+        <p:txBody>
+          <a:bodyPr anchor="t">
+            <a:normAutofit/>
+          </a:bodyPr>
           <a:lstStyle>
-            <a:lvl1pPr marL="0" indent="0">
-              <a:buNone/>
-              <a:defRPr sz="3200"/>
-            </a:lvl1pPr>
-            <a:lvl2pPr marL="457200" indent="0">
-              <a:buNone/>
-              <a:defRPr sz="2800"/>
-            </a:lvl2pPr>
-            <a:lvl3pPr marL="914400" indent="0">
-              <a:buNone/>
-              <a:defRPr sz="2400"/>
-            </a:lvl3pPr>
-            <a:lvl4pPr marL="1371600" indent="0">
-              <a:buNone/>
-              <a:defRPr sz="2000"/>
-            </a:lvl4pPr>
-            <a:lvl5pPr marL="1828800" indent="0">
-              <a:buNone/>
-              <a:defRPr sz="2000"/>
-            </a:lvl5pPr>
-            <a:lvl6pPr marL="2286000" indent="0">
-              <a:buNone/>
-              <a:defRPr sz="2000"/>
-            </a:lvl6pPr>
-            <a:lvl7pPr marL="2743200" indent="0">
-              <a:buNone/>
-              <a:defRPr sz="2000"/>
-            </a:lvl7pPr>
-            <a:lvl8pPr marL="3200400" indent="0">
-              <a:buNone/>
-              <a:defRPr sz="2000"/>
-            </a:lvl8pPr>
-            <a:lvl9pPr marL="3657600" indent="0">
-              <a:buNone/>
-              <a:defRPr sz="2000"/>
-            </a:lvl9pPr>
-          </a:lstStyle>
-          <a:p>
-            <a:endParaRPr lang="he-IL"/>
-          </a:p>
-        </p:txBody>
-      </p:sp>
-      <p:sp>
-        <p:nvSpPr>
-          <p:cNvPr id="4" name="מציין מיקום טקסט 3">
-            <a:extLst>
-              <a:ext uri="{FF2B5EF4-FFF2-40B4-BE49-F238E27FC236}">
-                <a16:creationId xmlns:a16="http://schemas.microsoft.com/office/drawing/2014/main" id="{7956F727-1060-BB4B-453A-976972153FA2}"/>
-              </a:ext>
-            </a:extLst>
-          </p:cNvPr>
-          <p:cNvSpPr>
-            <a:spLocks noGrp="1"/>
-          </p:cNvSpPr>
-          <p:nvPr>
-            <p:ph type="body" sz="half" idx="2"/>
-          </p:nvPr>
-        </p:nvSpPr>
-        <p:spPr>
-          <a:xfrm>
-            <a:off x="839788" y="2057400"/>
-            <a:ext cx="3932237" cy="3811588"/>
-          </a:xfrm>
-        </p:spPr>
-        <p:txBody>
-          <a:bodyPr/>
-          <a:lstStyle>
-            <a:lvl1pPr marL="0" indent="0">
+            <a:lvl1pPr marL="0" indent="0" algn="ctr">
               <a:buNone/>
               <a:defRPr sz="1600"/>
             </a:lvl1pPr>
             <a:lvl2pPr marL="457200" indent="0">
               <a:buNone/>
-              <a:defRPr sz="1400"/>
+              <a:defRPr sz="1600"/>
             </a:lvl2pPr>
             <a:lvl3pPr marL="914400" indent="0">
               <a:buNone/>
-              <a:defRPr sz="1200"/>
+              <a:defRPr sz="1600"/>
             </a:lvl3pPr>
             <a:lvl4pPr marL="1371600" indent="0">
               <a:buNone/>
-              <a:defRPr sz="1000"/>
+              <a:defRPr sz="1600"/>
             </a:lvl4pPr>
             <a:lvl5pPr marL="1828800" indent="0">
               <a:buNone/>
-              <a:defRPr sz="1000"/>
+              <a:defRPr sz="1600"/>
             </a:lvl5pPr>
             <a:lvl6pPr marL="2286000" indent="0">
               <a:buNone/>
-              <a:defRPr sz="1000"/>
+              <a:defRPr sz="1600"/>
             </a:lvl6pPr>
             <a:lvl7pPr marL="2743200" indent="0">
               <a:buNone/>
-              <a:defRPr sz="1000"/>
+              <a:defRPr sz="1600"/>
             </a:lvl7pPr>
             <a:lvl8pPr marL="3200400" indent="0">
               <a:buNone/>
-              <a:defRPr sz="1000"/>
+              <a:defRPr sz="1600"/>
             </a:lvl8pPr>
             <a:lvl9pPr marL="3657600" indent="0">
               <a:buNone/>
-              <a:defRPr sz="1000"/>
+              <a:defRPr sz="1600"/>
             </a:lvl9pPr>
           </a:lstStyle>
           <a:p>
+            <a:r>
+              <a:rPr lang="he-IL"/>
+              <a:t>לחץ על הסמל כדי להוסיף תמונה</a:t>
+            </a:r>
+            <a:endParaRPr lang="en-US" dirty="0"/>
+          </a:p>
+        </p:txBody>
+      </p:sp>
+      <p:sp>
+        <p:nvSpPr>
+          <p:cNvPr id="4" name="Text Placeholder 3"/>
+          <p:cNvSpPr>
+            <a:spLocks noGrp="1"/>
+          </p:cNvSpPr>
+          <p:nvPr>
+            <p:ph type="body" sz="half" idx="2"/>
+          </p:nvPr>
+        </p:nvSpPr>
+        <p:spPr>
+          <a:xfrm>
+            <a:off x="685800" y="2971800"/>
+            <a:ext cx="6164653" cy="1828800"/>
+          </a:xfrm>
+        </p:spPr>
+        <p:txBody>
+          <a:bodyPr anchor="t">
+            <a:normAutofit/>
+          </a:bodyPr>
+          <a:lstStyle>
+            <a:lvl1pPr marL="0" indent="0">
+              <a:buNone/>
+              <a:defRPr sz="1800"/>
+            </a:lvl1pPr>
+            <a:lvl2pPr marL="457200" indent="0">
+              <a:buNone/>
+              <a:defRPr sz="1200"/>
+            </a:lvl2pPr>
+            <a:lvl3pPr marL="914400" indent="0">
+              <a:buNone/>
+              <a:defRPr sz="1000"/>
+            </a:lvl3pPr>
+            <a:lvl4pPr marL="1371600" indent="0">
+              <a:buNone/>
+              <a:defRPr sz="900"/>
+            </a:lvl4pPr>
+            <a:lvl5pPr marL="1828800" indent="0">
+              <a:buNone/>
+              <a:defRPr sz="900"/>
+            </a:lvl5pPr>
+            <a:lvl6pPr marL="2286000" indent="0">
+              <a:buNone/>
+              <a:defRPr sz="900"/>
+            </a:lvl6pPr>
+            <a:lvl7pPr marL="2743200" indent="0">
+              <a:buNone/>
+              <a:defRPr sz="900"/>
+            </a:lvl7pPr>
+            <a:lvl8pPr marL="3200400" indent="0">
+              <a:buNone/>
+              <a:defRPr sz="900"/>
+            </a:lvl8pPr>
+            <a:lvl9pPr marL="3657600" indent="0">
+              <a:buNone/>
+              <a:defRPr sz="900"/>
+            </a:lvl9pPr>
+          </a:lstStyle>
+          <a:p>
             <a:pPr lvl="0"/>
             <a:r>
               <a:rPr lang="he-IL"/>
@@ -2652,13 +5092,7 @@
       </p:sp>
       <p:sp>
         <p:nvSpPr>
-          <p:cNvPr id="5" name="מציין מיקום של תאריך 4">
-            <a:extLst>
-              <a:ext uri="{FF2B5EF4-FFF2-40B4-BE49-F238E27FC236}">
-                <a16:creationId xmlns:a16="http://schemas.microsoft.com/office/drawing/2014/main" id="{C23009FD-68B4-642F-6B4D-90E19EBD2FC3}"/>
-              </a:ext>
-            </a:extLst>
-          </p:cNvPr>
+          <p:cNvPr id="5" name="Date Placeholder 4"/>
           <p:cNvSpPr>
             <a:spLocks noGrp="1"/>
           </p:cNvSpPr>
@@ -2681,13 +5115,7 @@
       </p:sp>
       <p:sp>
         <p:nvSpPr>
-          <p:cNvPr id="6" name="מציין מיקום של כותרת תחתונה 5">
-            <a:extLst>
-              <a:ext uri="{FF2B5EF4-FFF2-40B4-BE49-F238E27FC236}">
-                <a16:creationId xmlns:a16="http://schemas.microsoft.com/office/drawing/2014/main" id="{62BC859D-5544-D06B-E74D-379FF9704A4B}"/>
-              </a:ext>
-            </a:extLst>
-          </p:cNvPr>
+          <p:cNvPr id="6" name="Footer Placeholder 5"/>
           <p:cNvSpPr>
             <a:spLocks noGrp="1"/>
           </p:cNvSpPr>
@@ -2706,13 +5134,7 @@
       </p:sp>
       <p:sp>
         <p:nvSpPr>
-          <p:cNvPr id="7" name="מציין מיקום של מספר שקופית 6">
-            <a:extLst>
-              <a:ext uri="{FF2B5EF4-FFF2-40B4-BE49-F238E27FC236}">
-                <a16:creationId xmlns:a16="http://schemas.microsoft.com/office/drawing/2014/main" id="{0457C7CA-073A-28C2-8624-5B0CB64E0021}"/>
-              </a:ext>
-            </a:extLst>
-          </p:cNvPr>
+          <p:cNvPr id="7" name="Slide Number Placeholder 6"/>
           <p:cNvSpPr>
             <a:spLocks noGrp="1"/>
           </p:cNvSpPr>
@@ -2736,7 +5158,7 @@
     </p:spTree>
     <p:extLst>
       <p:ext uri="{BB962C8B-B14F-4D97-AF65-F5344CB8AC3E}">
-        <p14:creationId xmlns:p14="http://schemas.microsoft.com/office/powerpoint/2010/main" val="2677784627"/>
+        <p14:creationId xmlns:p14="http://schemas.microsoft.com/office/powerpoint/2010/main" val="721875435"/>
       </p:ext>
     </p:extLst>
   </p:cSld>
@@ -2750,8 +5172,8 @@
 <p:sldMaster xmlns:a="http://schemas.openxmlformats.org/drawingml/2006/main" xmlns:r="http://schemas.openxmlformats.org/officeDocument/2006/relationships" xmlns:p="http://schemas.openxmlformats.org/presentationml/2006/main">
   <p:cSld>
     <p:bg>
-      <p:bgRef idx="1001">
-        <a:schemeClr val="bg1"/>
+      <p:bgRef idx="1003">
+        <a:schemeClr val="bg2"/>
       </p:bgRef>
     </p:bg>
     <p:spTree>
@@ -2770,13 +5192,7 @@
       </p:grpSpPr>
       <p:sp>
         <p:nvSpPr>
-          <p:cNvPr id="2" name="מציין מיקום של כותרת 1">
-            <a:extLst>
-              <a:ext uri="{FF2B5EF4-FFF2-40B4-BE49-F238E27FC236}">
-                <a16:creationId xmlns:a16="http://schemas.microsoft.com/office/drawing/2014/main" id="{1CFC5061-E6C3-11E0-D6DF-E3A8D578540B}"/>
-              </a:ext>
-            </a:extLst>
-          </p:cNvPr>
+          <p:cNvPr id="2" name="Title Placeholder 1"/>
           <p:cNvSpPr>
             <a:spLocks noGrp="1"/>
           </p:cNvSpPr>
@@ -2786,15 +5202,16 @@
         </p:nvSpPr>
         <p:spPr>
           <a:xfrm>
-            <a:off x="838200" y="365125"/>
-            <a:ext cx="10515600" cy="1325563"/>
+            <a:off x="685801" y="609600"/>
+            <a:ext cx="10131425" cy="1456267"/>
           </a:xfrm>
           <a:prstGeom prst="rect">
             <a:avLst/>
           </a:prstGeom>
-        </p:spPr>
-        <p:txBody>
-          <a:bodyPr vert="horz" lIns="91440" tIns="45720" rIns="91440" bIns="45720" rtlCol="1" anchor="ctr">
+          <a:effectLst/>
+        </p:spPr>
+        <p:txBody>
+          <a:bodyPr vert="horz" lIns="91440" tIns="45720" rIns="91440" bIns="45720" rtlCol="0" anchor="ctr">
             <a:normAutofit/>
           </a:bodyPr>
           <a:lstStyle/>
@@ -2803,18 +5220,13 @@
               <a:rPr lang="he-IL"/>
               <a:t>לחץ כדי לערוך סגנון כותרת של תבנית בסיס</a:t>
             </a:r>
-          </a:p>
-        </p:txBody>
-      </p:sp>
-      <p:sp>
-        <p:nvSpPr>
-          <p:cNvPr id="3" name="מציין מיקום טקסט 2">
-            <a:extLst>
-              <a:ext uri="{FF2B5EF4-FFF2-40B4-BE49-F238E27FC236}">
-                <a16:creationId xmlns:a16="http://schemas.microsoft.com/office/drawing/2014/main" id="{40A9DA95-1BB1-D11D-A3E0-74022B34741B}"/>
-              </a:ext>
-            </a:extLst>
-          </p:cNvPr>
+            <a:endParaRPr lang="en-US" dirty="0"/>
+          </a:p>
+        </p:txBody>
+      </p:sp>
+      <p:sp>
+        <p:nvSpPr>
+          <p:cNvPr id="3" name="Text Placeholder 2"/>
           <p:cNvSpPr>
             <a:spLocks noGrp="1"/>
           </p:cNvSpPr>
@@ -2824,15 +5236,15 @@
         </p:nvSpPr>
         <p:spPr>
           <a:xfrm>
-            <a:off x="838200" y="1825625"/>
-            <a:ext cx="10515600" cy="4351338"/>
+            <a:off x="685801" y="2142067"/>
+            <a:ext cx="10131425" cy="3649133"/>
           </a:xfrm>
           <a:prstGeom prst="rect">
             <a:avLst/>
           </a:prstGeom>
         </p:spPr>
         <p:txBody>
-          <a:bodyPr vert="horz" lIns="91440" tIns="45720" rIns="91440" bIns="45720" rtlCol="1">
+          <a:bodyPr vert="horz" lIns="91440" tIns="45720" rIns="91440" bIns="45720" rtlCol="0" anchor="ctr">
             <a:normAutofit/>
           </a:bodyPr>
           <a:lstStyle/>
@@ -2870,18 +5282,13 @@
               <a:rPr lang="he-IL"/>
               <a:t>רמה חמישית</a:t>
             </a:r>
-          </a:p>
-        </p:txBody>
-      </p:sp>
-      <p:sp>
-        <p:nvSpPr>
-          <p:cNvPr id="4" name="מציין מיקום של תאריך 3">
-            <a:extLst>
-              <a:ext uri="{FF2B5EF4-FFF2-40B4-BE49-F238E27FC236}">
-                <a16:creationId xmlns:a16="http://schemas.microsoft.com/office/drawing/2014/main" id="{1B19D649-93E4-B063-1E61-6C574522DD4E}"/>
-              </a:ext>
-            </a:extLst>
-          </p:cNvPr>
+            <a:endParaRPr lang="en-US" dirty="0"/>
+          </a:p>
+        </p:txBody>
+      </p:sp>
+      <p:sp>
+        <p:nvSpPr>
+          <p:cNvPr id="4" name="Date Placeholder 3"/>
           <p:cNvSpPr>
             <a:spLocks noGrp="1"/>
           </p:cNvSpPr>
@@ -2891,23 +5298,23 @@
         </p:nvSpPr>
         <p:spPr>
           <a:xfrm>
-            <a:off x="8610600" y="6356350"/>
-            <a:ext cx="2743200" cy="365125"/>
+            <a:off x="8589660" y="5870575"/>
+            <a:ext cx="1600200" cy="377825"/>
           </a:xfrm>
           <a:prstGeom prst="rect">
             <a:avLst/>
           </a:prstGeom>
         </p:spPr>
         <p:txBody>
-          <a:bodyPr vert="horz" lIns="91440" tIns="45720" rIns="91440" bIns="45720" rtlCol="1" anchor="ctr"/>
+          <a:bodyPr vert="horz" lIns="91440" tIns="45720" rIns="91440" bIns="45720" rtlCol="0" anchor="ctr"/>
           <a:lstStyle>
             <a:lvl1pPr algn="r">
-              <a:defRPr sz="1200">
-                <a:solidFill>
-                  <a:schemeClr val="tx1">
-                    <a:tint val="75000"/>
-                  </a:schemeClr>
-                </a:solidFill>
+              <a:defRPr sz="1000" b="0" i="0">
+                <a:solidFill>
+                  <a:schemeClr val="tx1"/>
+                </a:solidFill>
+                <a:effectLst/>
+                <a:latin typeface="+mn-lt"/>
               </a:defRPr>
             </a:lvl1pPr>
           </a:lstStyle>
@@ -2922,13 +5329,7 @@
       </p:sp>
       <p:sp>
         <p:nvSpPr>
-          <p:cNvPr id="5" name="מציין מיקום של כותרת תחתונה 4">
-            <a:extLst>
-              <a:ext uri="{FF2B5EF4-FFF2-40B4-BE49-F238E27FC236}">
-                <a16:creationId xmlns:a16="http://schemas.microsoft.com/office/drawing/2014/main" id="{6A05C054-B0CC-ED27-7836-28C625706A1B}"/>
-              </a:ext>
-            </a:extLst>
-          </p:cNvPr>
+          <p:cNvPr id="5" name="Footer Placeholder 4"/>
           <p:cNvSpPr>
             <a:spLocks noGrp="1"/>
           </p:cNvSpPr>
@@ -2938,23 +5339,23 @@
         </p:nvSpPr>
         <p:spPr>
           <a:xfrm>
-            <a:off x="4038600" y="6356350"/>
-            <a:ext cx="4114800" cy="365125"/>
+            <a:off x="685800" y="5870575"/>
+            <a:ext cx="7827659" cy="377825"/>
           </a:xfrm>
           <a:prstGeom prst="rect">
             <a:avLst/>
           </a:prstGeom>
         </p:spPr>
         <p:txBody>
-          <a:bodyPr vert="horz" lIns="91440" tIns="45720" rIns="91440" bIns="45720" rtlCol="1" anchor="ctr"/>
+          <a:bodyPr vert="horz" lIns="91440" tIns="45720" rIns="91440" bIns="45720" rtlCol="0" anchor="ctr"/>
           <a:lstStyle>
-            <a:lvl1pPr algn="ctr">
-              <a:defRPr sz="1200">
-                <a:solidFill>
-                  <a:schemeClr val="tx1">
-                    <a:tint val="75000"/>
-                  </a:schemeClr>
-                </a:solidFill>
+            <a:lvl1pPr algn="l">
+              <a:defRPr sz="1000" b="0" i="0">
+                <a:solidFill>
+                  <a:schemeClr val="tx1"/>
+                </a:solidFill>
+                <a:effectLst/>
+                <a:latin typeface="+mn-lt"/>
               </a:defRPr>
             </a:lvl1pPr>
           </a:lstStyle>
@@ -2965,13 +5366,7 @@
       </p:sp>
       <p:sp>
         <p:nvSpPr>
-          <p:cNvPr id="6" name="מציין מיקום של מספר שקופית 5">
-            <a:extLst>
-              <a:ext uri="{FF2B5EF4-FFF2-40B4-BE49-F238E27FC236}">
-                <a16:creationId xmlns:a16="http://schemas.microsoft.com/office/drawing/2014/main" id="{FDDB58DE-0948-982B-5A36-CE4B789D8157}"/>
-              </a:ext>
-            </a:extLst>
-          </p:cNvPr>
+          <p:cNvPr id="6" name="Slide Number Placeholder 5"/>
           <p:cNvSpPr>
             <a:spLocks noGrp="1"/>
           </p:cNvSpPr>
@@ -2981,23 +5376,23 @@
         </p:nvSpPr>
         <p:spPr>
           <a:xfrm>
-            <a:off x="838200" y="6356350"/>
-            <a:ext cx="2743200" cy="365125"/>
+            <a:off x="10266060" y="5870575"/>
+            <a:ext cx="551167" cy="377825"/>
           </a:xfrm>
           <a:prstGeom prst="rect">
             <a:avLst/>
           </a:prstGeom>
         </p:spPr>
         <p:txBody>
-          <a:bodyPr vert="horz" lIns="91440" tIns="45720" rIns="91440" bIns="45720" rtlCol="1" anchor="ctr"/>
+          <a:bodyPr vert="horz" lIns="91440" tIns="45720" rIns="91440" bIns="45720" rtlCol="0" anchor="ctr"/>
           <a:lstStyle>
-            <a:lvl1pPr algn="l">
-              <a:defRPr sz="1200">
-                <a:solidFill>
-                  <a:schemeClr val="tx1">
-                    <a:tint val="75000"/>
-                  </a:schemeClr>
-                </a:solidFill>
+            <a:lvl1pPr algn="r">
+              <a:defRPr sz="1000" b="0" i="0">
+                <a:solidFill>
+                  <a:schemeClr val="tx1"/>
+                </a:solidFill>
+                <a:effectLst/>
+                <a:latin typeface="+mn-lt"/>
               </a:defRPr>
             </a:lvl1pPr>
           </a:lstStyle>
@@ -3013,55 +5408,322 @@
     </p:spTree>
     <p:extLst>
       <p:ext uri="{BB962C8B-B14F-4D97-AF65-F5344CB8AC3E}">
-        <p14:creationId xmlns:p14="http://schemas.microsoft.com/office/powerpoint/2010/main" val="3167960258"/>
+        <p14:creationId xmlns:p14="http://schemas.microsoft.com/office/powerpoint/2010/main" val="1898965109"/>
       </p:ext>
     </p:extLst>
   </p:cSld>
-  <p:clrMap bg1="lt1" tx1="dk1" bg2="lt2" tx2="dk2" accent1="accent1" accent2="accent2" accent3="accent3" accent4="accent4" accent5="accent5" accent6="accent6" hlink="hlink" folHlink="folHlink"/>
+  <p:clrMap bg1="dk1" tx1="lt1" bg2="dk2" tx2="lt2" accent1="accent1" accent2="accent2" accent3="accent3" accent4="accent4" accent5="accent5" accent6="accent6" hlink="hlink" folHlink="folHlink"/>
   <p:sldLayoutIdLst>
-    <p:sldLayoutId id="2147483673" r:id="rId1"/>
-    <p:sldLayoutId id="2147483674" r:id="rId2"/>
-    <p:sldLayoutId id="2147483675" r:id="rId3"/>
-    <p:sldLayoutId id="2147483676" r:id="rId4"/>
-    <p:sldLayoutId id="2147483677" r:id="rId5"/>
-    <p:sldLayoutId id="2147483678" r:id="rId6"/>
-    <p:sldLayoutId id="2147483679" r:id="rId7"/>
-    <p:sldLayoutId id="2147483680" r:id="rId8"/>
-    <p:sldLayoutId id="2147483681" r:id="rId9"/>
-    <p:sldLayoutId id="2147483682" r:id="rId10"/>
-    <p:sldLayoutId id="2147483683" r:id="rId11"/>
+    <p:sldLayoutId id="2147483715" r:id="rId1"/>
+    <p:sldLayoutId id="2147483716" r:id="rId2"/>
+    <p:sldLayoutId id="2147483717" r:id="rId3"/>
+    <p:sldLayoutId id="2147483718" r:id="rId4"/>
+    <p:sldLayoutId id="2147483719" r:id="rId5"/>
+    <p:sldLayoutId id="2147483720" r:id="rId6"/>
+    <p:sldLayoutId id="2147483721" r:id="rId7"/>
+    <p:sldLayoutId id="2147483722" r:id="rId8"/>
+    <p:sldLayoutId id="2147483723" r:id="rId9"/>
+    <p:sldLayoutId id="2147483724" r:id="rId10"/>
+    <p:sldLayoutId id="2147483725" r:id="rId11"/>
+    <p:sldLayoutId id="2147483726" r:id="rId12"/>
+    <p:sldLayoutId id="2147483727" r:id="rId13"/>
+    <p:sldLayoutId id="2147483728" r:id="rId14"/>
+    <p:sldLayoutId id="2147483729" r:id="rId15"/>
+    <p:sldLayoutId id="2147483730" r:id="rId16"/>
+    <p:sldLayoutId id="2147483731" r:id="rId17"/>
   </p:sldLayoutIdLst>
   <p:txStyles>
     <p:titleStyle>
-      <a:lvl1pPr algn="r" defTabSz="914400" rtl="1" eaLnBrk="1" latinLnBrk="0" hangingPunct="1">
-        <a:lnSpc>
-          <a:spcPct val="90000"/>
-        </a:lnSpc>
+      <a:lvl1pPr algn="l" defTabSz="457200" rtl="1" eaLnBrk="1" latinLnBrk="0" hangingPunct="1">
         <a:spcBef>
           <a:spcPct val="0"/>
         </a:spcBef>
         <a:buNone/>
-        <a:defRPr sz="4400" kern="1200">
+        <a:defRPr sz="3600" kern="1200" cap="all">
+          <a:ln w="3175" cmpd="sng">
+            <a:noFill/>
+          </a:ln>
           <a:solidFill>
             <a:schemeClr val="tx1"/>
           </a:solidFill>
+          <a:effectLst/>
           <a:latin typeface="+mj-lt"/>
           <a:ea typeface="+mj-ea"/>
           <a:cs typeface="+mj-cs"/>
         </a:defRPr>
       </a:lvl1pPr>
+      <a:lvl2pPr rtl="1" eaLnBrk="1" hangingPunct="1">
+        <a:defRPr>
+          <a:solidFill>
+            <a:schemeClr val="tx2"/>
+          </a:solidFill>
+        </a:defRPr>
+      </a:lvl2pPr>
+      <a:lvl3pPr rtl="1" eaLnBrk="1" hangingPunct="1">
+        <a:defRPr>
+          <a:solidFill>
+            <a:schemeClr val="tx2"/>
+          </a:solidFill>
+        </a:defRPr>
+      </a:lvl3pPr>
+      <a:lvl4pPr rtl="1" eaLnBrk="1" hangingPunct="1">
+        <a:defRPr>
+          <a:solidFill>
+            <a:schemeClr val="tx2"/>
+          </a:solidFill>
+        </a:defRPr>
+      </a:lvl4pPr>
+      <a:lvl5pPr rtl="1" eaLnBrk="1" hangingPunct="1">
+        <a:defRPr>
+          <a:solidFill>
+            <a:schemeClr val="tx2"/>
+          </a:solidFill>
+        </a:defRPr>
+      </a:lvl5pPr>
+      <a:lvl6pPr rtl="1" eaLnBrk="1" hangingPunct="1">
+        <a:defRPr>
+          <a:solidFill>
+            <a:schemeClr val="tx2"/>
+          </a:solidFill>
+        </a:defRPr>
+      </a:lvl6pPr>
+      <a:lvl7pPr rtl="1" eaLnBrk="1" hangingPunct="1">
+        <a:defRPr>
+          <a:solidFill>
+            <a:schemeClr val="tx2"/>
+          </a:solidFill>
+        </a:defRPr>
+      </a:lvl7pPr>
+      <a:lvl8pPr rtl="1" eaLnBrk="1" hangingPunct="1">
+        <a:defRPr>
+          <a:solidFill>
+            <a:schemeClr val="tx2"/>
+          </a:solidFill>
+        </a:defRPr>
+      </a:lvl8pPr>
+      <a:lvl9pPr rtl="1" eaLnBrk="1" hangingPunct="1">
+        <a:defRPr>
+          <a:solidFill>
+            <a:schemeClr val="tx2"/>
+          </a:solidFill>
+        </a:defRPr>
+      </a:lvl9pPr>
     </p:titleStyle>
     <p:bodyStyle>
-      <a:lvl1pPr marL="228600" indent="-228600" algn="r" defTabSz="914400" rtl="1" eaLnBrk="1" latinLnBrk="0" hangingPunct="1">
-        <a:lnSpc>
-          <a:spcPct val="90000"/>
-        </a:lnSpc>
+      <a:lvl1pPr marL="285750" indent="-285750" algn="r" defTabSz="457200" rtl="1" eaLnBrk="1" latinLnBrk="0" hangingPunct="1">
         <a:spcBef>
+          <a:spcPts val="0"/>
+        </a:spcBef>
+        <a:spcAft>
           <a:spcPts val="1000"/>
+        </a:spcAft>
+        <a:buClr>
+          <a:schemeClr val="tx1"/>
+        </a:buClr>
+        <a:buSzPct val="100000"/>
+        <a:buFont typeface="Arial"/>
+        <a:buChar char="•"/>
+        <a:defRPr sz="1800" kern="1200" cap="none">
+          <a:solidFill>
+            <a:schemeClr val="tx1"/>
+          </a:solidFill>
+          <a:effectLst/>
+          <a:latin typeface="+mn-lt"/>
+          <a:ea typeface="+mn-ea"/>
+          <a:cs typeface="+mn-cs"/>
+        </a:defRPr>
+      </a:lvl1pPr>
+      <a:lvl2pPr marL="742950" indent="-285750" algn="r" defTabSz="457200" rtl="1" eaLnBrk="1" latinLnBrk="0" hangingPunct="1">
+        <a:spcBef>
+          <a:spcPts val="0"/>
         </a:spcBef>
-        <a:buFont typeface="Arial" panose="020B0604020202020204" pitchFamily="34" charset="0"/>
+        <a:spcAft>
+          <a:spcPts val="1000"/>
+        </a:spcAft>
+        <a:buClr>
+          <a:schemeClr val="tx1"/>
+        </a:buClr>
+        <a:buSzPct val="100000"/>
+        <a:buFont typeface="Arial"/>
         <a:buChar char="•"/>
-        <a:defRPr sz="2800" kern="1200">
+        <a:defRPr sz="1600" kern="1200" cap="none">
+          <a:solidFill>
+            <a:schemeClr val="tx1"/>
+          </a:solidFill>
+          <a:effectLst/>
+          <a:latin typeface="+mn-lt"/>
+          <a:ea typeface="+mn-ea"/>
+          <a:cs typeface="+mn-cs"/>
+        </a:defRPr>
+      </a:lvl2pPr>
+      <a:lvl3pPr marL="1200150" indent="-285750" algn="r" defTabSz="457200" rtl="1" eaLnBrk="1" latinLnBrk="0" hangingPunct="1">
+        <a:spcBef>
+          <a:spcPts val="0"/>
+        </a:spcBef>
+        <a:spcAft>
+          <a:spcPts val="1000"/>
+        </a:spcAft>
+        <a:buClr>
+          <a:schemeClr val="tx1"/>
+        </a:buClr>
+        <a:buSzPct val="100000"/>
+        <a:buFont typeface="Arial"/>
+        <a:buChar char="•"/>
+        <a:defRPr sz="1400" kern="1200" cap="none">
+          <a:solidFill>
+            <a:schemeClr val="tx1"/>
+          </a:solidFill>
+          <a:effectLst/>
+          <a:latin typeface="+mn-lt"/>
+          <a:ea typeface="+mn-ea"/>
+          <a:cs typeface="+mn-cs"/>
+        </a:defRPr>
+      </a:lvl3pPr>
+      <a:lvl4pPr marL="1543050" indent="-171450" algn="r" defTabSz="457200" rtl="1" eaLnBrk="1" latinLnBrk="0" hangingPunct="1">
+        <a:spcBef>
+          <a:spcPts val="0"/>
+        </a:spcBef>
+        <a:spcAft>
+          <a:spcPts val="1000"/>
+        </a:spcAft>
+        <a:buClr>
+          <a:schemeClr val="tx1"/>
+        </a:buClr>
+        <a:buSzPct val="100000"/>
+        <a:buFont typeface="Arial"/>
+        <a:buChar char="•"/>
+        <a:defRPr sz="1200" kern="1200" cap="none">
+          <a:solidFill>
+            <a:schemeClr val="tx1"/>
+          </a:solidFill>
+          <a:effectLst/>
+          <a:latin typeface="+mn-lt"/>
+          <a:ea typeface="+mn-ea"/>
+          <a:cs typeface="+mn-cs"/>
+        </a:defRPr>
+      </a:lvl4pPr>
+      <a:lvl5pPr marL="2000250" indent="-171450" algn="r" defTabSz="457200" rtl="1" eaLnBrk="1" latinLnBrk="0" hangingPunct="1">
+        <a:spcBef>
+          <a:spcPts val="0"/>
+        </a:spcBef>
+        <a:spcAft>
+          <a:spcPts val="1000"/>
+        </a:spcAft>
+        <a:buClr>
+          <a:schemeClr val="tx1"/>
+        </a:buClr>
+        <a:buSzPct val="100000"/>
+        <a:buFont typeface="Arial"/>
+        <a:buChar char="•"/>
+        <a:defRPr sz="1200" kern="1200" cap="none">
+          <a:solidFill>
+            <a:schemeClr val="tx1"/>
+          </a:solidFill>
+          <a:effectLst/>
+          <a:latin typeface="+mn-lt"/>
+          <a:ea typeface="+mn-ea"/>
+          <a:cs typeface="+mn-cs"/>
+        </a:defRPr>
+      </a:lvl5pPr>
+      <a:lvl6pPr marL="2514600" indent="-228600" algn="r" defTabSz="457200" rtl="1" eaLnBrk="1" latinLnBrk="0" hangingPunct="1">
+        <a:spcBef>
+          <a:spcPts val="0"/>
+        </a:spcBef>
+        <a:spcAft>
+          <a:spcPts val="1000"/>
+        </a:spcAft>
+        <a:buClr>
+          <a:schemeClr val="tx1"/>
+        </a:buClr>
+        <a:buSzPct val="100000"/>
+        <a:buFont typeface="Arial"/>
+        <a:buChar char="•"/>
+        <a:defRPr sz="1200" kern="1200" cap="none">
+          <a:solidFill>
+            <a:schemeClr val="tx1"/>
+          </a:solidFill>
+          <a:effectLst/>
+          <a:latin typeface="+mn-lt"/>
+          <a:ea typeface="+mn-ea"/>
+          <a:cs typeface="+mn-cs"/>
+        </a:defRPr>
+      </a:lvl6pPr>
+      <a:lvl7pPr marL="2971800" indent="-228600" algn="r" defTabSz="457200" rtl="1" eaLnBrk="1" latinLnBrk="0" hangingPunct="1">
+        <a:spcBef>
+          <a:spcPts val="0"/>
+        </a:spcBef>
+        <a:spcAft>
+          <a:spcPts val="1000"/>
+        </a:spcAft>
+        <a:buClr>
+          <a:schemeClr val="tx1"/>
+        </a:buClr>
+        <a:buSzPct val="100000"/>
+        <a:buFont typeface="Arial"/>
+        <a:buChar char="•"/>
+        <a:defRPr sz="1200" kern="1200" cap="none">
+          <a:solidFill>
+            <a:schemeClr val="tx1"/>
+          </a:solidFill>
+          <a:effectLst/>
+          <a:latin typeface="+mn-lt"/>
+          <a:ea typeface="+mn-ea"/>
+          <a:cs typeface="+mn-cs"/>
+        </a:defRPr>
+      </a:lvl7pPr>
+      <a:lvl8pPr marL="3429000" indent="-228600" algn="r" defTabSz="457200" rtl="1" eaLnBrk="1" latinLnBrk="0" hangingPunct="1">
+        <a:spcBef>
+          <a:spcPts val="0"/>
+        </a:spcBef>
+        <a:spcAft>
+          <a:spcPts val="1000"/>
+        </a:spcAft>
+        <a:buClr>
+          <a:schemeClr val="tx1"/>
+        </a:buClr>
+        <a:buSzPct val="100000"/>
+        <a:buFont typeface="Arial"/>
+        <a:buChar char="•"/>
+        <a:defRPr sz="1200" kern="1200" cap="none">
+          <a:solidFill>
+            <a:schemeClr val="tx1"/>
+          </a:solidFill>
+          <a:effectLst/>
+          <a:latin typeface="+mn-lt"/>
+          <a:ea typeface="+mn-ea"/>
+          <a:cs typeface="+mn-cs"/>
+        </a:defRPr>
+      </a:lvl8pPr>
+      <a:lvl9pPr marL="3886200" indent="-228600" algn="r" defTabSz="457200" rtl="1" eaLnBrk="1" latinLnBrk="0" hangingPunct="1">
+        <a:spcBef>
+          <a:spcPts val="0"/>
+        </a:spcBef>
+        <a:spcAft>
+          <a:spcPts val="1000"/>
+        </a:spcAft>
+        <a:buClr>
+          <a:schemeClr val="tx1"/>
+        </a:buClr>
+        <a:buSzPct val="100000"/>
+        <a:buFont typeface="Arial"/>
+        <a:buChar char="•"/>
+        <a:defRPr sz="1200" kern="1200" cap="none">
+          <a:solidFill>
+            <a:schemeClr val="tx1"/>
+          </a:solidFill>
+          <a:effectLst/>
+          <a:latin typeface="+mn-lt"/>
+          <a:ea typeface="+mn-ea"/>
+          <a:cs typeface="+mn-cs"/>
+        </a:defRPr>
+      </a:lvl9pPr>
+    </p:bodyStyle>
+    <p:otherStyle>
+      <a:defPPr>
+        <a:defRPr lang="en-US"/>
+      </a:defPPr>
+      <a:lvl1pPr marL="0" algn="r" defTabSz="457200" rtl="1" eaLnBrk="1" latinLnBrk="0" hangingPunct="1">
+        <a:defRPr sz="1800" kern="1200">
           <a:solidFill>
             <a:schemeClr val="tx1"/>
           </a:solidFill>
@@ -3070,16 +5732,8 @@
           <a:cs typeface="+mn-cs"/>
         </a:defRPr>
       </a:lvl1pPr>
-      <a:lvl2pPr marL="685800" indent="-228600" algn="r" defTabSz="914400" rtl="1" eaLnBrk="1" latinLnBrk="0" hangingPunct="1">
-        <a:lnSpc>
-          <a:spcPct val="90000"/>
-        </a:lnSpc>
-        <a:spcBef>
-          <a:spcPts val="500"/>
-        </a:spcBef>
-        <a:buFont typeface="Arial" panose="020B0604020202020204" pitchFamily="34" charset="0"/>
-        <a:buChar char="•"/>
-        <a:defRPr sz="2400" kern="1200">
+      <a:lvl2pPr marL="457200" algn="r" defTabSz="457200" rtl="1" eaLnBrk="1" latinLnBrk="0" hangingPunct="1">
+        <a:defRPr sz="1800" kern="1200">
           <a:solidFill>
             <a:schemeClr val="tx1"/>
           </a:solidFill>
@@ -3088,16 +5742,8 @@
           <a:cs typeface="+mn-cs"/>
         </a:defRPr>
       </a:lvl2pPr>
-      <a:lvl3pPr marL="1143000" indent="-228600" algn="r" defTabSz="914400" rtl="1" eaLnBrk="1" latinLnBrk="0" hangingPunct="1">
-        <a:lnSpc>
-          <a:spcPct val="90000"/>
-        </a:lnSpc>
-        <a:spcBef>
-          <a:spcPts val="500"/>
-        </a:spcBef>
-        <a:buFont typeface="Arial" panose="020B0604020202020204" pitchFamily="34" charset="0"/>
-        <a:buChar char="•"/>
-        <a:defRPr sz="2000" kern="1200">
+      <a:lvl3pPr marL="914400" algn="r" defTabSz="457200" rtl="1" eaLnBrk="1" latinLnBrk="0" hangingPunct="1">
+        <a:defRPr sz="1800" kern="1200">
           <a:solidFill>
             <a:schemeClr val="tx1"/>
           </a:solidFill>
@@ -3106,15 +5752,7 @@
           <a:cs typeface="+mn-cs"/>
         </a:defRPr>
       </a:lvl3pPr>
-      <a:lvl4pPr marL="1600200" indent="-228600" algn="r" defTabSz="914400" rtl="1" eaLnBrk="1" latinLnBrk="0" hangingPunct="1">
-        <a:lnSpc>
-          <a:spcPct val="90000"/>
-        </a:lnSpc>
-        <a:spcBef>
-          <a:spcPts val="500"/>
-        </a:spcBef>
-        <a:buFont typeface="Arial" panose="020B0604020202020204" pitchFamily="34" charset="0"/>
-        <a:buChar char="•"/>
+      <a:lvl4pPr marL="1371600" algn="r" defTabSz="457200" rtl="1" eaLnBrk="1" latinLnBrk="0" hangingPunct="1">
         <a:defRPr sz="1800" kern="1200">
           <a:solidFill>
             <a:schemeClr val="tx1"/>
@@ -3124,15 +5762,7 @@
           <a:cs typeface="+mn-cs"/>
         </a:defRPr>
       </a:lvl4pPr>
-      <a:lvl5pPr marL="2057400" indent="-228600" algn="r" defTabSz="914400" rtl="1" eaLnBrk="1" latinLnBrk="0" hangingPunct="1">
-        <a:lnSpc>
-          <a:spcPct val="90000"/>
-        </a:lnSpc>
-        <a:spcBef>
-          <a:spcPts val="500"/>
-        </a:spcBef>
-        <a:buFont typeface="Arial" panose="020B0604020202020204" pitchFamily="34" charset="0"/>
-        <a:buChar char="•"/>
+      <a:lvl5pPr marL="1828800" algn="r" defTabSz="457200" rtl="1" eaLnBrk="1" latinLnBrk="0" hangingPunct="1">
         <a:defRPr sz="1800" kern="1200">
           <a:solidFill>
             <a:schemeClr val="tx1"/>
@@ -3142,15 +5772,7 @@
           <a:cs typeface="+mn-cs"/>
         </a:defRPr>
       </a:lvl5pPr>
-      <a:lvl6pPr marL="2514600" indent="-228600" algn="r" defTabSz="914400" rtl="1" eaLnBrk="1" latinLnBrk="0" hangingPunct="1">
-        <a:lnSpc>
-          <a:spcPct val="90000"/>
-        </a:lnSpc>
-        <a:spcBef>
-          <a:spcPts val="500"/>
-        </a:spcBef>
-        <a:buFont typeface="Arial" panose="020B0604020202020204" pitchFamily="34" charset="0"/>
-        <a:buChar char="•"/>
+      <a:lvl6pPr marL="2286000" algn="r" defTabSz="457200" rtl="1" eaLnBrk="1" latinLnBrk="0" hangingPunct="1">
         <a:defRPr sz="1800" kern="1200">
           <a:solidFill>
             <a:schemeClr val="tx1"/>
@@ -3160,15 +5782,7 @@
           <a:cs typeface="+mn-cs"/>
         </a:defRPr>
       </a:lvl6pPr>
-      <a:lvl7pPr marL="2971800" indent="-228600" algn="r" defTabSz="914400" rtl="1" eaLnBrk="1" latinLnBrk="0" hangingPunct="1">
-        <a:lnSpc>
-          <a:spcPct val="90000"/>
-        </a:lnSpc>
-        <a:spcBef>
-          <a:spcPts val="500"/>
-        </a:spcBef>
-        <a:buFont typeface="Arial" panose="020B0604020202020204" pitchFamily="34" charset="0"/>
-        <a:buChar char="•"/>
+      <a:lvl7pPr marL="2743200" algn="r" defTabSz="457200" rtl="1" eaLnBrk="1" latinLnBrk="0" hangingPunct="1">
         <a:defRPr sz="1800" kern="1200">
           <a:solidFill>
             <a:schemeClr val="tx1"/>
@@ -3178,15 +5792,7 @@
           <a:cs typeface="+mn-cs"/>
         </a:defRPr>
       </a:lvl7pPr>
-      <a:lvl8pPr marL="3429000" indent="-228600" algn="r" defTabSz="914400" rtl="1" eaLnBrk="1" latinLnBrk="0" hangingPunct="1">
-        <a:lnSpc>
-          <a:spcPct val="90000"/>
-        </a:lnSpc>
-        <a:spcBef>
-          <a:spcPts val="500"/>
-        </a:spcBef>
-        <a:buFont typeface="Arial" panose="020B0604020202020204" pitchFamily="34" charset="0"/>
-        <a:buChar char="•"/>
+      <a:lvl8pPr marL="3200400" algn="r" defTabSz="457200" rtl="1" eaLnBrk="1" latinLnBrk="0" hangingPunct="1">
         <a:defRPr sz="1800" kern="1200">
           <a:solidFill>
             <a:schemeClr val="tx1"/>
@@ -3196,110 +5802,7 @@
           <a:cs typeface="+mn-cs"/>
         </a:defRPr>
       </a:lvl8pPr>
-      <a:lvl9pPr marL="3886200" indent="-228600" algn="r" defTabSz="914400" rtl="1" eaLnBrk="1" latinLnBrk="0" hangingPunct="1">
-        <a:lnSpc>
-          <a:spcPct val="90000"/>
-        </a:lnSpc>
-        <a:spcBef>
-          <a:spcPts val="500"/>
-        </a:spcBef>
-        <a:buFont typeface="Arial" panose="020B0604020202020204" pitchFamily="34" charset="0"/>
-        <a:buChar char="•"/>
-        <a:defRPr sz="1800" kern="1200">
-          <a:solidFill>
-            <a:schemeClr val="tx1"/>
-          </a:solidFill>
-          <a:latin typeface="+mn-lt"/>
-          <a:ea typeface="+mn-ea"/>
-          <a:cs typeface="+mn-cs"/>
-        </a:defRPr>
-      </a:lvl9pPr>
-    </p:bodyStyle>
-    <p:otherStyle>
-      <a:defPPr>
-        <a:defRPr lang="he-IL"/>
-      </a:defPPr>
-      <a:lvl1pPr marL="0" algn="r" defTabSz="914400" rtl="1" eaLnBrk="1" latinLnBrk="0" hangingPunct="1">
-        <a:defRPr sz="1800" kern="1200">
-          <a:solidFill>
-            <a:schemeClr val="tx1"/>
-          </a:solidFill>
-          <a:latin typeface="+mn-lt"/>
-          <a:ea typeface="+mn-ea"/>
-          <a:cs typeface="+mn-cs"/>
-        </a:defRPr>
-      </a:lvl1pPr>
-      <a:lvl2pPr marL="457200" algn="r" defTabSz="914400" rtl="1" eaLnBrk="1" latinLnBrk="0" hangingPunct="1">
-        <a:defRPr sz="1800" kern="1200">
-          <a:solidFill>
-            <a:schemeClr val="tx1"/>
-          </a:solidFill>
-          <a:latin typeface="+mn-lt"/>
-          <a:ea typeface="+mn-ea"/>
-          <a:cs typeface="+mn-cs"/>
-        </a:defRPr>
-      </a:lvl2pPr>
-      <a:lvl3pPr marL="914400" algn="r" defTabSz="914400" rtl="1" eaLnBrk="1" latinLnBrk="0" hangingPunct="1">
-        <a:defRPr sz="1800" kern="1200">
-          <a:solidFill>
-            <a:schemeClr val="tx1"/>
-          </a:solidFill>
-          <a:latin typeface="+mn-lt"/>
-          <a:ea typeface="+mn-ea"/>
-          <a:cs typeface="+mn-cs"/>
-        </a:defRPr>
-      </a:lvl3pPr>
-      <a:lvl4pPr marL="1371600" algn="r" defTabSz="914400" rtl="1" eaLnBrk="1" latinLnBrk="0" hangingPunct="1">
-        <a:defRPr sz="1800" kern="1200">
-          <a:solidFill>
-            <a:schemeClr val="tx1"/>
-          </a:solidFill>
-          <a:latin typeface="+mn-lt"/>
-          <a:ea typeface="+mn-ea"/>
-          <a:cs typeface="+mn-cs"/>
-        </a:defRPr>
-      </a:lvl4pPr>
-      <a:lvl5pPr marL="1828800" algn="r" defTabSz="914400" rtl="1" eaLnBrk="1" latinLnBrk="0" hangingPunct="1">
-        <a:defRPr sz="1800" kern="1200">
-          <a:solidFill>
-            <a:schemeClr val="tx1"/>
-          </a:solidFill>
-          <a:latin typeface="+mn-lt"/>
-          <a:ea typeface="+mn-ea"/>
-          <a:cs typeface="+mn-cs"/>
-        </a:defRPr>
-      </a:lvl5pPr>
-      <a:lvl6pPr marL="2286000" algn="r" defTabSz="914400" rtl="1" eaLnBrk="1" latinLnBrk="0" hangingPunct="1">
-        <a:defRPr sz="1800" kern="1200">
-          <a:solidFill>
-            <a:schemeClr val="tx1"/>
-          </a:solidFill>
-          <a:latin typeface="+mn-lt"/>
-          <a:ea typeface="+mn-ea"/>
-          <a:cs typeface="+mn-cs"/>
-        </a:defRPr>
-      </a:lvl6pPr>
-      <a:lvl7pPr marL="2743200" algn="r" defTabSz="914400" rtl="1" eaLnBrk="1" latinLnBrk="0" hangingPunct="1">
-        <a:defRPr sz="1800" kern="1200">
-          <a:solidFill>
-            <a:schemeClr val="tx1"/>
-          </a:solidFill>
-          <a:latin typeface="+mn-lt"/>
-          <a:ea typeface="+mn-ea"/>
-          <a:cs typeface="+mn-cs"/>
-        </a:defRPr>
-      </a:lvl7pPr>
-      <a:lvl8pPr marL="3200400" algn="r" defTabSz="914400" rtl="1" eaLnBrk="1" latinLnBrk="0" hangingPunct="1">
-        <a:defRPr sz="1800" kern="1200">
-          <a:solidFill>
-            <a:schemeClr val="tx1"/>
-          </a:solidFill>
-          <a:latin typeface="+mn-lt"/>
-          <a:ea typeface="+mn-ea"/>
-          <a:cs typeface="+mn-cs"/>
-        </a:defRPr>
-      </a:lvl8pPr>
-      <a:lvl9pPr marL="3657600" algn="r" defTabSz="914400" rtl="1" eaLnBrk="1" latinLnBrk="0" hangingPunct="1">
+      <a:lvl9pPr marL="3657600" algn="r" defTabSz="457200" rtl="1" eaLnBrk="1" latinLnBrk="0" hangingPunct="1">
         <a:defRPr sz="1800" kern="1200">
           <a:solidFill>
             <a:schemeClr val="tx1"/>
@@ -3423,7 +5926,7 @@
         <p:spPr>
           <a:xfrm>
             <a:off x="1770611" y="5768724"/>
-            <a:ext cx="9168938" cy="1015663"/>
+            <a:ext cx="9168938" cy="707886"/>
           </a:xfrm>
           <a:prstGeom prst="rect">
             <a:avLst/>
@@ -3436,38 +5939,34 @@
           </a:bodyPr>
           <a:lstStyle/>
           <a:p>
-            <a:pPr algn="ctr"/>
+            <a:pPr algn="ctr" rtl="1"/>
+            <a:r>
+              <a:rPr lang="he-IL" sz="2000" dirty="0"/>
+              <a:t>חברי קבוצה יקרים – איתי </a:t>
+            </a:r>
+            <a:r>
+              <a:rPr lang="he-IL" sz="2000" dirty="0" err="1"/>
+              <a:t>גיליוטין</a:t>
+            </a:r>
+            <a:r>
+              <a:rPr lang="he-IL" sz="2000" dirty="0"/>
+              <a:t>, ניר דניאל, עומר </a:t>
+            </a:r>
+            <a:r>
+              <a:rPr lang="he-IL" sz="2000" dirty="0" err="1"/>
+              <a:t>פרסלר</a:t>
+            </a:r>
+            <a:r>
+              <a:rPr lang="he-IL" sz="2000" dirty="0"/>
+              <a:t>, רון מיכל, תומר הלפרין</a:t>
+            </a:r>
+          </a:p>
+          <a:p>
+            <a:pPr algn="ctr" rtl="1"/>
             <a:r>
               <a:rPr lang="he-IL" sz="2000" dirty="0"/>
               <a:t>ראש גרסה – איתי צרויה</a:t>
             </a:r>
-          </a:p>
-          <a:p>
-            <a:pPr algn="ctr"/>
-            <a:r>
-              <a:rPr lang="he-IL" sz="2000" dirty="0"/>
-              <a:t>ראש גרסה חורג – ניר דניאל</a:t>
-            </a:r>
-          </a:p>
-          <a:p>
-            <a:pPr algn="ctr"/>
-            <a:r>
-              <a:rPr lang="he-IL" sz="2000" dirty="0"/>
-              <a:t>חברי קבוצה יקרים – רון מיכל, איתי </a:t>
-            </a:r>
-            <a:r>
-              <a:rPr lang="he-IL" sz="2000" dirty="0" err="1"/>
-              <a:t>גיליוטין</a:t>
-            </a:r>
-            <a:r>
-              <a:rPr lang="he-IL" sz="2000" dirty="0"/>
-              <a:t>, תומר הלפרין, עומר </a:t>
-            </a:r>
-            <a:r>
-              <a:rPr lang="he-IL" sz="2000" dirty="0" err="1"/>
-              <a:t>פרסלר</a:t>
-            </a:r>
-            <a:endParaRPr lang="he-IL" sz="2000" dirty="0"/>
           </a:p>
         </p:txBody>
       </p:sp>
@@ -3500,7 +5999,7 @@
         </p:blipFill>
         <p:spPr bwMode="auto">
           <a:xfrm>
-            <a:off x="3294416" y="1735606"/>
+            <a:off x="3035335" y="1735606"/>
             <a:ext cx="6121329" cy="3899286"/>
           </a:xfrm>
           <a:prstGeom prst="rect">
@@ -4285,7 +6784,7 @@
             </a:pPr>
             <a:r>
               <a:rPr lang="en-US" sz="2000" dirty="0"/>
-              <a:t>Supporting additional currencies besides dollars</a:t>
+              <a:t>Supporting additional currencies and measurement units (product size in cm/inches)</a:t>
             </a:r>
           </a:p>
           <a:p>
@@ -4400,6 +6899,203 @@
           <a:chExt cx="0" cy="0"/>
         </a:xfrm>
       </p:grpSpPr>
+      <p:sp>
+        <p:nvSpPr>
+          <p:cNvPr id="2" name="מלבן 1">
+            <a:extLst>
+              <a:ext uri="{FF2B5EF4-FFF2-40B4-BE49-F238E27FC236}">
+                <a16:creationId xmlns:a16="http://schemas.microsoft.com/office/drawing/2014/main" id="{73E2257B-F6D1-94A9-FA7D-047F3ACACC7F}"/>
+              </a:ext>
+            </a:extLst>
+          </p:cNvPr>
+          <p:cNvSpPr/>
+          <p:nvPr/>
+        </p:nvSpPr>
+        <p:spPr>
+          <a:xfrm>
+            <a:off x="2119238" y="232448"/>
+            <a:ext cx="7953524" cy="923330"/>
+          </a:xfrm>
+          <a:prstGeom prst="rect">
+            <a:avLst/>
+          </a:prstGeom>
+          <a:noFill/>
+        </p:spPr>
+        <p:txBody>
+          <a:bodyPr wrap="none" lIns="91440" tIns="45720" rIns="91440" bIns="45720">
+            <a:spAutoFit/>
+          </a:bodyPr>
+          <a:lstStyle/>
+          <a:p>
+            <a:pPr algn="ctr"/>
+            <a:r>
+              <a:rPr lang="en-US" sz="5400" b="0" cap="none" spc="0" dirty="0">
+                <a:ln w="0"/>
+                <a:solidFill>
+                  <a:schemeClr val="tx1"/>
+                </a:solidFill>
+                <a:effectLst>
+                  <a:outerShdw blurRad="38100" dist="19050" dir="2700000" algn="tl" rotWithShape="0">
+                    <a:schemeClr val="dk1">
+                      <a:alpha val="40000"/>
+                    </a:schemeClr>
+                  </a:outerShdw>
+                </a:effectLst>
+              </a:rPr>
+              <a:t>Service Layer Requirements</a:t>
+            </a:r>
+            <a:endParaRPr lang="he-IL" sz="5400" b="0" cap="none" spc="0" dirty="0">
+              <a:ln w="0"/>
+              <a:solidFill>
+                <a:schemeClr val="tx1"/>
+              </a:solidFill>
+              <a:effectLst>
+                <a:outerShdw blurRad="38100" dist="19050" dir="2700000" algn="tl" rotWithShape="0">
+                  <a:schemeClr val="dk1">
+                    <a:alpha val="40000"/>
+                  </a:schemeClr>
+                </a:outerShdw>
+              </a:effectLst>
+            </a:endParaRPr>
+          </a:p>
+        </p:txBody>
+      </p:sp>
+      <p:sp>
+        <p:nvSpPr>
+          <p:cNvPr id="3" name="תיבת טקסט 2">
+            <a:extLst>
+              <a:ext uri="{FF2B5EF4-FFF2-40B4-BE49-F238E27FC236}">
+                <a16:creationId xmlns:a16="http://schemas.microsoft.com/office/drawing/2014/main" id="{77D177F9-78AF-2281-D802-9334B15BAA9C}"/>
+              </a:ext>
+            </a:extLst>
+          </p:cNvPr>
+          <p:cNvSpPr txBox="1"/>
+          <p:nvPr/>
+        </p:nvSpPr>
+        <p:spPr>
+          <a:xfrm>
+            <a:off x="914399" y="1438102"/>
+            <a:ext cx="10482350" cy="1938992"/>
+          </a:xfrm>
+          <a:prstGeom prst="rect">
+            <a:avLst/>
+          </a:prstGeom>
+          <a:noFill/>
+        </p:spPr>
+        <p:txBody>
+          <a:bodyPr wrap="square" rtlCol="1">
+            <a:spAutoFit/>
+          </a:bodyPr>
+          <a:lstStyle/>
+          <a:p>
+            <a:pPr marL="285750" indent="-285750" algn="l" rtl="0">
+              <a:buFont typeface="Arial" panose="020B0604020202020204" pitchFamily="34" charset="0"/>
+              <a:buChar char="•"/>
+            </a:pPr>
+            <a:r>
+              <a:rPr lang="en-US" sz="2000" dirty="0"/>
+              <a:t>User Experience (SLR 4)</a:t>
+            </a:r>
+          </a:p>
+          <a:p>
+            <a:pPr marL="742950" lvl="1" indent="-285750" algn="l" rtl="0">
+              <a:buFont typeface="Arial" panose="020B0604020202020204" pitchFamily="34" charset="0"/>
+              <a:buChar char="•"/>
+            </a:pPr>
+            <a:r>
+              <a:rPr lang="en-US" sz="2000" dirty="0"/>
+              <a:t>Currently: Response time, Feedback, Comfortable and Personalized User Interface</a:t>
+            </a:r>
+          </a:p>
+          <a:p>
+            <a:pPr marL="742950" lvl="1" indent="-285750" algn="l" rtl="0">
+              <a:buFont typeface="Arial" panose="020B0604020202020204" pitchFamily="34" charset="0"/>
+              <a:buChar char="•"/>
+            </a:pPr>
+            <a:r>
+              <a:rPr lang="en-US" sz="2000" dirty="0"/>
+              <a:t>In the future:</a:t>
+            </a:r>
+          </a:p>
+          <a:p>
+            <a:pPr marL="1200150" lvl="2" indent="-285750" algn="l" rtl="0">
+              <a:buFont typeface="Arial" panose="020B0604020202020204" pitchFamily="34" charset="0"/>
+              <a:buChar char="•"/>
+            </a:pPr>
+            <a:r>
+              <a:rPr lang="en-US" sz="2000" dirty="0"/>
+              <a:t>Globalization – UI contains familiar language and formats</a:t>
+            </a:r>
+          </a:p>
+          <a:p>
+            <a:pPr marL="1200150" lvl="2" indent="-285750" algn="l" rtl="0">
+              <a:buFont typeface="Arial" panose="020B0604020202020204" pitchFamily="34" charset="0"/>
+              <a:buChar char="•"/>
+            </a:pPr>
+            <a:r>
+              <a:rPr lang="en-US" sz="2000" dirty="0"/>
+              <a:t>Localization – UI contains familiar, culture-customized content</a:t>
+            </a:r>
+          </a:p>
+          <a:p>
+            <a:pPr marL="742950" lvl="1" indent="-285750">
+              <a:buFont typeface="Arial" panose="020B0604020202020204" pitchFamily="34" charset="0"/>
+              <a:buChar char="•"/>
+            </a:pPr>
+            <a:r>
+              <a:rPr lang="en-US" sz="2000" dirty="0"/>
+              <a:t>Result – a better user experience!</a:t>
+            </a:r>
+          </a:p>
+        </p:txBody>
+      </p:sp>
+      <p:pic>
+        <p:nvPicPr>
+          <p:cNvPr id="1028" name="Picture 4" descr="7 Ways to Measure Your Website's UX">
+            <a:extLst>
+              <a:ext uri="{FF2B5EF4-FFF2-40B4-BE49-F238E27FC236}">
+                <a16:creationId xmlns:a16="http://schemas.microsoft.com/office/drawing/2014/main" id="{B5E3659B-83DF-073A-AAA6-4862C75A0B3B}"/>
+              </a:ext>
+            </a:extLst>
+          </p:cNvPr>
+          <p:cNvPicPr>
+            <a:picLocks noChangeAspect="1" noChangeArrowheads="1"/>
+          </p:cNvPicPr>
+          <p:nvPr/>
+        </p:nvPicPr>
+        <p:blipFill>
+          <a:blip r:embed="rId2">
+            <a:extLst>
+              <a:ext uri="{28A0092B-C50C-407E-A947-70E740481C1C}">
+                <a14:useLocalDpi xmlns:a14="http://schemas.microsoft.com/office/drawing/2010/main" val="0"/>
+              </a:ext>
+            </a:extLst>
+          </a:blip>
+          <a:srcRect/>
+          <a:stretch>
+            <a:fillRect/>
+          </a:stretch>
+        </p:blipFill>
+        <p:spPr bwMode="auto">
+          <a:xfrm>
+            <a:off x="3482859" y="3480907"/>
+            <a:ext cx="5226281" cy="3135769"/>
+          </a:xfrm>
+          <a:prstGeom prst="rect">
+            <a:avLst/>
+          </a:prstGeom>
+          <a:noFill/>
+          <a:extLst>
+            <a:ext uri="{909E8E84-426E-40DD-AFC4-6F175D3DCCD1}">
+              <a14:hiddenFill xmlns:a14="http://schemas.microsoft.com/office/drawing/2010/main">
+                <a:solidFill>
+                  <a:srgbClr val="FFFFFF"/>
+                </a:solidFill>
+              </a14:hiddenFill>
+            </a:ext>
+          </a:extLst>
+        </p:spPr>
+      </p:pic>
     </p:spTree>
     <p:extLst>
       <p:ext uri="{BB962C8B-B14F-4D97-AF65-F5344CB8AC3E}">
@@ -4413,10 +7109,454 @@
 </p:sld>
 </file>
 
+<file path=ppt/slides/slide7.xml><?xml version="1.0" encoding="utf-8"?>
+<p:sld xmlns:a="http://schemas.openxmlformats.org/drawingml/2006/main" xmlns:r="http://schemas.openxmlformats.org/officeDocument/2006/relationships" xmlns:p="http://schemas.openxmlformats.org/presentationml/2006/main">
+  <p:cSld>
+    <p:spTree>
+      <p:nvGrpSpPr>
+        <p:cNvPr id="1" name=""/>
+        <p:cNvGrpSpPr/>
+        <p:nvPr/>
+      </p:nvGrpSpPr>
+      <p:grpSpPr>
+        <a:xfrm>
+          <a:off x="0" y="0"/>
+          <a:ext cx="0" cy="0"/>
+          <a:chOff x="0" y="0"/>
+          <a:chExt cx="0" cy="0"/>
+        </a:xfrm>
+      </p:grpSpPr>
+      <p:sp>
+        <p:nvSpPr>
+          <p:cNvPr id="4" name="מלבן 3">
+            <a:extLst>
+              <a:ext uri="{FF2B5EF4-FFF2-40B4-BE49-F238E27FC236}">
+                <a16:creationId xmlns:a16="http://schemas.microsoft.com/office/drawing/2014/main" id="{8B45139A-244C-A4DA-BF41-171BD3A66B06}"/>
+              </a:ext>
+            </a:extLst>
+          </p:cNvPr>
+          <p:cNvSpPr/>
+          <p:nvPr/>
+        </p:nvSpPr>
+        <p:spPr>
+          <a:xfrm>
+            <a:off x="2932537" y="199196"/>
+            <a:ext cx="6326925" cy="923330"/>
+          </a:xfrm>
+          <a:prstGeom prst="rect">
+            <a:avLst/>
+          </a:prstGeom>
+          <a:noFill/>
+        </p:spPr>
+        <p:txBody>
+          <a:bodyPr wrap="none" lIns="91440" tIns="45720" rIns="91440" bIns="45720">
+            <a:spAutoFit/>
+          </a:bodyPr>
+          <a:lstStyle/>
+          <a:p>
+            <a:pPr algn="ctr"/>
+            <a:r>
+              <a:rPr lang="en-US" sz="5400" b="0" cap="none" spc="0" dirty="0">
+                <a:ln w="0"/>
+                <a:solidFill>
+                  <a:schemeClr val="tx1"/>
+                </a:solidFill>
+                <a:effectLst>
+                  <a:outerShdw blurRad="38100" dist="19050" dir="2700000" algn="tl" rotWithShape="0">
+                    <a:schemeClr val="dk1">
+                      <a:alpha val="40000"/>
+                    </a:schemeClr>
+                  </a:outerShdw>
+                </a:effectLst>
+              </a:rPr>
+              <a:t>Available Frameworks</a:t>
+            </a:r>
+            <a:endParaRPr lang="he-IL" sz="5400" b="0" cap="none" spc="0" dirty="0">
+              <a:ln w="0"/>
+              <a:solidFill>
+                <a:schemeClr val="tx1"/>
+              </a:solidFill>
+              <a:effectLst>
+                <a:outerShdw blurRad="38100" dist="19050" dir="2700000" algn="tl" rotWithShape="0">
+                  <a:schemeClr val="dk1">
+                    <a:alpha val="40000"/>
+                  </a:schemeClr>
+                </a:outerShdw>
+              </a:effectLst>
+            </a:endParaRPr>
+          </a:p>
+        </p:txBody>
+      </p:sp>
+      <p:sp>
+        <p:nvSpPr>
+          <p:cNvPr id="5" name="תיבת טקסט 4">
+            <a:extLst>
+              <a:ext uri="{FF2B5EF4-FFF2-40B4-BE49-F238E27FC236}">
+                <a16:creationId xmlns:a16="http://schemas.microsoft.com/office/drawing/2014/main" id="{0046771D-5679-9DAF-EF66-5BCA0788F402}"/>
+              </a:ext>
+            </a:extLst>
+          </p:cNvPr>
+          <p:cNvSpPr txBox="1"/>
+          <p:nvPr/>
+        </p:nvSpPr>
+        <p:spPr>
+          <a:xfrm>
+            <a:off x="854824" y="1159933"/>
+            <a:ext cx="10482350" cy="707886"/>
+          </a:xfrm>
+          <a:prstGeom prst="rect">
+            <a:avLst/>
+          </a:prstGeom>
+          <a:noFill/>
+        </p:spPr>
+        <p:txBody>
+          <a:bodyPr wrap="square" rtlCol="1">
+            <a:spAutoFit/>
+          </a:bodyPr>
+          <a:lstStyle/>
+          <a:p>
+            <a:pPr marL="285750" indent="-285750" algn="l" rtl="0">
+              <a:buFont typeface="Arial" panose="020B0604020202020204" pitchFamily="34" charset="0"/>
+              <a:buChar char="•"/>
+            </a:pPr>
+            <a:r>
+              <a:rPr lang="en-US" sz="2000" dirty="0"/>
+              <a:t>.NET contains the module </a:t>
+            </a:r>
+            <a:r>
+              <a:rPr lang="en-US" sz="2000" dirty="0" err="1"/>
+              <a:t>System.Globalization</a:t>
+            </a:r>
+            <a:endParaRPr lang="en-US" sz="2000" dirty="0"/>
+          </a:p>
+          <a:p>
+            <a:pPr marL="285750" indent="-285750" algn="l" rtl="0">
+              <a:buFont typeface="Arial" panose="020B0604020202020204" pitchFamily="34" charset="0"/>
+              <a:buChar char="•"/>
+            </a:pPr>
+            <a:r>
+              <a:rPr lang="en-US" sz="2000" dirty="0"/>
+              <a:t>Some relevant classes (taken from </a:t>
+            </a:r>
+            <a:r>
+              <a:rPr lang="en-US" sz="2000" dirty="0" err="1"/>
+              <a:t>System.Globalization</a:t>
+            </a:r>
+            <a:r>
+              <a:rPr lang="en-US" sz="2000" dirty="0"/>
+              <a:t> API):</a:t>
+            </a:r>
+          </a:p>
+        </p:txBody>
+      </p:sp>
+      <p:pic>
+        <p:nvPicPr>
+          <p:cNvPr id="7" name="תמונה 6">
+            <a:extLst>
+              <a:ext uri="{FF2B5EF4-FFF2-40B4-BE49-F238E27FC236}">
+                <a16:creationId xmlns:a16="http://schemas.microsoft.com/office/drawing/2014/main" id="{A31EA359-79F9-51F6-4C90-2D0AE6D6E84A}"/>
+              </a:ext>
+            </a:extLst>
+          </p:cNvPr>
+          <p:cNvPicPr>
+            <a:picLocks noChangeAspect="1"/>
+          </p:cNvPicPr>
+          <p:nvPr/>
+        </p:nvPicPr>
+        <p:blipFill rotWithShape="1">
+          <a:blip r:embed="rId2"/>
+          <a:srcRect b="29378"/>
+          <a:stretch/>
+        </p:blipFill>
+        <p:spPr>
+          <a:xfrm>
+            <a:off x="854824" y="1980708"/>
+            <a:ext cx="5934903" cy="1722290"/>
+          </a:xfrm>
+          <a:prstGeom prst="rect">
+            <a:avLst/>
+          </a:prstGeom>
+        </p:spPr>
+      </p:pic>
+      <p:pic>
+        <p:nvPicPr>
+          <p:cNvPr id="9" name="תמונה 8">
+            <a:extLst>
+              <a:ext uri="{FF2B5EF4-FFF2-40B4-BE49-F238E27FC236}">
+                <a16:creationId xmlns:a16="http://schemas.microsoft.com/office/drawing/2014/main" id="{E7119A30-2C9E-AAA2-308F-BF78218154E0}"/>
+              </a:ext>
+            </a:extLst>
+          </p:cNvPr>
+          <p:cNvPicPr>
+            <a:picLocks noChangeAspect="1"/>
+          </p:cNvPicPr>
+          <p:nvPr/>
+        </p:nvPicPr>
+        <p:blipFill rotWithShape="1">
+          <a:blip r:embed="rId3"/>
+          <a:srcRect r="19439"/>
+          <a:stretch/>
+        </p:blipFill>
+        <p:spPr>
+          <a:xfrm>
+            <a:off x="7031180" y="3058076"/>
+            <a:ext cx="4781205" cy="447737"/>
+          </a:xfrm>
+          <a:prstGeom prst="rect">
+            <a:avLst/>
+          </a:prstGeom>
+        </p:spPr>
+      </p:pic>
+      <p:pic>
+        <p:nvPicPr>
+          <p:cNvPr id="11" name="תמונה 10">
+            <a:extLst>
+              <a:ext uri="{FF2B5EF4-FFF2-40B4-BE49-F238E27FC236}">
+                <a16:creationId xmlns:a16="http://schemas.microsoft.com/office/drawing/2014/main" id="{297EDB4D-1897-FA0C-DB77-46A317127AB0}"/>
+              </a:ext>
+            </a:extLst>
+          </p:cNvPr>
+          <p:cNvPicPr>
+            <a:picLocks noChangeAspect="1"/>
+          </p:cNvPicPr>
+          <p:nvPr/>
+        </p:nvPicPr>
+        <p:blipFill rotWithShape="1">
+          <a:blip r:embed="rId4"/>
+          <a:srcRect r="388"/>
+          <a:stretch/>
+        </p:blipFill>
+        <p:spPr>
+          <a:xfrm>
+            <a:off x="858853" y="3695766"/>
+            <a:ext cx="5930874" cy="409632"/>
+          </a:xfrm>
+          <a:prstGeom prst="rect">
+            <a:avLst/>
+          </a:prstGeom>
+        </p:spPr>
+      </p:pic>
+      <p:pic>
+        <p:nvPicPr>
+          <p:cNvPr id="13" name="תמונה 12">
+            <a:extLst>
+              <a:ext uri="{FF2B5EF4-FFF2-40B4-BE49-F238E27FC236}">
+                <a16:creationId xmlns:a16="http://schemas.microsoft.com/office/drawing/2014/main" id="{BCB8EA68-D0FF-C0DD-DE5F-6871F6988810}"/>
+              </a:ext>
+            </a:extLst>
+          </p:cNvPr>
+          <p:cNvPicPr>
+            <a:picLocks noChangeAspect="1"/>
+          </p:cNvPicPr>
+          <p:nvPr/>
+        </p:nvPicPr>
+        <p:blipFill rotWithShape="1">
+          <a:blip r:embed="rId5"/>
+          <a:srcRect r="800"/>
+          <a:stretch/>
+        </p:blipFill>
+        <p:spPr>
+          <a:xfrm>
+            <a:off x="854824" y="4249518"/>
+            <a:ext cx="5906323" cy="952633"/>
+          </a:xfrm>
+          <a:prstGeom prst="rect">
+            <a:avLst/>
+          </a:prstGeom>
+        </p:spPr>
+      </p:pic>
+      <p:pic>
+        <p:nvPicPr>
+          <p:cNvPr id="15" name="תמונה 14">
+            <a:extLst>
+              <a:ext uri="{FF2B5EF4-FFF2-40B4-BE49-F238E27FC236}">
+                <a16:creationId xmlns:a16="http://schemas.microsoft.com/office/drawing/2014/main" id="{28B09466-E285-60B6-43C5-D55C13000BDE}"/>
+              </a:ext>
+            </a:extLst>
+          </p:cNvPr>
+          <p:cNvPicPr>
+            <a:picLocks noChangeAspect="1"/>
+          </p:cNvPicPr>
+          <p:nvPr/>
+        </p:nvPicPr>
+        <p:blipFill>
+          <a:blip r:embed="rId6"/>
+          <a:stretch>
+            <a:fillRect/>
+          </a:stretch>
+        </p:blipFill>
+        <p:spPr>
+          <a:xfrm>
+            <a:off x="854823" y="5192760"/>
+            <a:ext cx="5906324" cy="676369"/>
+          </a:xfrm>
+          <a:prstGeom prst="rect">
+            <a:avLst/>
+          </a:prstGeom>
+        </p:spPr>
+      </p:pic>
+      <p:pic>
+        <p:nvPicPr>
+          <p:cNvPr id="17" name="תמונה 16">
+            <a:extLst>
+              <a:ext uri="{FF2B5EF4-FFF2-40B4-BE49-F238E27FC236}">
+                <a16:creationId xmlns:a16="http://schemas.microsoft.com/office/drawing/2014/main" id="{6A1B471D-D478-2A2E-B8FA-673F7DD770F7}"/>
+              </a:ext>
+            </a:extLst>
+          </p:cNvPr>
+          <p:cNvPicPr>
+            <a:picLocks noChangeAspect="1"/>
+          </p:cNvPicPr>
+          <p:nvPr/>
+        </p:nvPicPr>
+        <p:blipFill rotWithShape="1">
+          <a:blip r:embed="rId7"/>
+          <a:srcRect t="14401" r="19310" b="3300"/>
+          <a:stretch/>
+        </p:blipFill>
+        <p:spPr>
+          <a:xfrm>
+            <a:off x="7031179" y="3501446"/>
+            <a:ext cx="4781205" cy="392001"/>
+          </a:xfrm>
+          <a:prstGeom prst="rect">
+            <a:avLst/>
+          </a:prstGeom>
+        </p:spPr>
+      </p:pic>
+      <p:pic>
+        <p:nvPicPr>
+          <p:cNvPr id="19" name="תמונה 18">
+            <a:extLst>
+              <a:ext uri="{FF2B5EF4-FFF2-40B4-BE49-F238E27FC236}">
+                <a16:creationId xmlns:a16="http://schemas.microsoft.com/office/drawing/2014/main" id="{88EAC9E7-BD25-F3F2-8C19-CD6589419E6E}"/>
+              </a:ext>
+            </a:extLst>
+          </p:cNvPr>
+          <p:cNvPicPr>
+            <a:picLocks noChangeAspect="1"/>
+          </p:cNvPicPr>
+          <p:nvPr/>
+        </p:nvPicPr>
+        <p:blipFill rotWithShape="1">
+          <a:blip r:embed="rId8"/>
+          <a:srcRect r="19439"/>
+          <a:stretch/>
+        </p:blipFill>
+        <p:spPr>
+          <a:xfrm>
+            <a:off x="7031178" y="3870027"/>
+            <a:ext cx="4781205" cy="466790"/>
+          </a:xfrm>
+          <a:prstGeom prst="rect">
+            <a:avLst/>
+          </a:prstGeom>
+        </p:spPr>
+      </p:pic>
+      <p:pic>
+        <p:nvPicPr>
+          <p:cNvPr id="21" name="תמונה 20">
+            <a:extLst>
+              <a:ext uri="{FF2B5EF4-FFF2-40B4-BE49-F238E27FC236}">
+                <a16:creationId xmlns:a16="http://schemas.microsoft.com/office/drawing/2014/main" id="{529087D1-3938-17ED-D898-782AD3E4B738}"/>
+              </a:ext>
+            </a:extLst>
+          </p:cNvPr>
+          <p:cNvPicPr>
+            <a:picLocks noChangeAspect="1"/>
+          </p:cNvPicPr>
+          <p:nvPr/>
+        </p:nvPicPr>
+        <p:blipFill rotWithShape="1">
+          <a:blip r:embed="rId9"/>
+          <a:srcRect r="482"/>
+          <a:stretch/>
+        </p:blipFill>
+        <p:spPr>
+          <a:xfrm>
+            <a:off x="854823" y="5869129"/>
+            <a:ext cx="5906323" cy="685896"/>
+          </a:xfrm>
+          <a:prstGeom prst="rect">
+            <a:avLst/>
+          </a:prstGeom>
+        </p:spPr>
+      </p:pic>
+      <p:pic>
+        <p:nvPicPr>
+          <p:cNvPr id="23" name="תמונה 22">
+            <a:extLst>
+              <a:ext uri="{FF2B5EF4-FFF2-40B4-BE49-F238E27FC236}">
+                <a16:creationId xmlns:a16="http://schemas.microsoft.com/office/drawing/2014/main" id="{F5544DCE-6327-D970-041C-1A3BBA313AC5}"/>
+              </a:ext>
+            </a:extLst>
+          </p:cNvPr>
+          <p:cNvPicPr>
+            <a:picLocks noChangeAspect="1"/>
+          </p:cNvPicPr>
+          <p:nvPr/>
+        </p:nvPicPr>
+        <p:blipFill rotWithShape="1">
+          <a:blip r:embed="rId10"/>
+          <a:srcRect r="19697"/>
+          <a:stretch/>
+        </p:blipFill>
+        <p:spPr>
+          <a:xfrm>
+            <a:off x="7031177" y="4336817"/>
+            <a:ext cx="4781205" cy="447737"/>
+          </a:xfrm>
+          <a:prstGeom prst="rect">
+            <a:avLst/>
+          </a:prstGeom>
+        </p:spPr>
+      </p:pic>
+      <p:pic>
+        <p:nvPicPr>
+          <p:cNvPr id="25" name="תמונה 24">
+            <a:extLst>
+              <a:ext uri="{FF2B5EF4-FFF2-40B4-BE49-F238E27FC236}">
+                <a16:creationId xmlns:a16="http://schemas.microsoft.com/office/drawing/2014/main" id="{47CE35B0-7B9F-0DEC-E37D-B9C6CA4634DD}"/>
+              </a:ext>
+            </a:extLst>
+          </p:cNvPr>
+          <p:cNvPicPr>
+            <a:picLocks noChangeAspect="1"/>
+          </p:cNvPicPr>
+          <p:nvPr/>
+        </p:nvPicPr>
+        <p:blipFill rotWithShape="1">
+          <a:blip r:embed="rId11"/>
+          <a:srcRect r="19210" b="-25411"/>
+          <a:stretch/>
+        </p:blipFill>
+        <p:spPr>
+          <a:xfrm>
+            <a:off x="7050230" y="4780187"/>
+            <a:ext cx="4771679" cy="525671"/>
+          </a:xfrm>
+          <a:prstGeom prst="rect">
+            <a:avLst/>
+          </a:prstGeom>
+        </p:spPr>
+      </p:pic>
+    </p:spTree>
+    <p:extLst>
+      <p:ext uri="{BB962C8B-B14F-4D97-AF65-F5344CB8AC3E}">
+        <p14:creationId xmlns:p14="http://schemas.microsoft.com/office/powerpoint/2010/main" val="3823930974"/>
+      </p:ext>
+    </p:extLst>
+  </p:cSld>
+  <p:clrMapOvr>
+    <a:masterClrMapping/>
+  </p:clrMapOvr>
+</p:sld>
+</file>
+
 <file path=ppt/theme/theme1.xml><?xml version="1.0" encoding="utf-8"?>
-<a:theme xmlns:a="http://schemas.openxmlformats.org/drawingml/2006/main" name="ערכת נושא Office">
+<a:theme xmlns:a="http://schemas.openxmlformats.org/drawingml/2006/main" name="שמימי">
   <a:themeElements>
-    <a:clrScheme name="Office">
+    <a:clrScheme name="שמימי">
       <a:dk1>
         <a:sysClr val="windowText" lastClr="000000"/>
       </a:dk1>
@@ -4424,44 +7564,44 @@
         <a:sysClr val="window" lastClr="FFFFFF"/>
       </a:lt1>
       <a:dk2>
-        <a:srgbClr val="44546A"/>
+        <a:srgbClr val="18276C"/>
       </a:dk2>
       <a:lt2>
-        <a:srgbClr val="E7E6E6"/>
+        <a:srgbClr val="EBEBEB"/>
       </a:lt2>
       <a:accent1>
-        <a:srgbClr val="4472C4"/>
+        <a:srgbClr val="AC3EC1"/>
       </a:accent1>
       <a:accent2>
-        <a:srgbClr val="ED7D31"/>
+        <a:srgbClr val="477BD1"/>
       </a:accent2>
       <a:accent3>
-        <a:srgbClr val="A5A5A5"/>
+        <a:srgbClr val="46B298"/>
       </a:accent3>
       <a:accent4>
-        <a:srgbClr val="FFC000"/>
+        <a:srgbClr val="90BA4C"/>
       </a:accent4>
       <a:accent5>
-        <a:srgbClr val="5B9BD5"/>
+        <a:srgbClr val="DD9D31"/>
       </a:accent5>
       <a:accent6>
-        <a:srgbClr val="70AD47"/>
+        <a:srgbClr val="E25247"/>
       </a:accent6>
       <a:hlink>
-        <a:srgbClr val="0563C1"/>
+        <a:srgbClr val="C573D2"/>
       </a:hlink>
       <a:folHlink>
-        <a:srgbClr val="954F72"/>
+        <a:srgbClr val="CCAEE8"/>
       </a:folHlink>
     </a:clrScheme>
-    <a:fontScheme name="Office">
+    <a:fontScheme name="שמימי">
       <a:majorFont>
         <a:latin typeface="Calibri Light" panose="020F0302020204030204"/>
         <a:ea typeface=""/>
         <a:cs typeface=""/>
-        <a:font script="Jpan" typeface="游ゴシック Light"/>
+        <a:font script="Jpan" typeface="ＭＳ Ｐゴシック"/>
         <a:font script="Hang" typeface="맑은 고딕"/>
-        <a:font script="Hans" typeface="等线 Light"/>
+        <a:font script="Hans" typeface="宋体"/>
         <a:font script="Hant" typeface="新細明體"/>
         <a:font script="Arab" typeface="Times New Roman"/>
         <a:font script="Hebr" typeface="Times New Roman"/>
@@ -4489,31 +7629,14 @@
         <a:font script="Viet" typeface="Times New Roman"/>
         <a:font script="Uigh" typeface="Microsoft Uighur"/>
         <a:font script="Geor" typeface="Sylfaen"/>
-        <a:font script="Armn" typeface="Arial"/>
-        <a:font script="Bugi" typeface="Leelawadee UI"/>
-        <a:font script="Bopo" typeface="Microsoft JhengHei"/>
-        <a:font script="Java" typeface="Javanese Text"/>
-        <a:font script="Lisu" typeface="Segoe UI"/>
-        <a:font script="Mymr" typeface="Myanmar Text"/>
-        <a:font script="Nkoo" typeface="Ebrima"/>
-        <a:font script="Olck" typeface="Nirmala UI"/>
-        <a:font script="Osma" typeface="Ebrima"/>
-        <a:font script="Phag" typeface="Phagspa"/>
-        <a:font script="Syrn" typeface="Estrangelo Edessa"/>
-        <a:font script="Syrj" typeface="Estrangelo Edessa"/>
-        <a:font script="Syre" typeface="Estrangelo Edessa"/>
-        <a:font script="Sora" typeface="Nirmala UI"/>
-        <a:font script="Tale" typeface="Microsoft Tai Le"/>
-        <a:font script="Talu" typeface="Microsoft New Tai Lue"/>
-        <a:font script="Tfng" typeface="Ebrima"/>
       </a:majorFont>
       <a:minorFont>
         <a:latin typeface="Calibri" panose="020F0502020204030204"/>
         <a:ea typeface=""/>
         <a:cs typeface=""/>
-        <a:font script="Jpan" typeface="游ゴシック"/>
+        <a:font script="Jpan" typeface="ＭＳ Ｐゴシック"/>
         <a:font script="Hang" typeface="맑은 고딕"/>
-        <a:font script="Hans" typeface="等线"/>
+        <a:font script="Hans" typeface="宋体"/>
         <a:font script="Hant" typeface="新細明體"/>
         <a:font script="Arab" typeface="Arial"/>
         <a:font script="Hebr" typeface="Arial"/>
@@ -4541,26 +7664,9 @@
         <a:font script="Viet" typeface="Arial"/>
         <a:font script="Uigh" typeface="Microsoft Uighur"/>
         <a:font script="Geor" typeface="Sylfaen"/>
-        <a:font script="Armn" typeface="Arial"/>
-        <a:font script="Bugi" typeface="Leelawadee UI"/>
-        <a:font script="Bopo" typeface="Microsoft JhengHei"/>
-        <a:font script="Java" typeface="Javanese Text"/>
-        <a:font script="Lisu" typeface="Segoe UI"/>
-        <a:font script="Mymr" typeface="Myanmar Text"/>
-        <a:font script="Nkoo" typeface="Ebrima"/>
-        <a:font script="Olck" typeface="Nirmala UI"/>
-        <a:font script="Osma" typeface="Ebrima"/>
-        <a:font script="Phag" typeface="Phagspa"/>
-        <a:font script="Syrn" typeface="Estrangelo Edessa"/>
-        <a:font script="Syrj" typeface="Estrangelo Edessa"/>
-        <a:font script="Syre" typeface="Estrangelo Edessa"/>
-        <a:font script="Sora" typeface="Nirmala UI"/>
-        <a:font script="Tale" typeface="Microsoft Tai Le"/>
-        <a:font script="Talu" typeface="Microsoft New Tai Lue"/>
-        <a:font script="Tfng" typeface="Ebrima"/>
       </a:minorFont>
     </a:fontScheme>
-    <a:fmtScheme name="Office">
+    <a:fmtScheme name="שמימי">
       <a:fillStyleLst>
         <a:solidFill>
           <a:schemeClr val="phClr"/>
@@ -4569,23 +7675,14 @@
           <a:gsLst>
             <a:gs pos="0">
               <a:schemeClr val="phClr">
+                <a:tint val="70000"/>
                 <a:lumMod val="110000"/>
-                <a:satMod val="105000"/>
-                <a:tint val="67000"/>
-              </a:schemeClr>
-            </a:gs>
-            <a:gs pos="50000">
-              <a:schemeClr val="phClr">
-                <a:lumMod val="105000"/>
-                <a:satMod val="103000"/>
-                <a:tint val="73000"/>
               </a:schemeClr>
             </a:gs>
             <a:gs pos="100000">
               <a:schemeClr val="phClr">
-                <a:lumMod val="105000"/>
-                <a:satMod val="109000"/>
-                <a:tint val="81000"/>
+                <a:tint val="82000"/>
+                <a:alpha val="74000"/>
               </a:schemeClr>
             </a:gs>
           </a:gsLst>
@@ -4595,50 +7692,38 @@
           <a:gsLst>
             <a:gs pos="0">
               <a:schemeClr val="phClr">
-                <a:satMod val="103000"/>
-                <a:lumMod val="102000"/>
-                <a:tint val="94000"/>
-              </a:schemeClr>
-            </a:gs>
-            <a:gs pos="50000">
-              <a:schemeClr val="phClr">
-                <a:satMod val="110000"/>
+                <a:tint val="98000"/>
                 <a:lumMod val="100000"/>
-                <a:shade val="100000"/>
               </a:schemeClr>
             </a:gs>
             <a:gs pos="100000">
               <a:schemeClr val="phClr">
-                <a:lumMod val="99000"/>
-                <a:satMod val="120000"/>
-                <a:shade val="78000"/>
+                <a:shade val="88000"/>
+                <a:lumMod val="88000"/>
               </a:schemeClr>
             </a:gs>
           </a:gsLst>
-          <a:lin ang="5400000" scaled="0"/>
+          <a:lin ang="5400000" scaled="1"/>
         </a:gradFill>
       </a:fillStyleLst>
       <a:lnStyleLst>
-        <a:ln w="6350" cap="flat" cmpd="sng" algn="ctr">
+        <a:ln w="9525" cap="rnd" cmpd="sng" algn="ctr">
           <a:solidFill>
             <a:schemeClr val="phClr"/>
           </a:solidFill>
           <a:prstDash val="solid"/>
-          <a:miter lim="800000"/>
         </a:ln>
-        <a:ln w="12700" cap="flat" cmpd="sng" algn="ctr">
+        <a:ln w="19050" cap="rnd" cmpd="sng" algn="ctr">
           <a:solidFill>
             <a:schemeClr val="phClr"/>
           </a:solidFill>
           <a:prstDash val="solid"/>
-          <a:miter lim="800000"/>
         </a:ln>
-        <a:ln w="19050" cap="flat" cmpd="sng" algn="ctr">
+        <a:ln w="25400" cap="rnd" cmpd="sng" algn="ctr">
           <a:solidFill>
             <a:schemeClr val="phClr"/>
           </a:solidFill>
           <a:prstDash val="solid"/>
-          <a:miter lim="800000"/>
         </a:ln>
       </a:lnStyleLst>
       <a:effectStyleLst>
@@ -4646,55 +7731,64 @@
           <a:effectLst/>
         </a:effectStyle>
         <a:effectStyle>
-          <a:effectLst/>
+          <a:effectLst>
+            <a:outerShdw blurRad="50800" dist="38100" dir="5400000" rotWithShape="0">
+              <a:srgbClr val="000000">
+                <a:alpha val="35000"/>
+              </a:srgbClr>
+            </a:outerShdw>
+          </a:effectLst>
         </a:effectStyle>
         <a:effectStyle>
           <a:effectLst>
-            <a:outerShdw blurRad="57150" dist="19050" dir="5400000" algn="ctr" rotWithShape="0">
+            <a:outerShdw blurRad="63500" dist="38100" dir="5400000" rotWithShape="0">
               <a:srgbClr val="000000">
-                <a:alpha val="63000"/>
+                <a:alpha val="65000"/>
               </a:srgbClr>
             </a:outerShdw>
           </a:effectLst>
+          <a:scene3d>
+            <a:camera prst="orthographicFront">
+              <a:rot lat="0" lon="0" rev="0"/>
+            </a:camera>
+            <a:lightRig rig="threePt" dir="tl">
+              <a:rot lat="0" lon="0" rev="1200000"/>
+            </a:lightRig>
+          </a:scene3d>
+          <a:sp3d>
+            <a:bevelT w="38100" h="12700"/>
+          </a:sp3d>
         </a:effectStyle>
       </a:effectStyleLst>
       <a:bgFillStyleLst>
         <a:solidFill>
           <a:schemeClr val="phClr"/>
         </a:solidFill>
-        <a:solidFill>
-          <a:schemeClr val="phClr">
-            <a:tint val="95000"/>
-            <a:satMod val="170000"/>
-          </a:schemeClr>
-        </a:solidFill>
         <a:gradFill rotWithShape="1">
           <a:gsLst>
             <a:gs pos="0">
               <a:schemeClr val="phClr">
-                <a:tint val="93000"/>
-                <a:satMod val="150000"/>
-                <a:shade val="98000"/>
-                <a:lumMod val="102000"/>
-              </a:schemeClr>
-            </a:gs>
-            <a:gs pos="50000">
-              <a:schemeClr val="phClr">
-                <a:tint val="98000"/>
-                <a:satMod val="130000"/>
-                <a:shade val="90000"/>
-                <a:lumMod val="103000"/>
+                <a:tint val="90000"/>
+                <a:shade val="96000"/>
+                <a:hueMod val="100000"/>
+                <a:satMod val="180000"/>
+                <a:lumMod val="110000"/>
               </a:schemeClr>
             </a:gs>
             <a:gs pos="100000">
               <a:schemeClr val="phClr">
-                <a:shade val="63000"/>
-                <a:satMod val="120000"/>
+                <a:shade val="96000"/>
+                <a:satMod val="160000"/>
+                <a:lumMod val="100000"/>
               </a:schemeClr>
             </a:gs>
           </a:gsLst>
-          <a:lin ang="5400000" scaled="0"/>
+          <a:lin ang="4740000" scaled="1"/>
         </a:gradFill>
+        <a:blipFill>
+          <a:blip xmlns:r="http://schemas.openxmlformats.org/officeDocument/2006/relationships" r:embed="rId1"/>
+          <a:stretch/>
+        </a:blipFill>
       </a:bgFillStyleLst>
     </a:fmtScheme>
   </a:themeElements>
@@ -4702,7 +7796,7 @@
   <a:extraClrSchemeLst/>
   <a:extLst>
     <a:ext uri="{05A4C25C-085E-4340-85A3-A5531E510DB2}">
-      <thm15:themeFamily xmlns:thm15="http://schemas.microsoft.com/office/thememl/2012/main" name="Office Theme" id="{62F939B6-93AF-4DB8-9C6B-D6C7DFDC589F}" vid="{4A3C46E8-61CC-4603-A589-7422A47A8E4A}"/>
+      <thm15:themeFamily xmlns:thm15="http://schemas.microsoft.com/office/thememl/2012/main" name="Celestial" id="{C4BB2A3D-0E93-4C5F-B0D2-9D3FCE089CC5}" vid="{42E5908D-19A2-46FD-89FA-638B126129EF}"/>
     </a:ext>
   </a:extLst>
 </a:theme>
